--- a/clase 4/Capacitación Maratones.pptx
+++ b/clase 4/Capacitación Maratones.pptx
@@ -5,7 +5,7 @@
     <p:sldMasterId id="2147483670" r:id="rId1"/>
   </p:sldMasterIdLst>
   <p:notesMasterIdLst>
-    <p:notesMasterId r:id="rId22"/>
+    <p:notesMasterId r:id="rId23"/>
   </p:notesMasterIdLst>
   <p:sldIdLst>
     <p:sldId id="340" r:id="rId2"/>
@@ -15,66 +15,67 @@
     <p:sldId id="395" r:id="rId6"/>
     <p:sldId id="396" r:id="rId7"/>
     <p:sldId id="397" r:id="rId8"/>
-    <p:sldId id="394" r:id="rId9"/>
-    <p:sldId id="385" r:id="rId10"/>
-    <p:sldId id="390" r:id="rId11"/>
-    <p:sldId id="398" r:id="rId12"/>
-    <p:sldId id="399" r:id="rId13"/>
-    <p:sldId id="400" r:id="rId14"/>
-    <p:sldId id="401" r:id="rId15"/>
-    <p:sldId id="402" r:id="rId16"/>
-    <p:sldId id="403" r:id="rId17"/>
-    <p:sldId id="404" r:id="rId18"/>
-    <p:sldId id="405" r:id="rId19"/>
-    <p:sldId id="346" r:id="rId20"/>
-    <p:sldId id="276" r:id="rId21"/>
+    <p:sldId id="406" r:id="rId9"/>
+    <p:sldId id="408" r:id="rId10"/>
+    <p:sldId id="407" r:id="rId11"/>
+    <p:sldId id="394" r:id="rId12"/>
+    <p:sldId id="385" r:id="rId13"/>
+    <p:sldId id="399" r:id="rId14"/>
+    <p:sldId id="405" r:id="rId15"/>
+    <p:sldId id="346" r:id="rId16"/>
+    <p:sldId id="411" r:id="rId17"/>
+    <p:sldId id="410" r:id="rId18"/>
+    <p:sldId id="409" r:id="rId19"/>
+    <p:sldId id="390" r:id="rId20"/>
+    <p:sldId id="398" r:id="rId21"/>
+    <p:sldId id="276" r:id="rId22"/>
   </p:sldIdLst>
   <p:sldSz cx="9144000" cy="5143500" type="screen16x9"/>
   <p:notesSz cx="6858000" cy="9144000"/>
   <p:embeddedFontLst>
     <p:embeddedFont>
       <p:font typeface="Abadi" panose="020B0604020104020204" pitchFamily="34" charset="0"/>
-      <p:regular r:id="rId23"/>
+      <p:regular r:id="rId24"/>
     </p:embeddedFont>
     <p:embeddedFont>
       <p:font typeface="Anaheim" panose="020B0604020202020204" charset="0"/>
-      <p:regular r:id="rId24"/>
+      <p:regular r:id="rId25"/>
     </p:embeddedFont>
     <p:embeddedFont>
       <p:font typeface="Bahnschrift" panose="020B0502040204020203" pitchFamily="34" charset="0"/>
-      <p:regular r:id="rId25"/>
-      <p:bold r:id="rId26"/>
+      <p:regular r:id="rId26"/>
+      <p:bold r:id="rId27"/>
     </p:embeddedFont>
     <p:embeddedFont>
       <p:font typeface="Bahnschrift Light" panose="020B0502040204020203" pitchFamily="34" charset="0"/>
-      <p:regular r:id="rId27"/>
+      <p:regular r:id="rId28"/>
     </p:embeddedFont>
     <p:embeddedFont>
       <p:font typeface="Cambria Math" panose="02040503050406030204" pitchFamily="18" charset="0"/>
-      <p:regular r:id="rId28"/>
+      <p:regular r:id="rId29"/>
     </p:embeddedFont>
     <p:embeddedFont>
       <p:font typeface="Josefin Sans" pitchFamily="2" charset="0"/>
-      <p:regular r:id="rId29"/>
-      <p:bold r:id="rId30"/>
-      <p:italic r:id="rId31"/>
-      <p:boldItalic r:id="rId32"/>
+      <p:regular r:id="rId30"/>
+      <p:bold r:id="rId31"/>
+      <p:italic r:id="rId32"/>
+      <p:boldItalic r:id="rId33"/>
     </p:embeddedFont>
     <p:embeddedFont>
       <p:font typeface="Josefin Slab" pitchFamily="2" charset="0"/>
-      <p:regular r:id="rId33"/>
-      <p:bold r:id="rId34"/>
-      <p:italic r:id="rId35"/>
-      <p:boldItalic r:id="rId36"/>
+      <p:regular r:id="rId34"/>
+      <p:bold r:id="rId35"/>
+      <p:italic r:id="rId36"/>
+      <p:boldItalic r:id="rId37"/>
     </p:embeddedFont>
     <p:embeddedFont>
       <p:font typeface="Josefin Slab SemiBold" pitchFamily="2" charset="0"/>
-      <p:bold r:id="rId37"/>
-      <p:boldItalic r:id="rId38"/>
+      <p:bold r:id="rId38"/>
+      <p:boldItalic r:id="rId39"/>
     </p:embeddedFont>
     <p:embeddedFont>
       <p:font typeface="Staatliches" panose="020B0604020202020204" charset="0"/>
-      <p:regular r:id="rId39"/>
+      <p:regular r:id="rId40"/>
     </p:embeddedFont>
   </p:embeddedFontLst>
   <p:defaultTextStyle>
@@ -1098,7 +1099,7 @@
     </p:spTree>
     <p:extLst>
       <p:ext uri="{BB962C8B-B14F-4D97-AF65-F5344CB8AC3E}">
-        <p14:creationId xmlns:p14="http://schemas.microsoft.com/office/powerpoint/2010/main" val="3779368485"/>
+        <p14:creationId xmlns:p14="http://schemas.microsoft.com/office/powerpoint/2010/main" val="752451786"/>
       </p:ext>
     </p:extLst>
   </p:cSld>
@@ -1109,11 +1110,11 @@
 </file>
 
 <file path=ppt/notesSlides/notesSlide4.xml><?xml version="1.0" encoding="utf-8"?>
-<p:notes xmlns:a="http://schemas.openxmlformats.org/drawingml/2006/main" xmlns:r="http://schemas.openxmlformats.org/officeDocument/2006/relationships" xmlns:p="http://schemas.openxmlformats.org/presentationml/2006/main" showMasterSp="0" showMasterPhAnim="0">
+<p:notes xmlns:a="http://schemas.openxmlformats.org/drawingml/2006/main" xmlns:r="http://schemas.openxmlformats.org/officeDocument/2006/relationships" xmlns:p="http://schemas.openxmlformats.org/presentationml/2006/main">
   <p:cSld>
     <p:spTree>
       <p:nvGrpSpPr>
-        <p:cNvPr id="1" name="Shape 136"/>
+        <p:cNvPr id="1" name=""/>
         <p:cNvGrpSpPr/>
         <p:nvPr/>
       </p:nvGrpSpPr>
@@ -1127,12 +1128,12 @@
       </p:grpSpPr>
       <p:sp>
         <p:nvSpPr>
-          <p:cNvPr id="137" name="Google Shape;137;g4dfce81f19_0_45:notes"/>
+          <p:cNvPr id="2" name="Marcador de imagen de diapositiva 1"/>
           <p:cNvSpPr>
             <a:spLocks noGrp="1" noRot="1" noChangeAspect="1"/>
           </p:cNvSpPr>
           <p:nvPr>
-            <p:ph type="sldImg" idx="2"/>
+            <p:ph type="sldImg"/>
           </p:nvPr>
         </p:nvSpPr>
         <p:spPr>
@@ -1140,74 +1141,31 @@
             <a:off x="381000" y="685800"/>
             <a:ext cx="6096000" cy="3429000"/>
           </a:xfrm>
-          <a:custGeom>
-            <a:avLst/>
-            <a:gdLst/>
-            <a:ahLst/>
-            <a:cxnLst/>
-            <a:rect l="l" t="t" r="r" b="b"/>
-            <a:pathLst>
-              <a:path w="120000" h="120000" extrusionOk="0">
-                <a:moveTo>
-                  <a:pt x="0" y="0"/>
-                </a:moveTo>
-                <a:lnTo>
-                  <a:pt x="120000" y="0"/>
-                </a:lnTo>
-                <a:lnTo>
-                  <a:pt x="120000" y="120000"/>
-                </a:lnTo>
-                <a:lnTo>
-                  <a:pt x="0" y="120000"/>
-                </a:lnTo>
-                <a:close/>
-              </a:path>
-            </a:pathLst>
-          </a:custGeom>
         </p:spPr>
       </p:sp>
       <p:sp>
         <p:nvSpPr>
-          <p:cNvPr id="138" name="Google Shape;138;g4dfce81f19_0_45:notes"/>
-          <p:cNvSpPr txBox="1">
+          <p:cNvPr id="3" name="Marcador de notas 2"/>
+          <p:cNvSpPr>
             <a:spLocks noGrp="1"/>
           </p:cNvSpPr>
           <p:nvPr>
             <p:ph type="body" idx="1"/>
           </p:nvPr>
         </p:nvSpPr>
-        <p:spPr>
-          <a:xfrm>
-            <a:off x="685800" y="4343400"/>
-            <a:ext cx="5486400" cy="4114800"/>
-          </a:xfrm>
-          <a:prstGeom prst="rect">
-            <a:avLst/>
-          </a:prstGeom>
-        </p:spPr>
+        <p:spPr/>
         <p:txBody>
-          <a:bodyPr spcFirstLastPara="1" wrap="square" lIns="91425" tIns="91425" rIns="91425" bIns="91425" anchor="t" anchorCtr="0">
-            <a:noAutofit/>
-          </a:bodyPr>
+          <a:bodyPr/>
           <a:lstStyle/>
           <a:p>
-            <a:pPr marL="0" lvl="0" indent="0" algn="l" rtl="0">
-              <a:spcBef>
-                <a:spcPts val="0"/>
-              </a:spcBef>
-              <a:spcAft>
-                <a:spcPts val="0"/>
-              </a:spcAft>
-              <a:buNone/>
-            </a:pPr>
-            <a:endParaRPr/>
+            <a:endParaRPr lang="es-CO" dirty="0"/>
           </a:p>
         </p:txBody>
       </p:sp>
     </p:spTree>
     <p:extLst>
       <p:ext uri="{BB962C8B-B14F-4D97-AF65-F5344CB8AC3E}">
-        <p14:creationId xmlns:p14="http://schemas.microsoft.com/office/powerpoint/2010/main" val="752451786"/>
+        <p14:creationId xmlns:p14="http://schemas.microsoft.com/office/powerpoint/2010/main" val="464656134"/>
       </p:ext>
     </p:extLst>
   </p:cSld>
@@ -1273,7 +1231,7 @@
     </p:spTree>
     <p:extLst>
       <p:ext uri="{BB962C8B-B14F-4D97-AF65-F5344CB8AC3E}">
-        <p14:creationId xmlns:p14="http://schemas.microsoft.com/office/powerpoint/2010/main" val="464656134"/>
+        <p14:creationId xmlns:p14="http://schemas.microsoft.com/office/powerpoint/2010/main" val="3782119068"/>
       </p:ext>
     </p:extLst>
   </p:cSld>
@@ -1284,6 +1242,181 @@
 </file>
 
 <file path=ppt/notesSlides/notesSlide6.xml><?xml version="1.0" encoding="utf-8"?>
+<p:notes xmlns:a="http://schemas.openxmlformats.org/drawingml/2006/main" xmlns:r="http://schemas.openxmlformats.org/officeDocument/2006/relationships" xmlns:p="http://schemas.openxmlformats.org/presentationml/2006/main">
+  <p:cSld>
+    <p:spTree>
+      <p:nvGrpSpPr>
+        <p:cNvPr id="1" name=""/>
+        <p:cNvGrpSpPr/>
+        <p:nvPr/>
+      </p:nvGrpSpPr>
+      <p:grpSpPr>
+        <a:xfrm>
+          <a:off x="0" y="0"/>
+          <a:ext cx="0" cy="0"/>
+          <a:chOff x="0" y="0"/>
+          <a:chExt cx="0" cy="0"/>
+        </a:xfrm>
+      </p:grpSpPr>
+      <p:sp>
+        <p:nvSpPr>
+          <p:cNvPr id="2" name="Marcador de imagen de diapositiva 1"/>
+          <p:cNvSpPr>
+            <a:spLocks noGrp="1" noRot="1" noChangeAspect="1"/>
+          </p:cNvSpPr>
+          <p:nvPr>
+            <p:ph type="sldImg"/>
+          </p:nvPr>
+        </p:nvSpPr>
+        <p:spPr>
+          <a:xfrm>
+            <a:off x="381000" y="685800"/>
+            <a:ext cx="6096000" cy="3429000"/>
+          </a:xfrm>
+        </p:spPr>
+      </p:sp>
+      <p:sp>
+        <p:nvSpPr>
+          <p:cNvPr id="3" name="Marcador de notas 2"/>
+          <p:cNvSpPr>
+            <a:spLocks noGrp="1"/>
+          </p:cNvSpPr>
+          <p:nvPr>
+            <p:ph type="body" idx="1"/>
+          </p:nvPr>
+        </p:nvSpPr>
+        <p:spPr/>
+        <p:txBody>
+          <a:bodyPr/>
+          <a:lstStyle/>
+          <a:p>
+            <a:endParaRPr lang="es-CO" dirty="0"/>
+          </a:p>
+        </p:txBody>
+      </p:sp>
+    </p:spTree>
+    <p:extLst>
+      <p:ext uri="{BB962C8B-B14F-4D97-AF65-F5344CB8AC3E}">
+        <p14:creationId xmlns:p14="http://schemas.microsoft.com/office/powerpoint/2010/main" val="1071785948"/>
+      </p:ext>
+    </p:extLst>
+  </p:cSld>
+  <p:clrMapOvr>
+    <a:masterClrMapping/>
+  </p:clrMapOvr>
+</p:notes>
+</file>
+
+<file path=ppt/notesSlides/notesSlide7.xml><?xml version="1.0" encoding="utf-8"?>
+<p:notes xmlns:a="http://schemas.openxmlformats.org/drawingml/2006/main" xmlns:r="http://schemas.openxmlformats.org/officeDocument/2006/relationships" xmlns:p="http://schemas.openxmlformats.org/presentationml/2006/main" showMasterSp="0" showMasterPhAnim="0">
+  <p:cSld>
+    <p:spTree>
+      <p:nvGrpSpPr>
+        <p:cNvPr id="1" name="Shape 136"/>
+        <p:cNvGrpSpPr/>
+        <p:nvPr/>
+      </p:nvGrpSpPr>
+      <p:grpSpPr>
+        <a:xfrm>
+          <a:off x="0" y="0"/>
+          <a:ext cx="0" cy="0"/>
+          <a:chOff x="0" y="0"/>
+          <a:chExt cx="0" cy="0"/>
+        </a:xfrm>
+      </p:grpSpPr>
+      <p:sp>
+        <p:nvSpPr>
+          <p:cNvPr id="137" name="Google Shape;137;g4dfce81f19_0_45:notes"/>
+          <p:cNvSpPr>
+            <a:spLocks noGrp="1" noRot="1" noChangeAspect="1"/>
+          </p:cNvSpPr>
+          <p:nvPr>
+            <p:ph type="sldImg" idx="2"/>
+          </p:nvPr>
+        </p:nvSpPr>
+        <p:spPr>
+          <a:xfrm>
+            <a:off x="381000" y="685800"/>
+            <a:ext cx="6096000" cy="3429000"/>
+          </a:xfrm>
+          <a:custGeom>
+            <a:avLst/>
+            <a:gdLst/>
+            <a:ahLst/>
+            <a:cxnLst/>
+            <a:rect l="l" t="t" r="r" b="b"/>
+            <a:pathLst>
+              <a:path w="120000" h="120000" extrusionOk="0">
+                <a:moveTo>
+                  <a:pt x="0" y="0"/>
+                </a:moveTo>
+                <a:lnTo>
+                  <a:pt x="120000" y="0"/>
+                </a:lnTo>
+                <a:lnTo>
+                  <a:pt x="120000" y="120000"/>
+                </a:lnTo>
+                <a:lnTo>
+                  <a:pt x="0" y="120000"/>
+                </a:lnTo>
+                <a:close/>
+              </a:path>
+            </a:pathLst>
+          </a:custGeom>
+        </p:spPr>
+      </p:sp>
+      <p:sp>
+        <p:nvSpPr>
+          <p:cNvPr id="138" name="Google Shape;138;g4dfce81f19_0_45:notes"/>
+          <p:cNvSpPr txBox="1">
+            <a:spLocks noGrp="1"/>
+          </p:cNvSpPr>
+          <p:nvPr>
+            <p:ph type="body" idx="1"/>
+          </p:nvPr>
+        </p:nvSpPr>
+        <p:spPr>
+          <a:xfrm>
+            <a:off x="685800" y="4343400"/>
+            <a:ext cx="5486400" cy="4114800"/>
+          </a:xfrm>
+          <a:prstGeom prst="rect">
+            <a:avLst/>
+          </a:prstGeom>
+        </p:spPr>
+        <p:txBody>
+          <a:bodyPr spcFirstLastPara="1" wrap="square" lIns="91425" tIns="91425" rIns="91425" bIns="91425" anchor="t" anchorCtr="0">
+            <a:noAutofit/>
+          </a:bodyPr>
+          <a:lstStyle/>
+          <a:p>
+            <a:pPr marL="0" lvl="0" indent="0" algn="l" rtl="0">
+              <a:spcBef>
+                <a:spcPts val="0"/>
+              </a:spcBef>
+              <a:spcAft>
+                <a:spcPts val="0"/>
+              </a:spcAft>
+              <a:buNone/>
+            </a:pPr>
+            <a:endParaRPr/>
+          </a:p>
+        </p:txBody>
+      </p:sp>
+    </p:spTree>
+    <p:extLst>
+      <p:ext uri="{BB962C8B-B14F-4D97-AF65-F5344CB8AC3E}">
+        <p14:creationId xmlns:p14="http://schemas.microsoft.com/office/powerpoint/2010/main" val="219076219"/>
+      </p:ext>
+    </p:extLst>
+  </p:cSld>
+  <p:clrMapOvr>
+    <a:masterClrMapping/>
+  </p:clrMapOvr>
+</p:notes>
+</file>
+
+<file path=ppt/notesSlides/notesSlide8.xml><?xml version="1.0" encoding="utf-8"?>
 <p:notes xmlns:a="http://schemas.openxmlformats.org/drawingml/2006/main" xmlns:r="http://schemas.openxmlformats.org/officeDocument/2006/relationships" xmlns:p="http://schemas.openxmlformats.org/presentationml/2006/main" showMasterSp="0" showMasterPhAnim="0">
   <p:cSld>
     <p:spTree>
@@ -4981,6 +5114,458 @@
   <p:cSld>
     <p:spTree>
       <p:nvGrpSpPr>
+        <p:cNvPr id="1" name=""/>
+        <p:cNvGrpSpPr/>
+        <p:nvPr/>
+      </p:nvGrpSpPr>
+      <p:grpSpPr>
+        <a:xfrm>
+          <a:off x="0" y="0"/>
+          <a:ext cx="0" cy="0"/>
+          <a:chOff x="0" y="0"/>
+          <a:chExt cx="0" cy="0"/>
+        </a:xfrm>
+      </p:grpSpPr>
+      <mc:AlternateContent xmlns:mc="http://schemas.openxmlformats.org/markup-compatibility/2006" xmlns:a14="http://schemas.microsoft.com/office/drawing/2010/main">
+        <mc:Choice Requires="a14">
+          <p:sp>
+            <p:nvSpPr>
+              <p:cNvPr id="2" name="Subtítulo 1">
+                <a:extLst>
+                  <a:ext uri="{FF2B5EF4-FFF2-40B4-BE49-F238E27FC236}">
+                    <a16:creationId xmlns:a16="http://schemas.microsoft.com/office/drawing/2014/main" id="{29A75048-B2F8-4A8B-9645-CF6D9A7AE10B}"/>
+                  </a:ext>
+                </a:extLst>
+              </p:cNvPr>
+              <p:cNvSpPr>
+                <a:spLocks noGrp="1"/>
+              </p:cNvSpPr>
+              <p:nvPr>
+                <p:ph type="subTitle" idx="1"/>
+              </p:nvPr>
+            </p:nvSpPr>
+            <p:spPr>
+              <a:xfrm flipH="1">
+                <a:off x="4329594" y="2329674"/>
+                <a:ext cx="4624477" cy="1082474"/>
+              </a:xfrm>
+            </p:spPr>
+            <p:txBody>
+              <a:bodyPr/>
+              <a:lstStyle/>
+              <a:p>
+                <a:pPr marL="152400" indent="0">
+                  <a:buNone/>
+                </a:pPr>
+                <a:r>
+                  <a:rPr lang="es-ES" dirty="0">
+                    <a:latin typeface="Abadi" panose="020B0604020104020204" pitchFamily="34" charset="0"/>
+                  </a:rPr>
+                  <a:t>Si tenemos un conjunto de n elementos podemos calcular cada uno de los sub conjuntos posibles con los números menores de </a:t>
+                </a:r>
+                <a14:m>
+                  <m:oMath xmlns:m="http://schemas.openxmlformats.org/officeDocument/2006/math">
+                    <m:sSup>
+                      <m:sSupPr>
+                        <m:ctrlPr>
+                          <a:rPr lang="es-ES" i="1" smtClean="0">
+                            <a:latin typeface="Cambria Math" panose="02040503050406030204" pitchFamily="18" charset="0"/>
+                          </a:rPr>
+                        </m:ctrlPr>
+                      </m:sSupPr>
+                      <m:e>
+                        <m:r>
+                          <a:rPr lang="es-ES" b="0" i="1" smtClean="0">
+                            <a:latin typeface="Cambria Math" panose="02040503050406030204" pitchFamily="18" charset="0"/>
+                          </a:rPr>
+                          <m:t>2</m:t>
+                        </m:r>
+                      </m:e>
+                      <m:sup>
+                        <m:r>
+                          <a:rPr lang="es-ES" b="0" i="1" smtClean="0">
+                            <a:latin typeface="Cambria Math" panose="02040503050406030204" pitchFamily="18" charset="0"/>
+                          </a:rPr>
+                          <m:t>𝑛</m:t>
+                        </m:r>
+                      </m:sup>
+                    </m:sSup>
+                  </m:oMath>
+                </a14:m>
+                <a:r>
+                  <a:rPr lang="es-ES" dirty="0">
+                    <a:latin typeface="Abadi" panose="020B0604020104020204" pitchFamily="34" charset="0"/>
+                  </a:rPr>
+                  <a:t> como que cada bit es que esta presente o no uno de los elementos del conjunto</a:t>
+                </a:r>
+              </a:p>
+            </p:txBody>
+          </p:sp>
+        </mc:Choice>
+        <mc:Fallback xmlns="">
+          <p:sp>
+            <p:nvSpPr>
+              <p:cNvPr id="2" name="Subtítulo 1">
+                <a:extLst>
+                  <a:ext uri="{FF2B5EF4-FFF2-40B4-BE49-F238E27FC236}">
+                    <a16:creationId xmlns:a16="http://schemas.microsoft.com/office/drawing/2014/main" id="{29A75048-B2F8-4A8B-9645-CF6D9A7AE10B}"/>
+                  </a:ext>
+                </a:extLst>
+              </p:cNvPr>
+              <p:cNvSpPr>
+                <a:spLocks noGrp="1" noRot="1" noChangeAspect="1" noMove="1" noResize="1" noEditPoints="1" noAdjustHandles="1" noChangeArrowheads="1" noChangeShapeType="1" noTextEdit="1"/>
+              </p:cNvSpPr>
+              <p:nvPr>
+                <p:ph type="subTitle" idx="1"/>
+              </p:nvPr>
+            </p:nvSpPr>
+            <p:spPr>
+              <a:xfrm flipH="1">
+                <a:off x="4329594" y="2329674"/>
+                <a:ext cx="4624477" cy="1082474"/>
+              </a:xfrm>
+              <a:blipFill>
+                <a:blip r:embed="rId2"/>
+                <a:stretch>
+                  <a:fillRect/>
+                </a:stretch>
+              </a:blipFill>
+            </p:spPr>
+            <p:txBody>
+              <a:bodyPr/>
+              <a:lstStyle/>
+              <a:p>
+                <a:r>
+                  <a:rPr lang="es-CO">
+                    <a:noFill/>
+                  </a:rPr>
+                  <a:t> </a:t>
+                </a:r>
+              </a:p>
+            </p:txBody>
+          </p:sp>
+        </mc:Fallback>
+      </mc:AlternateContent>
+      <p:sp>
+        <p:nvSpPr>
+          <p:cNvPr id="3" name="Título 2">
+            <a:extLst>
+              <a:ext uri="{FF2B5EF4-FFF2-40B4-BE49-F238E27FC236}">
+                <a16:creationId xmlns:a16="http://schemas.microsoft.com/office/drawing/2014/main" id="{958E9C0A-1B7C-480F-B568-0D2DDEF32A6F}"/>
+              </a:ext>
+            </a:extLst>
+          </p:cNvPr>
+          <p:cNvSpPr>
+            <a:spLocks noGrp="1"/>
+          </p:cNvSpPr>
+          <p:nvPr>
+            <p:ph type="ctrTitle"/>
+          </p:nvPr>
+        </p:nvSpPr>
+        <p:spPr>
+          <a:xfrm>
+            <a:off x="5653463" y="439731"/>
+            <a:ext cx="3194700" cy="481200"/>
+          </a:xfrm>
+        </p:spPr>
+        <p:txBody>
+          <a:bodyPr/>
+          <a:lstStyle/>
+          <a:p>
+            <a:r>
+              <a:rPr lang="es-ES" dirty="0"/>
+              <a:t>Mascara de bits</a:t>
+            </a:r>
+            <a:endParaRPr lang="es-CO" dirty="0"/>
+          </a:p>
+        </p:txBody>
+      </p:sp>
+      <p:pic>
+        <p:nvPicPr>
+          <p:cNvPr id="4" name="Picture 4" descr="Símbolos Universitarios – Universidad de Nariño">
+            <a:extLst>
+              <a:ext uri="{FF2B5EF4-FFF2-40B4-BE49-F238E27FC236}">
+                <a16:creationId xmlns:a16="http://schemas.microsoft.com/office/drawing/2014/main" id="{0B2EA667-CB57-4DF8-BB35-E9AFDF367C2B}"/>
+              </a:ext>
+            </a:extLst>
+          </p:cNvPr>
+          <p:cNvPicPr>
+            <a:picLocks noChangeAspect="1" noChangeArrowheads="1"/>
+          </p:cNvPicPr>
+          <p:nvPr/>
+        </p:nvPicPr>
+        <p:blipFill>
+          <a:blip r:embed="rId3">
+            <a:extLst>
+              <a:ext uri="{28A0092B-C50C-407E-A947-70E740481C1C}">
+                <a14:useLocalDpi xmlns:a14="http://schemas.microsoft.com/office/drawing/2010/main" val="0"/>
+              </a:ext>
+            </a:extLst>
+          </a:blip>
+          <a:srcRect/>
+          <a:stretch>
+            <a:fillRect/>
+          </a:stretch>
+        </p:blipFill>
+        <p:spPr bwMode="auto">
+          <a:xfrm>
+            <a:off x="215587" y="259970"/>
+            <a:ext cx="660961" cy="660961"/>
+          </a:xfrm>
+          <a:prstGeom prst="rect">
+            <a:avLst/>
+          </a:prstGeom>
+          <a:noFill/>
+          <a:extLst>
+            <a:ext uri="{909E8E84-426E-40DD-AFC4-6F175D3DCCD1}">
+              <a14:hiddenFill xmlns:a14="http://schemas.microsoft.com/office/drawing/2010/main">
+                <a:solidFill>
+                  <a:srgbClr val="FFFFFF"/>
+                </a:solidFill>
+              </a14:hiddenFill>
+            </a:ext>
+          </a:extLst>
+        </p:spPr>
+      </p:pic>
+      <p:pic>
+        <p:nvPicPr>
+          <p:cNvPr id="5" name="Imagen 4">
+            <a:extLst>
+              <a:ext uri="{FF2B5EF4-FFF2-40B4-BE49-F238E27FC236}">
+                <a16:creationId xmlns:a16="http://schemas.microsoft.com/office/drawing/2014/main" id="{1B46FA37-FA47-4459-8828-383FB697E3AF}"/>
+              </a:ext>
+            </a:extLst>
+          </p:cNvPr>
+          <p:cNvPicPr>
+            <a:picLocks noChangeAspect="1"/>
+          </p:cNvPicPr>
+          <p:nvPr/>
+        </p:nvPicPr>
+        <p:blipFill rotWithShape="1">
+          <a:blip r:embed="rId4"/>
+          <a:srcRect l="53279" t="4713" r="5319"/>
+          <a:stretch/>
+        </p:blipFill>
+        <p:spPr>
+          <a:xfrm>
+            <a:off x="984125" y="201706"/>
+            <a:ext cx="918577" cy="804385"/>
+          </a:xfrm>
+          <a:prstGeom prst="ellipse">
+            <a:avLst/>
+          </a:prstGeom>
+          <a:ln>
+            <a:noFill/>
+          </a:ln>
+          <a:effectLst>
+            <a:softEdge rad="112500"/>
+          </a:effectLst>
+        </p:spPr>
+      </p:pic>
+      <p:sp>
+        <p:nvSpPr>
+          <p:cNvPr id="6" name="Rectángulo 5">
+            <a:extLst>
+              <a:ext uri="{FF2B5EF4-FFF2-40B4-BE49-F238E27FC236}">
+                <a16:creationId xmlns:a16="http://schemas.microsoft.com/office/drawing/2014/main" id="{7DCDF11F-935D-413B-93EB-EC9C70694C19}"/>
+              </a:ext>
+            </a:extLst>
+          </p:cNvPr>
+          <p:cNvSpPr/>
+          <p:nvPr/>
+        </p:nvSpPr>
+        <p:spPr>
+          <a:xfrm>
+            <a:off x="295837" y="1276419"/>
+            <a:ext cx="3887057" cy="3355041"/>
+          </a:xfrm>
+          <a:prstGeom prst="rect">
+            <a:avLst/>
+          </a:prstGeom>
+          <a:solidFill>
+            <a:srgbClr val="FFFFFF"/>
+          </a:solidFill>
+          <a:ln>
+            <a:solidFill>
+              <a:srgbClr val="BAF7C9"/>
+            </a:solidFill>
+          </a:ln>
+        </p:spPr>
+        <p:style>
+          <a:lnRef idx="2">
+            <a:schemeClr val="accent1">
+              <a:shade val="50000"/>
+            </a:schemeClr>
+          </a:lnRef>
+          <a:fillRef idx="1">
+            <a:schemeClr val="accent1"/>
+          </a:fillRef>
+          <a:effectRef idx="0">
+            <a:schemeClr val="accent1"/>
+          </a:effectRef>
+          <a:fontRef idx="minor">
+            <a:schemeClr val="lt1"/>
+          </a:fontRef>
+        </p:style>
+        <p:txBody>
+          <a:bodyPr rtlCol="0" anchor="ctr"/>
+          <a:lstStyle/>
+          <a:p>
+            <a:pPr marL="0" marR="0" lvl="0" indent="0" algn="ctr" defTabSz="914400" rtl="0" eaLnBrk="1" fontAlgn="auto" latinLnBrk="0" hangingPunct="1">
+              <a:lnSpc>
+                <a:spcPct val="100000"/>
+              </a:lnSpc>
+              <a:spcBef>
+                <a:spcPts val="0"/>
+              </a:spcBef>
+              <a:spcAft>
+                <a:spcPts val="0"/>
+              </a:spcAft>
+              <a:buClr>
+                <a:srgbClr val="000000"/>
+              </a:buClr>
+              <a:buSzTx/>
+              <a:buFont typeface="Arial"/>
+              <a:buNone/>
+              <a:tabLst/>
+              <a:defRPr/>
+            </a:pPr>
+            <a:endParaRPr kumimoji="0" lang="es-CO" sz="1400" b="0" i="0" u="none" strike="noStrike" kern="0" cap="none" spc="0" normalizeH="0" baseline="0" noProof="0">
+              <a:ln>
+                <a:noFill/>
+              </a:ln>
+              <a:solidFill>
+                <a:srgbClr val="BAF7C9"/>
+              </a:solidFill>
+              <a:effectLst/>
+              <a:uLnTx/>
+              <a:uFillTx/>
+              <a:latin typeface="Arial"/>
+              <a:ea typeface="+mn-ea"/>
+              <a:cs typeface="+mn-cs"/>
+              <a:sym typeface="Arial"/>
+            </a:endParaRPr>
+          </a:p>
+        </p:txBody>
+      </p:sp>
+      <p:sp>
+        <p:nvSpPr>
+          <p:cNvPr id="9" name="CuadroTexto 8">
+            <a:extLst>
+              <a:ext uri="{FF2B5EF4-FFF2-40B4-BE49-F238E27FC236}">
+                <a16:creationId xmlns:a16="http://schemas.microsoft.com/office/drawing/2014/main" id="{96A49DC7-5E6F-47D9-B4D4-5E7A5DC31FAE}"/>
+              </a:ext>
+            </a:extLst>
+          </p:cNvPr>
+          <p:cNvSpPr txBox="1"/>
+          <p:nvPr/>
+        </p:nvSpPr>
+        <p:spPr>
+          <a:xfrm>
+            <a:off x="5959659" y="1052271"/>
+            <a:ext cx="2823653" cy="307777"/>
+          </a:xfrm>
+          <a:prstGeom prst="rect">
+            <a:avLst/>
+          </a:prstGeom>
+          <a:noFill/>
+        </p:spPr>
+        <p:txBody>
+          <a:bodyPr wrap="square" rtlCol="0">
+            <a:spAutoFit/>
+          </a:bodyPr>
+          <a:lstStyle/>
+          <a:p>
+            <a:pPr marL="0" marR="0" lvl="0" indent="0" algn="r" defTabSz="914400" rtl="0" eaLnBrk="1" fontAlgn="auto" latinLnBrk="0" hangingPunct="1">
+              <a:lnSpc>
+                <a:spcPct val="100000"/>
+              </a:lnSpc>
+              <a:spcBef>
+                <a:spcPts val="0"/>
+              </a:spcBef>
+              <a:spcAft>
+                <a:spcPts val="0"/>
+              </a:spcAft>
+              <a:buClr>
+                <a:srgbClr val="000000"/>
+              </a:buClr>
+              <a:buSzTx/>
+              <a:buFont typeface="Arial"/>
+              <a:buNone/>
+              <a:tabLst/>
+              <a:defRPr/>
+            </a:pPr>
+            <a:r>
+              <a:rPr kumimoji="0" lang="es-ES" sz="1400" b="0" i="0" u="none" strike="noStrike" kern="0" cap="none" spc="0" normalizeH="0" baseline="0" noProof="0" dirty="0">
+                <a:ln>
+                  <a:noFill/>
+                </a:ln>
+                <a:solidFill>
+                  <a:srgbClr val="666666">
+                    <a:lumMod val="60000"/>
+                    <a:lumOff val="40000"/>
+                  </a:srgbClr>
+                </a:solidFill>
+                <a:effectLst/>
+                <a:uLnTx/>
+                <a:uFillTx/>
+                <a:latin typeface="Staatliches" panose="020B0604020202020204" charset="0"/>
+                <a:cs typeface="Arial"/>
+                <a:sym typeface="Arial"/>
+              </a:rPr>
+              <a:t>Conjunto potencia</a:t>
+            </a:r>
+          </a:p>
+        </p:txBody>
+      </p:sp>
+      <p:pic>
+        <p:nvPicPr>
+          <p:cNvPr id="10" name="Imagen 9" descr="Forma&#10;&#10;Descripción generada automáticamente con confianza baja">
+            <a:extLst>
+              <a:ext uri="{FF2B5EF4-FFF2-40B4-BE49-F238E27FC236}">
+                <a16:creationId xmlns:a16="http://schemas.microsoft.com/office/drawing/2014/main" id="{B5EE1F81-DB03-419A-93A5-F043F385393E}"/>
+              </a:ext>
+            </a:extLst>
+          </p:cNvPr>
+          <p:cNvPicPr>
+            <a:picLocks noChangeAspect="1"/>
+          </p:cNvPicPr>
+          <p:nvPr/>
+        </p:nvPicPr>
+        <p:blipFill>
+          <a:blip r:embed="rId5"/>
+          <a:stretch>
+            <a:fillRect/>
+          </a:stretch>
+        </p:blipFill>
+        <p:spPr>
+          <a:xfrm>
+            <a:off x="1892886" y="1405037"/>
+            <a:ext cx="692958" cy="3201465"/>
+          </a:xfrm>
+          <a:prstGeom prst="rect">
+            <a:avLst/>
+          </a:prstGeom>
+        </p:spPr>
+      </p:pic>
+    </p:spTree>
+    <p:extLst>
+      <p:ext uri="{BB962C8B-B14F-4D97-AF65-F5344CB8AC3E}">
+        <p14:creationId xmlns:p14="http://schemas.microsoft.com/office/powerpoint/2010/main" val="3930771841"/>
+      </p:ext>
+    </p:extLst>
+  </p:cSld>
+  <p:clrMapOvr>
+    <a:masterClrMapping/>
+  </p:clrMapOvr>
+</p:sld>
+</file>
+
+<file path=ppt/slides/slide11.xml><?xml version="1.0" encoding="utf-8"?>
+<p:sld xmlns:a="http://schemas.openxmlformats.org/drawingml/2006/main" xmlns:r="http://schemas.openxmlformats.org/officeDocument/2006/relationships" xmlns:p="http://schemas.openxmlformats.org/presentationml/2006/main">
+  <p:cSld>
+    <p:spTree>
+      <p:nvGrpSpPr>
         <p:cNvPr id="1" name="Shape 139"/>
         <p:cNvGrpSpPr/>
         <p:nvPr/>
@@ -5189,6 +5774,3680 @@
                   <a:schemeClr val="tx1"/>
                 </a:solidFill>
               </a:rPr>
+              <a:t>02. </a:t>
+            </a:r>
+            <a:r>
+              <a:rPr lang="es-ES" sz="3200" dirty="0">
+                <a:solidFill>
+                  <a:schemeClr val="tx1"/>
+                </a:solidFill>
+              </a:rPr>
+              <a:t>Estructura de datos</a:t>
+            </a:r>
+            <a:endParaRPr sz="3200" dirty="0">
+              <a:solidFill>
+                <a:schemeClr val="tx1"/>
+              </a:solidFill>
+            </a:endParaRPr>
+          </a:p>
+        </p:txBody>
+      </p:sp>
+      <p:pic>
+        <p:nvPicPr>
+          <p:cNvPr id="1028" name="Picture 4" descr="Símbolos Universitarios – Universidad de Nariño">
+            <a:extLst>
+              <a:ext uri="{FF2B5EF4-FFF2-40B4-BE49-F238E27FC236}">
+                <a16:creationId xmlns:a16="http://schemas.microsoft.com/office/drawing/2014/main" id="{EDF64FA2-360A-4D3A-AF78-F1E4C7CCFD55}"/>
+              </a:ext>
+            </a:extLst>
+          </p:cNvPr>
+          <p:cNvPicPr>
+            <a:picLocks noChangeAspect="1" noChangeArrowheads="1"/>
+          </p:cNvPicPr>
+          <p:nvPr/>
+        </p:nvPicPr>
+        <p:blipFill>
+          <a:blip r:embed="rId3">
+            <a:extLst>
+              <a:ext uri="{28A0092B-C50C-407E-A947-70E740481C1C}">
+                <a14:useLocalDpi xmlns:a14="http://schemas.microsoft.com/office/drawing/2010/main" val="0"/>
+              </a:ext>
+            </a:extLst>
+          </a:blip>
+          <a:srcRect/>
+          <a:stretch>
+            <a:fillRect/>
+          </a:stretch>
+        </p:blipFill>
+        <p:spPr bwMode="auto">
+          <a:xfrm>
+            <a:off x="291117" y="219456"/>
+            <a:ext cx="660961" cy="660961"/>
+          </a:xfrm>
+          <a:prstGeom prst="rect">
+            <a:avLst/>
+          </a:prstGeom>
+          <a:noFill/>
+          <a:extLst>
+            <a:ext uri="{909E8E84-426E-40DD-AFC4-6F175D3DCCD1}">
+              <a14:hiddenFill xmlns:a14="http://schemas.microsoft.com/office/drawing/2010/main">
+                <a:solidFill>
+                  <a:srgbClr val="FFFFFF"/>
+                </a:solidFill>
+              </a14:hiddenFill>
+            </a:ext>
+          </a:extLst>
+        </p:spPr>
+      </p:pic>
+      <p:pic>
+        <p:nvPicPr>
+          <p:cNvPr id="417" name="Imagen 416">
+            <a:extLst>
+              <a:ext uri="{FF2B5EF4-FFF2-40B4-BE49-F238E27FC236}">
+                <a16:creationId xmlns:a16="http://schemas.microsoft.com/office/drawing/2014/main" id="{6C54B729-21DA-4852-927D-4E13F29541B2}"/>
+              </a:ext>
+            </a:extLst>
+          </p:cNvPr>
+          <p:cNvPicPr>
+            <a:picLocks noChangeAspect="1"/>
+          </p:cNvPicPr>
+          <p:nvPr/>
+        </p:nvPicPr>
+        <p:blipFill rotWithShape="1">
+          <a:blip r:embed="rId4"/>
+          <a:srcRect l="53279" t="4713" r="5319"/>
+          <a:stretch/>
+        </p:blipFill>
+        <p:spPr>
+          <a:xfrm>
+            <a:off x="1082048" y="147745"/>
+            <a:ext cx="918577" cy="804385"/>
+          </a:xfrm>
+          <a:prstGeom prst="ellipse">
+            <a:avLst/>
+          </a:prstGeom>
+          <a:ln>
+            <a:noFill/>
+          </a:ln>
+          <a:effectLst>
+            <a:softEdge rad="112500"/>
+          </a:effectLst>
+        </p:spPr>
+      </p:pic>
+      <p:sp>
+        <p:nvSpPr>
+          <p:cNvPr id="4" name="Rectángulo 3">
+            <a:extLst>
+              <a:ext uri="{FF2B5EF4-FFF2-40B4-BE49-F238E27FC236}">
+                <a16:creationId xmlns:a16="http://schemas.microsoft.com/office/drawing/2014/main" id="{F04C2CAB-775C-4D47-9732-B8CCEE3CC5EB}"/>
+              </a:ext>
+            </a:extLst>
+          </p:cNvPr>
+          <p:cNvSpPr/>
+          <p:nvPr/>
+        </p:nvSpPr>
+        <p:spPr>
+          <a:xfrm>
+            <a:off x="3494643" y="665629"/>
+            <a:ext cx="5555228" cy="4128246"/>
+          </a:xfrm>
+          <a:prstGeom prst="rect">
+            <a:avLst/>
+          </a:prstGeom>
+          <a:solidFill>
+            <a:srgbClr val="FFFFFF"/>
+          </a:solidFill>
+          <a:ln>
+            <a:noFill/>
+          </a:ln>
+        </p:spPr>
+        <p:style>
+          <a:lnRef idx="2">
+            <a:schemeClr val="accent1">
+              <a:shade val="50000"/>
+            </a:schemeClr>
+          </a:lnRef>
+          <a:fillRef idx="1">
+            <a:schemeClr val="accent1"/>
+          </a:fillRef>
+          <a:effectRef idx="0">
+            <a:schemeClr val="accent1"/>
+          </a:effectRef>
+          <a:fontRef idx="minor">
+            <a:schemeClr val="lt1"/>
+          </a:fontRef>
+        </p:style>
+        <p:txBody>
+          <a:bodyPr rtlCol="0" anchor="ctr"/>
+          <a:lstStyle/>
+          <a:p>
+            <a:pPr algn="ctr"/>
+            <a:endParaRPr lang="es-CO"/>
+          </a:p>
+        </p:txBody>
+      </p:sp>
+      <p:pic>
+        <p:nvPicPr>
+          <p:cNvPr id="10" name="Imagen 9">
+            <a:extLst>
+              <a:ext uri="{FF2B5EF4-FFF2-40B4-BE49-F238E27FC236}">
+                <a16:creationId xmlns:a16="http://schemas.microsoft.com/office/drawing/2014/main" id="{07EF8207-E833-45A9-ADDF-FDFB555654F9}"/>
+              </a:ext>
+            </a:extLst>
+          </p:cNvPr>
+          <p:cNvPicPr>
+            <a:picLocks noChangeAspect="1"/>
+          </p:cNvPicPr>
+          <p:nvPr/>
+        </p:nvPicPr>
+        <p:blipFill>
+          <a:blip r:embed="rId5"/>
+          <a:stretch>
+            <a:fillRect/>
+          </a:stretch>
+        </p:blipFill>
+        <p:spPr>
+          <a:xfrm>
+            <a:off x="4763310" y="2359847"/>
+            <a:ext cx="4064659" cy="2287048"/>
+          </a:xfrm>
+          <a:prstGeom prst="rect">
+            <a:avLst/>
+          </a:prstGeom>
+        </p:spPr>
+      </p:pic>
+      <p:pic>
+        <p:nvPicPr>
+          <p:cNvPr id="2" name="Imagen 1">
+            <a:extLst>
+              <a:ext uri="{FF2B5EF4-FFF2-40B4-BE49-F238E27FC236}">
+                <a16:creationId xmlns:a16="http://schemas.microsoft.com/office/drawing/2014/main" id="{98553344-B994-4282-AEED-DA3F40CC974C}"/>
+              </a:ext>
+            </a:extLst>
+          </p:cNvPr>
+          <p:cNvPicPr>
+            <a:picLocks noChangeAspect="1"/>
+          </p:cNvPicPr>
+          <p:nvPr/>
+        </p:nvPicPr>
+        <p:blipFill rotWithShape="1">
+          <a:blip r:embed="rId6"/>
+          <a:srcRect l="16892" r="14542"/>
+          <a:stretch/>
+        </p:blipFill>
+        <p:spPr>
+          <a:xfrm>
+            <a:off x="3674236" y="886662"/>
+            <a:ext cx="1950207" cy="1587485"/>
+          </a:xfrm>
+          <a:prstGeom prst="rect">
+            <a:avLst/>
+          </a:prstGeom>
+        </p:spPr>
+      </p:pic>
+      <p:pic>
+        <p:nvPicPr>
+          <p:cNvPr id="11" name="Imagen 10">
+            <a:extLst>
+              <a:ext uri="{FF2B5EF4-FFF2-40B4-BE49-F238E27FC236}">
+                <a16:creationId xmlns:a16="http://schemas.microsoft.com/office/drawing/2014/main" id="{74EA1CE9-C626-437A-953F-11B6CAAF6E15}"/>
+              </a:ext>
+            </a:extLst>
+          </p:cNvPr>
+          <p:cNvPicPr>
+            <a:picLocks noChangeAspect="1"/>
+          </p:cNvPicPr>
+          <p:nvPr/>
+        </p:nvPicPr>
+        <p:blipFill>
+          <a:blip r:embed="rId7"/>
+          <a:stretch>
+            <a:fillRect/>
+          </a:stretch>
+        </p:blipFill>
+        <p:spPr>
+          <a:xfrm>
+            <a:off x="6093975" y="902072"/>
+            <a:ext cx="2095949" cy="1309968"/>
+          </a:xfrm>
+          <a:prstGeom prst="rect">
+            <a:avLst/>
+          </a:prstGeom>
+        </p:spPr>
+      </p:pic>
+    </p:spTree>
+    <p:extLst>
+      <p:ext uri="{BB962C8B-B14F-4D97-AF65-F5344CB8AC3E}">
+        <p14:creationId xmlns:p14="http://schemas.microsoft.com/office/powerpoint/2010/main" val="485222575"/>
+      </p:ext>
+    </p:extLst>
+  </p:cSld>
+  <p:clrMapOvr>
+    <a:masterClrMapping/>
+  </p:clrMapOvr>
+</p:sld>
+</file>
+
+<file path=ppt/slides/slide12.xml><?xml version="1.0" encoding="utf-8"?>
+<p:sld xmlns:a="http://schemas.openxmlformats.org/drawingml/2006/main" xmlns:r="http://schemas.openxmlformats.org/officeDocument/2006/relationships" xmlns:p="http://schemas.openxmlformats.org/presentationml/2006/main">
+  <p:cSld>
+    <p:spTree>
+      <p:nvGrpSpPr>
+        <p:cNvPr id="1" name=""/>
+        <p:cNvGrpSpPr/>
+        <p:nvPr/>
+      </p:nvGrpSpPr>
+      <p:grpSpPr>
+        <a:xfrm>
+          <a:off x="0" y="0"/>
+          <a:ext cx="0" cy="0"/>
+          <a:chOff x="0" y="0"/>
+          <a:chExt cx="0" cy="0"/>
+        </a:xfrm>
+      </p:grpSpPr>
+      <p:sp>
+        <p:nvSpPr>
+          <p:cNvPr id="2" name="Subtítulo 1">
+            <a:extLst>
+              <a:ext uri="{FF2B5EF4-FFF2-40B4-BE49-F238E27FC236}">
+                <a16:creationId xmlns:a16="http://schemas.microsoft.com/office/drawing/2014/main" id="{29A75048-B2F8-4A8B-9645-CF6D9A7AE10B}"/>
+              </a:ext>
+            </a:extLst>
+          </p:cNvPr>
+          <p:cNvSpPr>
+            <a:spLocks noGrp="1"/>
+          </p:cNvSpPr>
+          <p:nvPr>
+            <p:ph type="subTitle" idx="1"/>
+          </p:nvPr>
+        </p:nvSpPr>
+        <p:spPr>
+          <a:xfrm flipH="1">
+            <a:off x="4008219" y="2630916"/>
+            <a:ext cx="4840506" cy="845102"/>
+          </a:xfrm>
+        </p:spPr>
+        <p:txBody>
+          <a:bodyPr/>
+          <a:lstStyle/>
+          <a:p>
+            <a:pPr marL="152400" indent="0" algn="just">
+              <a:buNone/>
+            </a:pPr>
+            <a:r>
+              <a:rPr lang="es-CO" sz="1200" dirty="0">
+                <a:latin typeface="Abadi" panose="020B0604020104020204" pitchFamily="34" charset="0"/>
+              </a:rPr>
+              <a:t>El Montículo binario o cola de prioridad es una estructura de datos que nos permite sacar el máximo o el mínimo de un conjunto de datos con mayor eficiencia. </a:t>
+            </a:r>
+          </a:p>
+          <a:p>
+            <a:pPr marL="152400" indent="0" algn="just">
+              <a:buNone/>
+            </a:pPr>
+            <a:endParaRPr lang="es-CO" sz="1200" dirty="0">
+              <a:latin typeface="Abadi" panose="020B0604020104020204" pitchFamily="34" charset="0"/>
+            </a:endParaRPr>
+          </a:p>
+        </p:txBody>
+      </p:sp>
+      <p:pic>
+        <p:nvPicPr>
+          <p:cNvPr id="4" name="Picture 4" descr="Símbolos Universitarios – Universidad de Nariño">
+            <a:extLst>
+              <a:ext uri="{FF2B5EF4-FFF2-40B4-BE49-F238E27FC236}">
+                <a16:creationId xmlns:a16="http://schemas.microsoft.com/office/drawing/2014/main" id="{0B2EA667-CB57-4DF8-BB35-E9AFDF367C2B}"/>
+              </a:ext>
+            </a:extLst>
+          </p:cNvPr>
+          <p:cNvPicPr>
+            <a:picLocks noChangeAspect="1" noChangeArrowheads="1"/>
+          </p:cNvPicPr>
+          <p:nvPr/>
+        </p:nvPicPr>
+        <p:blipFill>
+          <a:blip r:embed="rId2">
+            <a:extLst>
+              <a:ext uri="{28A0092B-C50C-407E-A947-70E740481C1C}">
+                <a14:useLocalDpi xmlns:a14="http://schemas.microsoft.com/office/drawing/2010/main" val="0"/>
+              </a:ext>
+            </a:extLst>
+          </a:blip>
+          <a:srcRect/>
+          <a:stretch>
+            <a:fillRect/>
+          </a:stretch>
+        </p:blipFill>
+        <p:spPr bwMode="auto">
+          <a:xfrm>
+            <a:off x="261990" y="192093"/>
+            <a:ext cx="660961" cy="660961"/>
+          </a:xfrm>
+          <a:prstGeom prst="rect">
+            <a:avLst/>
+          </a:prstGeom>
+          <a:noFill/>
+          <a:extLst>
+            <a:ext uri="{909E8E84-426E-40DD-AFC4-6F175D3DCCD1}">
+              <a14:hiddenFill xmlns:a14="http://schemas.microsoft.com/office/drawing/2010/main">
+                <a:solidFill>
+                  <a:srgbClr val="FFFFFF"/>
+                </a:solidFill>
+              </a14:hiddenFill>
+            </a:ext>
+          </a:extLst>
+        </p:spPr>
+      </p:pic>
+      <p:pic>
+        <p:nvPicPr>
+          <p:cNvPr id="5" name="Imagen 4">
+            <a:extLst>
+              <a:ext uri="{FF2B5EF4-FFF2-40B4-BE49-F238E27FC236}">
+                <a16:creationId xmlns:a16="http://schemas.microsoft.com/office/drawing/2014/main" id="{1B46FA37-FA47-4459-8828-383FB697E3AF}"/>
+              </a:ext>
+            </a:extLst>
+          </p:cNvPr>
+          <p:cNvPicPr>
+            <a:picLocks noChangeAspect="1"/>
+          </p:cNvPicPr>
+          <p:nvPr/>
+        </p:nvPicPr>
+        <p:blipFill rotWithShape="1">
+          <a:blip r:embed="rId3"/>
+          <a:srcRect l="53279" t="4713" r="5319"/>
+          <a:stretch/>
+        </p:blipFill>
+        <p:spPr>
+          <a:xfrm>
+            <a:off x="1071372" y="144121"/>
+            <a:ext cx="918577" cy="804385"/>
+          </a:xfrm>
+          <a:prstGeom prst="ellipse">
+            <a:avLst/>
+          </a:prstGeom>
+          <a:ln>
+            <a:noFill/>
+          </a:ln>
+          <a:effectLst>
+            <a:softEdge rad="112500"/>
+          </a:effectLst>
+        </p:spPr>
+      </p:pic>
+      <p:sp>
+        <p:nvSpPr>
+          <p:cNvPr id="6" name="Rectángulo 5">
+            <a:extLst>
+              <a:ext uri="{FF2B5EF4-FFF2-40B4-BE49-F238E27FC236}">
+                <a16:creationId xmlns:a16="http://schemas.microsoft.com/office/drawing/2014/main" id="{EC2D0E56-7D0C-40D0-8E56-B8801C98D13A}"/>
+              </a:ext>
+            </a:extLst>
+          </p:cNvPr>
+          <p:cNvSpPr/>
+          <p:nvPr/>
+        </p:nvSpPr>
+        <p:spPr>
+          <a:xfrm>
+            <a:off x="477806" y="1288421"/>
+            <a:ext cx="3521783" cy="3355041"/>
+          </a:xfrm>
+          <a:prstGeom prst="rect">
+            <a:avLst/>
+          </a:prstGeom>
+          <a:solidFill>
+            <a:srgbClr val="FFFFFF"/>
+          </a:solidFill>
+          <a:ln>
+            <a:solidFill>
+              <a:srgbClr val="BAF7C9"/>
+            </a:solidFill>
+          </a:ln>
+        </p:spPr>
+        <p:style>
+          <a:lnRef idx="2">
+            <a:schemeClr val="accent1">
+              <a:shade val="50000"/>
+            </a:schemeClr>
+          </a:lnRef>
+          <a:fillRef idx="1">
+            <a:schemeClr val="accent1"/>
+          </a:fillRef>
+          <a:effectRef idx="0">
+            <a:schemeClr val="accent1"/>
+          </a:effectRef>
+          <a:fontRef idx="minor">
+            <a:schemeClr val="lt1"/>
+          </a:fontRef>
+        </p:style>
+        <p:txBody>
+          <a:bodyPr rtlCol="0" anchor="ctr"/>
+          <a:lstStyle/>
+          <a:p>
+            <a:pPr algn="ctr"/>
+            <a:endParaRPr lang="es-CO"/>
+          </a:p>
+        </p:txBody>
+      </p:sp>
+      <p:sp>
+        <p:nvSpPr>
+          <p:cNvPr id="10" name="Título 2">
+            <a:extLst>
+              <a:ext uri="{FF2B5EF4-FFF2-40B4-BE49-F238E27FC236}">
+                <a16:creationId xmlns:a16="http://schemas.microsoft.com/office/drawing/2014/main" id="{4B4F06C2-20E6-40C1-BAD4-30FB77130CD3}"/>
+              </a:ext>
+            </a:extLst>
+          </p:cNvPr>
+          <p:cNvSpPr>
+            <a:spLocks noGrp="1"/>
+          </p:cNvSpPr>
+          <p:nvPr>
+            <p:ph type="ctrTitle"/>
+          </p:nvPr>
+        </p:nvSpPr>
+        <p:spPr>
+          <a:xfrm>
+            <a:off x="5653088" y="371475"/>
+            <a:ext cx="3195637" cy="481013"/>
+          </a:xfrm>
+        </p:spPr>
+        <p:txBody>
+          <a:bodyPr/>
+          <a:lstStyle/>
+          <a:p>
+            <a:r>
+              <a:rPr lang="es-CO" dirty="0"/>
+              <a:t>montículo  Binario </a:t>
+            </a:r>
+          </a:p>
+        </p:txBody>
+      </p:sp>
+      <p:pic>
+        <p:nvPicPr>
+          <p:cNvPr id="7" name="Imagen 6" descr="Imagen que contiene reloj&#10;&#10;Descripción generada automáticamente">
+            <a:extLst>
+              <a:ext uri="{FF2B5EF4-FFF2-40B4-BE49-F238E27FC236}">
+                <a16:creationId xmlns:a16="http://schemas.microsoft.com/office/drawing/2014/main" id="{F6D14717-9CAC-468E-9349-74EDB44A320E}"/>
+              </a:ext>
+            </a:extLst>
+          </p:cNvPr>
+          <p:cNvPicPr>
+            <a:picLocks noChangeAspect="1"/>
+          </p:cNvPicPr>
+          <p:nvPr/>
+        </p:nvPicPr>
+        <p:blipFill>
+          <a:blip r:embed="rId4"/>
+          <a:stretch>
+            <a:fillRect/>
+          </a:stretch>
+        </p:blipFill>
+        <p:spPr>
+          <a:xfrm>
+            <a:off x="922951" y="1680114"/>
+            <a:ext cx="2557044" cy="2340992"/>
+          </a:xfrm>
+          <a:prstGeom prst="rect">
+            <a:avLst/>
+          </a:prstGeom>
+        </p:spPr>
+      </p:pic>
+    </p:spTree>
+    <p:extLst>
+      <p:ext uri="{BB962C8B-B14F-4D97-AF65-F5344CB8AC3E}">
+        <p14:creationId xmlns:p14="http://schemas.microsoft.com/office/powerpoint/2010/main" val="3384925096"/>
+      </p:ext>
+    </p:extLst>
+  </p:cSld>
+  <p:clrMapOvr>
+    <a:masterClrMapping/>
+  </p:clrMapOvr>
+</p:sld>
+</file>
+
+<file path=ppt/slides/slide13.xml><?xml version="1.0" encoding="utf-8"?>
+<p:sld xmlns:a="http://schemas.openxmlformats.org/drawingml/2006/main" xmlns:r="http://schemas.openxmlformats.org/officeDocument/2006/relationships" xmlns:p="http://schemas.openxmlformats.org/presentationml/2006/main">
+  <p:cSld>
+    <p:spTree>
+      <p:nvGrpSpPr>
+        <p:cNvPr id="1" name="Shape 139"/>
+        <p:cNvGrpSpPr/>
+        <p:nvPr/>
+      </p:nvGrpSpPr>
+      <p:grpSpPr>
+        <a:xfrm>
+          <a:off x="0" y="0"/>
+          <a:ext cx="0" cy="0"/>
+          <a:chOff x="0" y="0"/>
+          <a:chExt cx="0" cy="0"/>
+        </a:xfrm>
+      </p:grpSpPr>
+      <p:sp>
+        <p:nvSpPr>
+          <p:cNvPr id="6" name="Rectángulo 5">
+            <a:extLst>
+              <a:ext uri="{FF2B5EF4-FFF2-40B4-BE49-F238E27FC236}">
+                <a16:creationId xmlns:a16="http://schemas.microsoft.com/office/drawing/2014/main" id="{1C2148E8-29B0-47B9-AB82-4263D9C3E039}"/>
+              </a:ext>
+            </a:extLst>
+          </p:cNvPr>
+          <p:cNvSpPr/>
+          <p:nvPr/>
+        </p:nvSpPr>
+        <p:spPr>
+          <a:xfrm>
+            <a:off x="3193043" y="403410"/>
+            <a:ext cx="5801865" cy="4390465"/>
+          </a:xfrm>
+          <a:prstGeom prst="rect">
+            <a:avLst/>
+          </a:prstGeom>
+          <a:solidFill>
+            <a:srgbClr val="FFDE59"/>
+          </a:solidFill>
+          <a:ln>
+            <a:noFill/>
+          </a:ln>
+        </p:spPr>
+        <p:style>
+          <a:lnRef idx="2">
+            <a:schemeClr val="accent1">
+              <a:shade val="50000"/>
+            </a:schemeClr>
+          </a:lnRef>
+          <a:fillRef idx="1">
+            <a:schemeClr val="accent1"/>
+          </a:fillRef>
+          <a:effectRef idx="0">
+            <a:schemeClr val="accent1"/>
+          </a:effectRef>
+          <a:fontRef idx="minor">
+            <a:schemeClr val="lt1"/>
+          </a:fontRef>
+        </p:style>
+        <p:txBody>
+          <a:bodyPr rtlCol="0" anchor="ctr"/>
+          <a:lstStyle/>
+          <a:p>
+            <a:pPr algn="ctr"/>
+            <a:endParaRPr lang="es-CO"/>
+          </a:p>
+        </p:txBody>
+      </p:sp>
+      <p:sp>
+        <p:nvSpPr>
+          <p:cNvPr id="7" name="Rectángulo 6">
+            <a:extLst>
+              <a:ext uri="{FF2B5EF4-FFF2-40B4-BE49-F238E27FC236}">
+                <a16:creationId xmlns:a16="http://schemas.microsoft.com/office/drawing/2014/main" id="{7D51D62D-F866-480C-BB56-3911EC80193D}"/>
+              </a:ext>
+            </a:extLst>
+          </p:cNvPr>
+          <p:cNvSpPr/>
+          <p:nvPr/>
+        </p:nvSpPr>
+        <p:spPr>
+          <a:xfrm>
+            <a:off x="-10483" y="2212040"/>
+            <a:ext cx="3356034" cy="1169895"/>
+          </a:xfrm>
+          <a:prstGeom prst="rect">
+            <a:avLst/>
+          </a:prstGeom>
+          <a:solidFill>
+            <a:srgbClr val="94DD26"/>
+          </a:solidFill>
+          <a:ln>
+            <a:noFill/>
+          </a:ln>
+        </p:spPr>
+        <p:style>
+          <a:lnRef idx="2">
+            <a:schemeClr val="accent1">
+              <a:shade val="50000"/>
+            </a:schemeClr>
+          </a:lnRef>
+          <a:fillRef idx="1">
+            <a:schemeClr val="accent1"/>
+          </a:fillRef>
+          <a:effectRef idx="0">
+            <a:schemeClr val="accent1"/>
+          </a:effectRef>
+          <a:fontRef idx="minor">
+            <a:schemeClr val="lt1"/>
+          </a:fontRef>
+        </p:style>
+        <p:txBody>
+          <a:bodyPr rtlCol="0" anchor="ctr"/>
+          <a:lstStyle/>
+          <a:p>
+            <a:pPr algn="ctr"/>
+            <a:endParaRPr lang="es-CO"/>
+          </a:p>
+        </p:txBody>
+      </p:sp>
+      <p:sp>
+        <p:nvSpPr>
+          <p:cNvPr id="8" name="Rectángulo 7">
+            <a:extLst>
+              <a:ext uri="{FF2B5EF4-FFF2-40B4-BE49-F238E27FC236}">
+                <a16:creationId xmlns:a16="http://schemas.microsoft.com/office/drawing/2014/main" id="{13EB4147-DCE5-4698-A3B6-4D7F472AAE93}"/>
+              </a:ext>
+            </a:extLst>
+          </p:cNvPr>
+          <p:cNvSpPr/>
+          <p:nvPr/>
+        </p:nvSpPr>
+        <p:spPr>
+          <a:xfrm>
+            <a:off x="3342135" y="496605"/>
+            <a:ext cx="5801865" cy="4390465"/>
+          </a:xfrm>
+          <a:prstGeom prst="rect">
+            <a:avLst/>
+          </a:prstGeom>
+          <a:solidFill>
+            <a:srgbClr val="94DD26"/>
+          </a:solidFill>
+          <a:ln>
+            <a:noFill/>
+          </a:ln>
+        </p:spPr>
+        <p:style>
+          <a:lnRef idx="2">
+            <a:schemeClr val="accent1">
+              <a:shade val="50000"/>
+            </a:schemeClr>
+          </a:lnRef>
+          <a:fillRef idx="1">
+            <a:schemeClr val="accent1"/>
+          </a:fillRef>
+          <a:effectRef idx="0">
+            <a:schemeClr val="accent1"/>
+          </a:effectRef>
+          <a:fontRef idx="minor">
+            <a:schemeClr val="lt1"/>
+          </a:fontRef>
+        </p:style>
+        <p:txBody>
+          <a:bodyPr rtlCol="0" anchor="ctr"/>
+          <a:lstStyle/>
+          <a:p>
+            <a:pPr algn="ctr"/>
+            <a:endParaRPr lang="es-CO"/>
+          </a:p>
+        </p:txBody>
+      </p:sp>
+      <p:sp>
+        <p:nvSpPr>
+          <p:cNvPr id="166" name="Google Shape;166;p26"/>
+          <p:cNvSpPr txBox="1">
+            <a:spLocks noGrp="1"/>
+          </p:cNvSpPr>
+          <p:nvPr>
+            <p:ph type="ctrTitle"/>
+          </p:nvPr>
+        </p:nvSpPr>
+        <p:spPr>
+          <a:xfrm>
+            <a:off x="129970" y="2466506"/>
+            <a:ext cx="2913981" cy="660961"/>
+          </a:xfrm>
+          <a:prstGeom prst="rect">
+            <a:avLst/>
+          </a:prstGeom>
+        </p:spPr>
+        <p:txBody>
+          <a:bodyPr spcFirstLastPara="1" wrap="square" lIns="91425" tIns="91425" rIns="91425" bIns="91425" anchor="b" anchorCtr="0">
+            <a:noAutofit/>
+          </a:bodyPr>
+          <a:lstStyle/>
+          <a:p>
+            <a:pPr marL="0" lvl="0" indent="0" algn="ctr" rtl="0">
+              <a:spcBef>
+                <a:spcPts val="0"/>
+              </a:spcBef>
+              <a:spcAft>
+                <a:spcPts val="0"/>
+              </a:spcAft>
+              <a:buNone/>
+            </a:pPr>
+            <a:r>
+              <a:rPr lang="en" sz="3200" dirty="0">
+                <a:solidFill>
+                  <a:schemeClr val="tx1"/>
+                </a:solidFill>
+              </a:rPr>
+              <a:t>04.</a:t>
+            </a:r>
+            <a:r>
+              <a:rPr lang="es-CO" sz="3200" dirty="0">
+                <a:solidFill>
+                  <a:schemeClr val="tx1"/>
+                </a:solidFill>
+              </a:rPr>
+              <a:t> Matemáticos </a:t>
+            </a:r>
+            <a:endParaRPr sz="3200" dirty="0">
+              <a:solidFill>
+                <a:schemeClr val="tx1"/>
+              </a:solidFill>
+            </a:endParaRPr>
+          </a:p>
+        </p:txBody>
+      </p:sp>
+      <p:pic>
+        <p:nvPicPr>
+          <p:cNvPr id="1028" name="Picture 4" descr="Símbolos Universitarios – Universidad de Nariño">
+            <a:extLst>
+              <a:ext uri="{FF2B5EF4-FFF2-40B4-BE49-F238E27FC236}">
+                <a16:creationId xmlns:a16="http://schemas.microsoft.com/office/drawing/2014/main" id="{EDF64FA2-360A-4D3A-AF78-F1E4C7CCFD55}"/>
+              </a:ext>
+            </a:extLst>
+          </p:cNvPr>
+          <p:cNvPicPr>
+            <a:picLocks noChangeAspect="1" noChangeArrowheads="1"/>
+          </p:cNvPicPr>
+          <p:nvPr/>
+        </p:nvPicPr>
+        <p:blipFill>
+          <a:blip r:embed="rId3">
+            <a:extLst>
+              <a:ext uri="{28A0092B-C50C-407E-A947-70E740481C1C}">
+                <a14:useLocalDpi xmlns:a14="http://schemas.microsoft.com/office/drawing/2010/main" val="0"/>
+              </a:ext>
+            </a:extLst>
+          </a:blip>
+          <a:srcRect/>
+          <a:stretch>
+            <a:fillRect/>
+          </a:stretch>
+        </p:blipFill>
+        <p:spPr bwMode="auto">
+          <a:xfrm>
+            <a:off x="291117" y="219456"/>
+            <a:ext cx="660961" cy="660961"/>
+          </a:xfrm>
+          <a:prstGeom prst="rect">
+            <a:avLst/>
+          </a:prstGeom>
+          <a:noFill/>
+          <a:extLst>
+            <a:ext uri="{909E8E84-426E-40DD-AFC4-6F175D3DCCD1}">
+              <a14:hiddenFill xmlns:a14="http://schemas.microsoft.com/office/drawing/2010/main">
+                <a:solidFill>
+                  <a:srgbClr val="FFFFFF"/>
+                </a:solidFill>
+              </a14:hiddenFill>
+            </a:ext>
+          </a:extLst>
+        </p:spPr>
+      </p:pic>
+      <p:pic>
+        <p:nvPicPr>
+          <p:cNvPr id="417" name="Imagen 416">
+            <a:extLst>
+              <a:ext uri="{FF2B5EF4-FFF2-40B4-BE49-F238E27FC236}">
+                <a16:creationId xmlns:a16="http://schemas.microsoft.com/office/drawing/2014/main" id="{6C54B729-21DA-4852-927D-4E13F29541B2}"/>
+              </a:ext>
+            </a:extLst>
+          </p:cNvPr>
+          <p:cNvPicPr>
+            <a:picLocks noChangeAspect="1"/>
+          </p:cNvPicPr>
+          <p:nvPr/>
+        </p:nvPicPr>
+        <p:blipFill rotWithShape="1">
+          <a:blip r:embed="rId4"/>
+          <a:srcRect l="53279" t="4713" r="5319"/>
+          <a:stretch/>
+        </p:blipFill>
+        <p:spPr>
+          <a:xfrm>
+            <a:off x="1082048" y="147745"/>
+            <a:ext cx="918577" cy="804385"/>
+          </a:xfrm>
+          <a:prstGeom prst="ellipse">
+            <a:avLst/>
+          </a:prstGeom>
+          <a:ln>
+            <a:noFill/>
+          </a:ln>
+          <a:effectLst>
+            <a:softEdge rad="112500"/>
+          </a:effectLst>
+        </p:spPr>
+      </p:pic>
+      <p:sp>
+        <p:nvSpPr>
+          <p:cNvPr id="4" name="Rectángulo 3">
+            <a:extLst>
+              <a:ext uri="{FF2B5EF4-FFF2-40B4-BE49-F238E27FC236}">
+                <a16:creationId xmlns:a16="http://schemas.microsoft.com/office/drawing/2014/main" id="{F04C2CAB-775C-4D47-9732-B8CCEE3CC5EB}"/>
+              </a:ext>
+            </a:extLst>
+          </p:cNvPr>
+          <p:cNvSpPr/>
+          <p:nvPr/>
+        </p:nvSpPr>
+        <p:spPr>
+          <a:xfrm>
+            <a:off x="3494643" y="665629"/>
+            <a:ext cx="5555228" cy="4128246"/>
+          </a:xfrm>
+          <a:prstGeom prst="rect">
+            <a:avLst/>
+          </a:prstGeom>
+          <a:solidFill>
+            <a:srgbClr val="FFFFFF"/>
+          </a:solidFill>
+          <a:ln>
+            <a:noFill/>
+          </a:ln>
+        </p:spPr>
+        <p:style>
+          <a:lnRef idx="2">
+            <a:schemeClr val="accent1">
+              <a:shade val="50000"/>
+            </a:schemeClr>
+          </a:lnRef>
+          <a:fillRef idx="1">
+            <a:schemeClr val="accent1"/>
+          </a:fillRef>
+          <a:effectRef idx="0">
+            <a:schemeClr val="accent1"/>
+          </a:effectRef>
+          <a:fontRef idx="minor">
+            <a:schemeClr val="lt1"/>
+          </a:fontRef>
+        </p:style>
+        <p:txBody>
+          <a:bodyPr rtlCol="0" anchor="ctr"/>
+          <a:lstStyle/>
+          <a:p>
+            <a:pPr algn="ctr"/>
+            <a:endParaRPr lang="es-CO"/>
+          </a:p>
+        </p:txBody>
+      </p:sp>
+      <p:pic>
+        <p:nvPicPr>
+          <p:cNvPr id="5" name="Imagen 4" descr="Una caricatura de un pizarrón&#10;&#10;Descripción generada automáticamente con confianza media">
+            <a:extLst>
+              <a:ext uri="{FF2B5EF4-FFF2-40B4-BE49-F238E27FC236}">
+                <a16:creationId xmlns:a16="http://schemas.microsoft.com/office/drawing/2014/main" id="{BAC3E0B6-EA4E-4E62-B0D1-5B05008D0B99}"/>
+              </a:ext>
+            </a:extLst>
+          </p:cNvPr>
+          <p:cNvPicPr>
+            <a:picLocks noChangeAspect="1"/>
+          </p:cNvPicPr>
+          <p:nvPr/>
+        </p:nvPicPr>
+        <p:blipFill>
+          <a:blip r:embed="rId5"/>
+          <a:stretch>
+            <a:fillRect/>
+          </a:stretch>
+        </p:blipFill>
+        <p:spPr>
+          <a:xfrm>
+            <a:off x="3638145" y="989923"/>
+            <a:ext cx="5236104" cy="3487948"/>
+          </a:xfrm>
+          <a:prstGeom prst="rect">
+            <a:avLst/>
+          </a:prstGeom>
+        </p:spPr>
+      </p:pic>
+    </p:spTree>
+    <p:extLst>
+      <p:ext uri="{BB962C8B-B14F-4D97-AF65-F5344CB8AC3E}">
+        <p14:creationId xmlns:p14="http://schemas.microsoft.com/office/powerpoint/2010/main" val="3880983346"/>
+      </p:ext>
+    </p:extLst>
+  </p:cSld>
+  <p:clrMapOvr>
+    <a:masterClrMapping/>
+  </p:clrMapOvr>
+</p:sld>
+</file>
+
+<file path=ppt/slides/slide14.xml><?xml version="1.0" encoding="utf-8"?>
+<p:sld xmlns:a="http://schemas.openxmlformats.org/drawingml/2006/main" xmlns:r="http://schemas.openxmlformats.org/officeDocument/2006/relationships" xmlns:p="http://schemas.openxmlformats.org/presentationml/2006/main">
+  <p:cSld>
+    <p:spTree>
+      <p:nvGrpSpPr>
+        <p:cNvPr id="1" name=""/>
+        <p:cNvGrpSpPr/>
+        <p:nvPr/>
+      </p:nvGrpSpPr>
+      <p:grpSpPr>
+        <a:xfrm>
+          <a:off x="0" y="0"/>
+          <a:ext cx="0" cy="0"/>
+          <a:chOff x="0" y="0"/>
+          <a:chExt cx="0" cy="0"/>
+        </a:xfrm>
+      </p:grpSpPr>
+      <mc:AlternateContent xmlns:mc="http://schemas.openxmlformats.org/markup-compatibility/2006" xmlns:a14="http://schemas.microsoft.com/office/drawing/2010/main">
+        <mc:Choice Requires="a14">
+          <p:sp>
+            <p:nvSpPr>
+              <p:cNvPr id="2" name="Subtítulo 1">
+                <a:extLst>
+                  <a:ext uri="{FF2B5EF4-FFF2-40B4-BE49-F238E27FC236}">
+                    <a16:creationId xmlns:a16="http://schemas.microsoft.com/office/drawing/2014/main" id="{29A75048-B2F8-4A8B-9645-CF6D9A7AE10B}"/>
+                  </a:ext>
+                </a:extLst>
+              </p:cNvPr>
+              <p:cNvSpPr>
+                <a:spLocks noGrp="1"/>
+              </p:cNvSpPr>
+              <p:nvPr>
+                <p:ph type="subTitle" idx="1"/>
+              </p:nvPr>
+            </p:nvSpPr>
+            <p:spPr>
+              <a:xfrm flipH="1">
+                <a:off x="3904322" y="1517500"/>
+                <a:ext cx="4873792" cy="2763650"/>
+              </a:xfrm>
+            </p:spPr>
+            <p:txBody>
+              <a:bodyPr/>
+              <a:lstStyle/>
+              <a:p>
+                <a:pPr marL="152400" indent="0" algn="just">
+                  <a:buNone/>
+                </a:pPr>
+                <a:endParaRPr lang="es-CO" sz="1200" dirty="0">
+                  <a:latin typeface="Abadi" panose="020B0604020104020204" pitchFamily="34" charset="0"/>
+                </a:endParaRPr>
+              </a:p>
+              <a:p>
+                <a:pPr marL="152400" indent="0" algn="just">
+                  <a:buNone/>
+                </a:pPr>
+                <a:r>
+                  <a:rPr lang="es-CO" sz="1200" dirty="0">
+                    <a:latin typeface="Abadi" panose="020B0604020104020204" pitchFamily="34" charset="0"/>
+                  </a:rPr>
+                  <a:t>La potenciación rápida es un algoritmo para calcular la potencia enésima de cualquier estructura donde este definida la multiplicación y el algoritmo es el siguiente: mientras exponente sea diferente de 0 se repiten los siguientes pasos:</a:t>
+                </a:r>
+              </a:p>
+              <a:p>
+                <a:pPr marL="323850" indent="-171450" algn="just">
+                  <a:buFont typeface="Arial" panose="020B0604020202020204" pitchFamily="34" charset="0"/>
+                  <a:buChar char="•"/>
+                </a:pPr>
+                <a:r>
+                  <a:rPr lang="es-CO" sz="1200" dirty="0">
+                    <a:latin typeface="Abadi" panose="020B0604020104020204" pitchFamily="34" charset="0"/>
+                  </a:rPr>
+                  <a:t>Hacemos el resultado igual a la unidad, si el exponente es impar multiplicamos el resultado por nuestra base ósea </a:t>
+                </a:r>
+                <a14:m>
+                  <m:oMath xmlns:m="http://schemas.openxmlformats.org/officeDocument/2006/math">
+                    <m:r>
+                      <a:rPr lang="es-CO" sz="1200" b="0" i="1" smtClean="0">
+                        <a:latin typeface="Cambria Math" panose="02040503050406030204" pitchFamily="18" charset="0"/>
+                      </a:rPr>
+                      <m:t>𝑟𝑒𝑠𝑢𝑙𝑡𝑎𝑑𝑜</m:t>
+                    </m:r>
+                    <m:r>
+                      <a:rPr lang="es-CO" sz="1200" b="0" i="1" smtClean="0">
+                        <a:latin typeface="Cambria Math" panose="02040503050406030204" pitchFamily="18" charset="0"/>
+                      </a:rPr>
+                      <m:t>=</m:t>
+                    </m:r>
+                    <m:d>
+                      <m:dPr>
+                        <m:ctrlPr>
+                          <a:rPr lang="es-CO" sz="1200" b="0" i="1" smtClean="0">
+                            <a:latin typeface="Cambria Math" panose="02040503050406030204" pitchFamily="18" charset="0"/>
+                          </a:rPr>
+                        </m:ctrlPr>
+                      </m:dPr>
+                      <m:e>
+                        <m:r>
+                          <a:rPr lang="es-CO" sz="1200" b="0" i="1" smtClean="0">
+                            <a:latin typeface="Cambria Math" panose="02040503050406030204" pitchFamily="18" charset="0"/>
+                          </a:rPr>
+                          <m:t>𝑟𝑒𝑠𝑢𝑙𝑡𝑎𝑑𝑜</m:t>
+                        </m:r>
+                      </m:e>
+                    </m:d>
+                    <m:d>
+                      <m:dPr>
+                        <m:ctrlPr>
+                          <a:rPr lang="es-CO" sz="1200" b="0" i="1" smtClean="0">
+                            <a:latin typeface="Cambria Math" panose="02040503050406030204" pitchFamily="18" charset="0"/>
+                          </a:rPr>
+                        </m:ctrlPr>
+                      </m:dPr>
+                      <m:e>
+                        <m:r>
+                          <a:rPr lang="es-CO" sz="1200" b="0" i="1" smtClean="0">
+                            <a:latin typeface="Cambria Math" panose="02040503050406030204" pitchFamily="18" charset="0"/>
+                          </a:rPr>
+                          <m:t>𝑏𝑎𝑠𝑒</m:t>
+                        </m:r>
+                      </m:e>
+                    </m:d>
+                  </m:oMath>
+                </a14:m>
+                <a:endParaRPr lang="es-CO" sz="1200" dirty="0">
+                  <a:latin typeface="Abadi" panose="020B0604020104020204" pitchFamily="34" charset="0"/>
+                </a:endParaRPr>
+              </a:p>
+              <a:p>
+                <a:pPr marL="323850" indent="-171450" algn="just">
+                  <a:buFont typeface="Arial" panose="020B0604020202020204" pitchFamily="34" charset="0"/>
+                  <a:buChar char="•"/>
+                </a:pPr>
+                <a:r>
+                  <a:rPr lang="es-CO" sz="1200" dirty="0">
+                    <a:latin typeface="Abadi" panose="020B0604020104020204" pitchFamily="34" charset="0"/>
+                  </a:rPr>
+                  <a:t>hacemos la </a:t>
+                </a:r>
+                <a14:m>
+                  <m:oMath xmlns:m="http://schemas.openxmlformats.org/officeDocument/2006/math">
+                    <m:r>
+                      <a:rPr lang="es-CO" sz="1200" b="0" i="1" smtClean="0">
+                        <a:latin typeface="Cambria Math" panose="02040503050406030204" pitchFamily="18" charset="0"/>
+                      </a:rPr>
+                      <m:t>𝑏𝑎𝑠𝑒</m:t>
+                    </m:r>
+                    <m:r>
+                      <a:rPr lang="es-CO" sz="1200" b="0" i="1" smtClean="0">
+                        <a:latin typeface="Cambria Math" panose="02040503050406030204" pitchFamily="18" charset="0"/>
+                      </a:rPr>
+                      <m:t>=</m:t>
+                    </m:r>
+                    <m:d>
+                      <m:dPr>
+                        <m:ctrlPr>
+                          <a:rPr lang="es-CO" sz="1200" b="0" i="1" smtClean="0">
+                            <a:latin typeface="Cambria Math" panose="02040503050406030204" pitchFamily="18" charset="0"/>
+                          </a:rPr>
+                        </m:ctrlPr>
+                      </m:dPr>
+                      <m:e>
+                        <m:r>
+                          <a:rPr lang="es-CO" sz="1200" b="0" i="1" smtClean="0">
+                            <a:latin typeface="Cambria Math" panose="02040503050406030204" pitchFamily="18" charset="0"/>
+                          </a:rPr>
+                          <m:t>𝑏𝑎𝑠𝑒</m:t>
+                        </m:r>
+                      </m:e>
+                    </m:d>
+                    <m:d>
+                      <m:dPr>
+                        <m:ctrlPr>
+                          <a:rPr lang="es-CO" sz="1200" b="0" i="1" smtClean="0">
+                            <a:latin typeface="Cambria Math" panose="02040503050406030204" pitchFamily="18" charset="0"/>
+                          </a:rPr>
+                        </m:ctrlPr>
+                      </m:dPr>
+                      <m:e>
+                        <m:r>
+                          <a:rPr lang="es-CO" sz="1200" b="0" i="1" smtClean="0">
+                            <a:latin typeface="Cambria Math" panose="02040503050406030204" pitchFamily="18" charset="0"/>
+                          </a:rPr>
+                          <m:t>𝑏𝑎𝑠𝑒</m:t>
+                        </m:r>
+                      </m:e>
+                    </m:d>
+                  </m:oMath>
+                </a14:m>
+                <a:endParaRPr lang="es-CO" sz="1200" dirty="0">
+                  <a:latin typeface="Abadi" panose="020B0604020104020204" pitchFamily="34" charset="0"/>
+                </a:endParaRPr>
+              </a:p>
+              <a:p>
+                <a:pPr marL="323850" indent="-171450" algn="just">
+                  <a:buFont typeface="Arial" panose="020B0604020202020204" pitchFamily="34" charset="0"/>
+                  <a:buChar char="•"/>
+                </a:pPr>
+                <a:r>
+                  <a:rPr lang="es-CO" sz="1200" dirty="0">
+                    <a:latin typeface="Abadi" panose="020B0604020104020204" pitchFamily="34" charset="0"/>
+                  </a:rPr>
+                  <a:t>tomamos la parte entera de dividir nuestro exponente por 2, </a:t>
+                </a:r>
+                <a14:m>
+                  <m:oMath xmlns:m="http://schemas.openxmlformats.org/officeDocument/2006/math">
+                    <m:r>
+                      <a:rPr lang="es-CO" sz="1200" b="0" i="1" smtClean="0">
+                        <a:latin typeface="Cambria Math" panose="02040503050406030204" pitchFamily="18" charset="0"/>
+                      </a:rPr>
+                      <m:t>𝑒𝑥𝑝𝑜𝑛𝑒𝑛𝑡𝑒</m:t>
+                    </m:r>
+                    <m:r>
+                      <a:rPr lang="es-CO" sz="1200" b="0" i="1" smtClean="0">
+                        <a:latin typeface="Cambria Math" panose="02040503050406030204" pitchFamily="18" charset="0"/>
+                      </a:rPr>
+                      <m:t>=</m:t>
+                    </m:r>
+                    <m:f>
+                      <m:fPr>
+                        <m:ctrlPr>
+                          <a:rPr lang="es-CO" sz="1200" b="0" i="1" smtClean="0">
+                            <a:latin typeface="Cambria Math" panose="02040503050406030204" pitchFamily="18" charset="0"/>
+                          </a:rPr>
+                        </m:ctrlPr>
+                      </m:fPr>
+                      <m:num>
+                        <m:r>
+                          <a:rPr lang="es-CO" sz="1200" b="0" i="1" smtClean="0">
+                            <a:latin typeface="Cambria Math" panose="02040503050406030204" pitchFamily="18" charset="0"/>
+                          </a:rPr>
+                          <m:t>𝑒𝑥𝑝𝑜𝑛𝑒𝑛𝑡𝑒</m:t>
+                        </m:r>
+                      </m:num>
+                      <m:den>
+                        <m:r>
+                          <a:rPr lang="es-CO" sz="1200" b="0" i="1" smtClean="0">
+                            <a:latin typeface="Cambria Math" panose="02040503050406030204" pitchFamily="18" charset="0"/>
+                          </a:rPr>
+                          <m:t>2</m:t>
+                        </m:r>
+                      </m:den>
+                    </m:f>
+                  </m:oMath>
+                </a14:m>
+                <a:r>
+                  <a:rPr lang="es-CO" sz="1200" dirty="0">
+                    <a:latin typeface="Abadi" panose="020B0604020104020204" pitchFamily="34" charset="0"/>
+                  </a:rPr>
+                  <a:t> estamos utilizando la propiedad de la potenciación que dice </a:t>
+                </a:r>
+                <a14:m>
+                  <m:oMath xmlns:m="http://schemas.openxmlformats.org/officeDocument/2006/math">
+                    <m:sSup>
+                      <m:sSupPr>
+                        <m:ctrlPr>
+                          <a:rPr lang="es-CO" sz="1200" i="1" smtClean="0">
+                            <a:latin typeface="Cambria Math" panose="02040503050406030204" pitchFamily="18" charset="0"/>
+                          </a:rPr>
+                        </m:ctrlPr>
+                      </m:sSupPr>
+                      <m:e>
+                        <m:d>
+                          <m:dPr>
+                            <m:ctrlPr>
+                              <a:rPr lang="es-CO" sz="1200" i="1">
+                                <a:latin typeface="Cambria Math" panose="02040503050406030204" pitchFamily="18" charset="0"/>
+                              </a:rPr>
+                            </m:ctrlPr>
+                          </m:dPr>
+                          <m:e>
+                            <m:sSup>
+                              <m:sSupPr>
+                                <m:ctrlPr>
+                                  <a:rPr lang="es-CO" sz="1200" i="1">
+                                    <a:latin typeface="Cambria Math" panose="02040503050406030204" pitchFamily="18" charset="0"/>
+                                  </a:rPr>
+                                </m:ctrlPr>
+                              </m:sSupPr>
+                              <m:e>
+                                <m:r>
+                                  <a:rPr lang="es-CO" sz="1200" i="1">
+                                    <a:latin typeface="Cambria Math" panose="02040503050406030204" pitchFamily="18" charset="0"/>
+                                  </a:rPr>
+                                  <m:t>2</m:t>
+                                </m:r>
+                              </m:e>
+                              <m:sup>
+                                <m:r>
+                                  <a:rPr lang="es-CO" sz="1200" i="1">
+                                    <a:latin typeface="Cambria Math" panose="02040503050406030204" pitchFamily="18" charset="0"/>
+                                  </a:rPr>
+                                  <m:t>𝑛</m:t>
+                                </m:r>
+                              </m:sup>
+                            </m:sSup>
+                          </m:e>
+                        </m:d>
+                      </m:e>
+                      <m:sup>
+                        <m:r>
+                          <a:rPr lang="es-CO" sz="1200" b="0" i="1" smtClean="0">
+                            <a:latin typeface="Cambria Math" panose="02040503050406030204" pitchFamily="18" charset="0"/>
+                          </a:rPr>
+                          <m:t>𝑚</m:t>
+                        </m:r>
+                      </m:sup>
+                    </m:sSup>
+                    <m:r>
+                      <a:rPr lang="es-CO" sz="1200" b="0" i="1" smtClean="0">
+                        <a:latin typeface="Cambria Math" panose="02040503050406030204" pitchFamily="18" charset="0"/>
+                      </a:rPr>
+                      <m:t>=</m:t>
+                    </m:r>
+                    <m:sSup>
+                      <m:sSupPr>
+                        <m:ctrlPr>
+                          <a:rPr lang="es-CO" sz="1200" b="0" i="1" smtClean="0">
+                            <a:latin typeface="Cambria Math" panose="02040503050406030204" pitchFamily="18" charset="0"/>
+                          </a:rPr>
+                        </m:ctrlPr>
+                      </m:sSupPr>
+                      <m:e>
+                        <m:r>
+                          <a:rPr lang="es-CO" sz="1200" b="0" i="1" smtClean="0">
+                            <a:latin typeface="Cambria Math" panose="02040503050406030204" pitchFamily="18" charset="0"/>
+                          </a:rPr>
+                          <m:t>2</m:t>
+                        </m:r>
+                      </m:e>
+                      <m:sup>
+                        <m:r>
+                          <a:rPr lang="es-CO" sz="1200" b="0" i="1" smtClean="0">
+                            <a:latin typeface="Cambria Math" panose="02040503050406030204" pitchFamily="18" charset="0"/>
+                          </a:rPr>
+                          <m:t>𝑛𝑚</m:t>
+                        </m:r>
+                      </m:sup>
+                    </m:sSup>
+                  </m:oMath>
+                </a14:m>
+                <a:endParaRPr lang="es-CO" sz="1200" dirty="0">
+                  <a:latin typeface="Abadi" panose="020B0604020104020204" pitchFamily="34" charset="0"/>
+                </a:endParaRPr>
+              </a:p>
+            </p:txBody>
+          </p:sp>
+        </mc:Choice>
+        <mc:Fallback xmlns="">
+          <p:sp>
+            <p:nvSpPr>
+              <p:cNvPr id="2" name="Subtítulo 1">
+                <a:extLst>
+                  <a:ext uri="{FF2B5EF4-FFF2-40B4-BE49-F238E27FC236}">
+                    <a16:creationId xmlns:a16="http://schemas.microsoft.com/office/drawing/2014/main" id="{29A75048-B2F8-4A8B-9645-CF6D9A7AE10B}"/>
+                  </a:ext>
+                </a:extLst>
+              </p:cNvPr>
+              <p:cNvSpPr>
+                <a:spLocks noGrp="1" noRot="1" noChangeAspect="1" noMove="1" noResize="1" noEditPoints="1" noAdjustHandles="1" noChangeArrowheads="1" noChangeShapeType="1" noTextEdit="1"/>
+              </p:cNvSpPr>
+              <p:nvPr>
+                <p:ph type="subTitle" idx="1"/>
+              </p:nvPr>
+            </p:nvSpPr>
+            <p:spPr>
+              <a:xfrm flipH="1">
+                <a:off x="3904322" y="1517500"/>
+                <a:ext cx="4873792" cy="2763650"/>
+              </a:xfrm>
+              <a:blipFill>
+                <a:blip r:embed="rId2"/>
+                <a:stretch>
+                  <a:fillRect/>
+                </a:stretch>
+              </a:blipFill>
+            </p:spPr>
+            <p:txBody>
+              <a:bodyPr/>
+              <a:lstStyle/>
+              <a:p>
+                <a:r>
+                  <a:rPr lang="es-CO">
+                    <a:noFill/>
+                  </a:rPr>
+                  <a:t> </a:t>
+                </a:r>
+              </a:p>
+            </p:txBody>
+          </p:sp>
+        </mc:Fallback>
+      </mc:AlternateContent>
+      <p:pic>
+        <p:nvPicPr>
+          <p:cNvPr id="4" name="Picture 4" descr="Símbolos Universitarios – Universidad de Nariño">
+            <a:extLst>
+              <a:ext uri="{FF2B5EF4-FFF2-40B4-BE49-F238E27FC236}">
+                <a16:creationId xmlns:a16="http://schemas.microsoft.com/office/drawing/2014/main" id="{0B2EA667-CB57-4DF8-BB35-E9AFDF367C2B}"/>
+              </a:ext>
+            </a:extLst>
+          </p:cNvPr>
+          <p:cNvPicPr>
+            <a:picLocks noChangeAspect="1" noChangeArrowheads="1"/>
+          </p:cNvPicPr>
+          <p:nvPr/>
+        </p:nvPicPr>
+        <p:blipFill>
+          <a:blip r:embed="rId3">
+            <a:extLst>
+              <a:ext uri="{28A0092B-C50C-407E-A947-70E740481C1C}">
+                <a14:useLocalDpi xmlns:a14="http://schemas.microsoft.com/office/drawing/2010/main" val="0"/>
+              </a:ext>
+            </a:extLst>
+          </a:blip>
+          <a:srcRect/>
+          <a:stretch>
+            <a:fillRect/>
+          </a:stretch>
+        </p:blipFill>
+        <p:spPr bwMode="auto">
+          <a:xfrm>
+            <a:off x="261990" y="192093"/>
+            <a:ext cx="660961" cy="660961"/>
+          </a:xfrm>
+          <a:prstGeom prst="rect">
+            <a:avLst/>
+          </a:prstGeom>
+          <a:noFill/>
+          <a:extLst>
+            <a:ext uri="{909E8E84-426E-40DD-AFC4-6F175D3DCCD1}">
+              <a14:hiddenFill xmlns:a14="http://schemas.microsoft.com/office/drawing/2010/main">
+                <a:solidFill>
+                  <a:srgbClr val="FFFFFF"/>
+                </a:solidFill>
+              </a14:hiddenFill>
+            </a:ext>
+          </a:extLst>
+        </p:spPr>
+      </p:pic>
+      <p:pic>
+        <p:nvPicPr>
+          <p:cNvPr id="5" name="Imagen 4">
+            <a:extLst>
+              <a:ext uri="{FF2B5EF4-FFF2-40B4-BE49-F238E27FC236}">
+                <a16:creationId xmlns:a16="http://schemas.microsoft.com/office/drawing/2014/main" id="{1B46FA37-FA47-4459-8828-383FB697E3AF}"/>
+              </a:ext>
+            </a:extLst>
+          </p:cNvPr>
+          <p:cNvPicPr>
+            <a:picLocks noChangeAspect="1"/>
+          </p:cNvPicPr>
+          <p:nvPr/>
+        </p:nvPicPr>
+        <p:blipFill rotWithShape="1">
+          <a:blip r:embed="rId4"/>
+          <a:srcRect l="53279" t="4713" r="5319"/>
+          <a:stretch/>
+        </p:blipFill>
+        <p:spPr>
+          <a:xfrm>
+            <a:off x="1071372" y="144121"/>
+            <a:ext cx="918577" cy="804385"/>
+          </a:xfrm>
+          <a:prstGeom prst="ellipse">
+            <a:avLst/>
+          </a:prstGeom>
+          <a:ln>
+            <a:noFill/>
+          </a:ln>
+          <a:effectLst>
+            <a:softEdge rad="112500"/>
+          </a:effectLst>
+        </p:spPr>
+      </p:pic>
+      <p:sp>
+        <p:nvSpPr>
+          <p:cNvPr id="6" name="Rectángulo 5">
+            <a:extLst>
+              <a:ext uri="{FF2B5EF4-FFF2-40B4-BE49-F238E27FC236}">
+                <a16:creationId xmlns:a16="http://schemas.microsoft.com/office/drawing/2014/main" id="{EC2D0E56-7D0C-40D0-8E56-B8801C98D13A}"/>
+              </a:ext>
+            </a:extLst>
+          </p:cNvPr>
+          <p:cNvSpPr/>
+          <p:nvPr/>
+        </p:nvSpPr>
+        <p:spPr>
+          <a:xfrm>
+            <a:off x="477806" y="1288421"/>
+            <a:ext cx="3361377" cy="3355041"/>
+          </a:xfrm>
+          <a:prstGeom prst="rect">
+            <a:avLst/>
+          </a:prstGeom>
+          <a:solidFill>
+            <a:srgbClr val="FFFFFF"/>
+          </a:solidFill>
+          <a:ln>
+            <a:solidFill>
+              <a:srgbClr val="BAF7C9"/>
+            </a:solidFill>
+          </a:ln>
+        </p:spPr>
+        <p:style>
+          <a:lnRef idx="2">
+            <a:schemeClr val="accent1">
+              <a:shade val="50000"/>
+            </a:schemeClr>
+          </a:lnRef>
+          <a:fillRef idx="1">
+            <a:schemeClr val="accent1"/>
+          </a:fillRef>
+          <a:effectRef idx="0">
+            <a:schemeClr val="accent1"/>
+          </a:effectRef>
+          <a:fontRef idx="minor">
+            <a:schemeClr val="lt1"/>
+          </a:fontRef>
+        </p:style>
+        <p:txBody>
+          <a:bodyPr rtlCol="0" anchor="ctr"/>
+          <a:lstStyle/>
+          <a:p>
+            <a:pPr algn="ctr"/>
+            <a:endParaRPr lang="es-CO"/>
+          </a:p>
+        </p:txBody>
+      </p:sp>
+      <p:sp>
+        <p:nvSpPr>
+          <p:cNvPr id="10" name="Título 2">
+            <a:extLst>
+              <a:ext uri="{FF2B5EF4-FFF2-40B4-BE49-F238E27FC236}">
+                <a16:creationId xmlns:a16="http://schemas.microsoft.com/office/drawing/2014/main" id="{4B4F06C2-20E6-40C1-BAD4-30FB77130CD3}"/>
+              </a:ext>
+            </a:extLst>
+          </p:cNvPr>
+          <p:cNvSpPr>
+            <a:spLocks noGrp="1"/>
+          </p:cNvSpPr>
+          <p:nvPr>
+            <p:ph type="ctrTitle"/>
+          </p:nvPr>
+        </p:nvSpPr>
+        <p:spPr>
+          <a:xfrm>
+            <a:off x="5686373" y="372041"/>
+            <a:ext cx="3195637" cy="481013"/>
+          </a:xfrm>
+        </p:spPr>
+        <p:txBody>
+          <a:bodyPr/>
+          <a:lstStyle/>
+          <a:p>
+            <a:r>
+              <a:rPr lang="es-CO" dirty="0"/>
+              <a:t>Potenciación rápida </a:t>
+            </a:r>
+          </a:p>
+        </p:txBody>
+      </p:sp>
+      <p:pic>
+        <p:nvPicPr>
+          <p:cNvPr id="7" name="Imagen 6" descr="Diagrama&#10;&#10;Descripción generada automáticamente con confianza media">
+            <a:extLst>
+              <a:ext uri="{FF2B5EF4-FFF2-40B4-BE49-F238E27FC236}">
+                <a16:creationId xmlns:a16="http://schemas.microsoft.com/office/drawing/2014/main" id="{D734F0AA-2BD4-4222-BC1B-8187D729261E}"/>
+              </a:ext>
+            </a:extLst>
+          </p:cNvPr>
+          <p:cNvPicPr>
+            <a:picLocks noChangeAspect="1"/>
+          </p:cNvPicPr>
+          <p:nvPr/>
+        </p:nvPicPr>
+        <p:blipFill>
+          <a:blip r:embed="rId5"/>
+          <a:stretch>
+            <a:fillRect/>
+          </a:stretch>
+        </p:blipFill>
+        <p:spPr>
+          <a:xfrm>
+            <a:off x="663424" y="2395369"/>
+            <a:ext cx="2990140" cy="1007912"/>
+          </a:xfrm>
+          <a:prstGeom prst="rect">
+            <a:avLst/>
+          </a:prstGeom>
+        </p:spPr>
+      </p:pic>
+    </p:spTree>
+    <p:extLst>
+      <p:ext uri="{BB962C8B-B14F-4D97-AF65-F5344CB8AC3E}">
+        <p14:creationId xmlns:p14="http://schemas.microsoft.com/office/powerpoint/2010/main" val="4062622684"/>
+      </p:ext>
+    </p:extLst>
+  </p:cSld>
+  <p:clrMapOvr>
+    <a:masterClrMapping/>
+  </p:clrMapOvr>
+</p:sld>
+</file>
+
+<file path=ppt/slides/slide15.xml><?xml version="1.0" encoding="utf-8"?>
+<p:sld xmlns:a="http://schemas.openxmlformats.org/drawingml/2006/main" xmlns:r="http://schemas.openxmlformats.org/officeDocument/2006/relationships" xmlns:p="http://schemas.openxmlformats.org/presentationml/2006/main">
+  <p:cSld>
+    <p:spTree>
+      <p:nvGrpSpPr>
+        <p:cNvPr id="1" name=""/>
+        <p:cNvGrpSpPr/>
+        <p:nvPr/>
+      </p:nvGrpSpPr>
+      <p:grpSpPr>
+        <a:xfrm>
+          <a:off x="0" y="0"/>
+          <a:ext cx="0" cy="0"/>
+          <a:chOff x="0" y="0"/>
+          <a:chExt cx="0" cy="0"/>
+        </a:xfrm>
+      </p:grpSpPr>
+      <p:sp>
+        <p:nvSpPr>
+          <p:cNvPr id="26" name="Rectángulo 25">
+            <a:extLst>
+              <a:ext uri="{FF2B5EF4-FFF2-40B4-BE49-F238E27FC236}">
+                <a16:creationId xmlns:a16="http://schemas.microsoft.com/office/drawing/2014/main" id="{20871D08-49C4-4991-A1DB-2916029C3E9B}"/>
+              </a:ext>
+            </a:extLst>
+          </p:cNvPr>
+          <p:cNvSpPr/>
+          <p:nvPr/>
+        </p:nvSpPr>
+        <p:spPr>
+          <a:xfrm>
+            <a:off x="1111703" y="1696278"/>
+            <a:ext cx="6879357" cy="2822713"/>
+          </a:xfrm>
+          <a:prstGeom prst="rect">
+            <a:avLst/>
+          </a:prstGeom>
+          <a:solidFill>
+            <a:srgbClr val="F7F7F7"/>
+          </a:solidFill>
+        </p:spPr>
+        <p:style>
+          <a:lnRef idx="2">
+            <a:schemeClr val="accent1">
+              <a:shade val="50000"/>
+            </a:schemeClr>
+          </a:lnRef>
+          <a:fillRef idx="1">
+            <a:schemeClr val="accent1"/>
+          </a:fillRef>
+          <a:effectRef idx="0">
+            <a:schemeClr val="accent1"/>
+          </a:effectRef>
+          <a:fontRef idx="minor">
+            <a:schemeClr val="lt1"/>
+          </a:fontRef>
+        </p:style>
+        <p:txBody>
+          <a:bodyPr rtlCol="0" anchor="ctr"/>
+          <a:lstStyle/>
+          <a:p>
+            <a:pPr marL="0" marR="0" lvl="0" indent="0" algn="ctr" defTabSz="914400" rtl="0" eaLnBrk="1" fontAlgn="auto" latinLnBrk="0" hangingPunct="1">
+              <a:lnSpc>
+                <a:spcPct val="100000"/>
+              </a:lnSpc>
+              <a:spcBef>
+                <a:spcPts val="0"/>
+              </a:spcBef>
+              <a:spcAft>
+                <a:spcPts val="0"/>
+              </a:spcAft>
+              <a:buClr>
+                <a:srgbClr val="000000"/>
+              </a:buClr>
+              <a:buSzTx/>
+              <a:buFont typeface="Arial"/>
+              <a:buNone/>
+              <a:tabLst/>
+              <a:defRPr/>
+            </a:pPr>
+            <a:endParaRPr kumimoji="0" lang="es-CO" sz="1400" b="0" i="0" u="none" strike="noStrike" kern="0" cap="none" spc="0" normalizeH="0" baseline="0" noProof="0">
+              <a:ln>
+                <a:noFill/>
+              </a:ln>
+              <a:solidFill>
+                <a:srgbClr val="BAF7C9"/>
+              </a:solidFill>
+              <a:effectLst/>
+              <a:uLnTx/>
+              <a:uFillTx/>
+              <a:latin typeface="Arial"/>
+              <a:ea typeface="+mn-ea"/>
+              <a:cs typeface="+mn-cs"/>
+              <a:sym typeface="Arial"/>
+            </a:endParaRPr>
+          </a:p>
+        </p:txBody>
+      </p:sp>
+      <p:sp>
+        <p:nvSpPr>
+          <p:cNvPr id="27" name="Rectángulo 26">
+            <a:extLst>
+              <a:ext uri="{FF2B5EF4-FFF2-40B4-BE49-F238E27FC236}">
+                <a16:creationId xmlns:a16="http://schemas.microsoft.com/office/drawing/2014/main" id="{C271E673-D168-4137-8F6F-3C6D1FF393F3}"/>
+              </a:ext>
+            </a:extLst>
+          </p:cNvPr>
+          <p:cNvSpPr/>
+          <p:nvPr/>
+        </p:nvSpPr>
+        <p:spPr>
+          <a:xfrm>
+            <a:off x="1190" y="2464821"/>
+            <a:ext cx="1110513" cy="895868"/>
+          </a:xfrm>
+          <a:prstGeom prst="rect">
+            <a:avLst/>
+          </a:prstGeom>
+          <a:solidFill>
+            <a:srgbClr val="BAF7C9"/>
+          </a:solidFill>
+          <a:ln>
+            <a:noFill/>
+          </a:ln>
+        </p:spPr>
+        <p:style>
+          <a:lnRef idx="2">
+            <a:schemeClr val="accent1">
+              <a:shade val="50000"/>
+            </a:schemeClr>
+          </a:lnRef>
+          <a:fillRef idx="1">
+            <a:schemeClr val="accent1"/>
+          </a:fillRef>
+          <a:effectRef idx="0">
+            <a:schemeClr val="accent1"/>
+          </a:effectRef>
+          <a:fontRef idx="minor">
+            <a:schemeClr val="lt1"/>
+          </a:fontRef>
+        </p:style>
+        <p:txBody>
+          <a:bodyPr rtlCol="0" anchor="ctr"/>
+          <a:lstStyle/>
+          <a:p>
+            <a:pPr marL="0" marR="0" lvl="0" indent="0" algn="ctr" defTabSz="914400" rtl="0" eaLnBrk="1" fontAlgn="auto" latinLnBrk="0" hangingPunct="1">
+              <a:lnSpc>
+                <a:spcPct val="100000"/>
+              </a:lnSpc>
+              <a:spcBef>
+                <a:spcPts val="0"/>
+              </a:spcBef>
+              <a:spcAft>
+                <a:spcPts val="0"/>
+              </a:spcAft>
+              <a:buClr>
+                <a:srgbClr val="000000"/>
+              </a:buClr>
+              <a:buSzTx/>
+              <a:buFont typeface="Arial"/>
+              <a:buNone/>
+              <a:tabLst/>
+              <a:defRPr/>
+            </a:pPr>
+            <a:endParaRPr kumimoji="0" lang="es-CO" sz="1400" b="0" i="0" u="none" strike="noStrike" kern="0" cap="none" spc="0" normalizeH="0" baseline="0" noProof="0">
+              <a:ln>
+                <a:noFill/>
+              </a:ln>
+              <a:solidFill>
+                <a:srgbClr val="BAF7C9"/>
+              </a:solidFill>
+              <a:effectLst/>
+              <a:uLnTx/>
+              <a:uFillTx/>
+              <a:latin typeface="Arial"/>
+              <a:ea typeface="+mn-ea"/>
+              <a:cs typeface="+mn-cs"/>
+              <a:sym typeface="Arial"/>
+            </a:endParaRPr>
+          </a:p>
+        </p:txBody>
+      </p:sp>
+      <p:sp>
+        <p:nvSpPr>
+          <p:cNvPr id="28" name="Rectángulo 27">
+            <a:extLst>
+              <a:ext uri="{FF2B5EF4-FFF2-40B4-BE49-F238E27FC236}">
+                <a16:creationId xmlns:a16="http://schemas.microsoft.com/office/drawing/2014/main" id="{F87A6902-5CAB-482B-A04D-990353BC1E7D}"/>
+              </a:ext>
+            </a:extLst>
+          </p:cNvPr>
+          <p:cNvSpPr/>
+          <p:nvPr/>
+        </p:nvSpPr>
+        <p:spPr>
+          <a:xfrm>
+            <a:off x="7991061" y="2464821"/>
+            <a:ext cx="1154128" cy="895868"/>
+          </a:xfrm>
+          <a:prstGeom prst="rect">
+            <a:avLst/>
+          </a:prstGeom>
+          <a:solidFill>
+            <a:srgbClr val="BAF7C9"/>
+          </a:solidFill>
+          <a:ln>
+            <a:noFill/>
+          </a:ln>
+        </p:spPr>
+        <p:style>
+          <a:lnRef idx="2">
+            <a:schemeClr val="accent1">
+              <a:shade val="50000"/>
+            </a:schemeClr>
+          </a:lnRef>
+          <a:fillRef idx="1">
+            <a:schemeClr val="accent1"/>
+          </a:fillRef>
+          <a:effectRef idx="0">
+            <a:schemeClr val="accent1"/>
+          </a:effectRef>
+          <a:fontRef idx="minor">
+            <a:schemeClr val="lt1"/>
+          </a:fontRef>
+        </p:style>
+        <p:txBody>
+          <a:bodyPr rtlCol="0" anchor="ctr"/>
+          <a:lstStyle/>
+          <a:p>
+            <a:pPr marL="0" marR="0" lvl="0" indent="0" algn="ctr" defTabSz="914400" rtl="0" eaLnBrk="1" fontAlgn="auto" latinLnBrk="0" hangingPunct="1">
+              <a:lnSpc>
+                <a:spcPct val="100000"/>
+              </a:lnSpc>
+              <a:spcBef>
+                <a:spcPts val="0"/>
+              </a:spcBef>
+              <a:spcAft>
+                <a:spcPts val="0"/>
+              </a:spcAft>
+              <a:buClr>
+                <a:srgbClr val="000000"/>
+              </a:buClr>
+              <a:buSzTx/>
+              <a:buFont typeface="Arial"/>
+              <a:buNone/>
+              <a:tabLst/>
+              <a:defRPr/>
+            </a:pPr>
+            <a:endParaRPr kumimoji="0" lang="es-CO" sz="1400" b="0" i="0" u="none" strike="noStrike" kern="0" cap="none" spc="0" normalizeH="0" baseline="0" noProof="0">
+              <a:ln>
+                <a:noFill/>
+              </a:ln>
+              <a:solidFill>
+                <a:srgbClr val="BAF7C9"/>
+              </a:solidFill>
+              <a:effectLst/>
+              <a:uLnTx/>
+              <a:uFillTx/>
+              <a:latin typeface="Arial"/>
+              <a:ea typeface="+mn-ea"/>
+              <a:cs typeface="+mn-cs"/>
+              <a:sym typeface="Arial"/>
+            </a:endParaRPr>
+          </a:p>
+        </p:txBody>
+      </p:sp>
+      <p:sp>
+        <p:nvSpPr>
+          <p:cNvPr id="3" name="Título 2">
+            <a:extLst>
+              <a:ext uri="{FF2B5EF4-FFF2-40B4-BE49-F238E27FC236}">
+                <a16:creationId xmlns:a16="http://schemas.microsoft.com/office/drawing/2014/main" id="{958E9C0A-1B7C-480F-B568-0D2DDEF32A6F}"/>
+              </a:ext>
+            </a:extLst>
+          </p:cNvPr>
+          <p:cNvSpPr>
+            <a:spLocks noGrp="1"/>
+          </p:cNvSpPr>
+          <p:nvPr>
+            <p:ph type="ctrTitle"/>
+          </p:nvPr>
+        </p:nvSpPr>
+        <p:spPr>
+          <a:xfrm>
+            <a:off x="5152727" y="425272"/>
+            <a:ext cx="3194700" cy="481200"/>
+          </a:xfrm>
+        </p:spPr>
+        <p:txBody>
+          <a:bodyPr/>
+          <a:lstStyle/>
+          <a:p>
+            <a:pPr algn="ctr"/>
+            <a:r>
+              <a:rPr lang="es-CO" dirty="0"/>
+              <a:t>Potenciación rápida </a:t>
+            </a:r>
+          </a:p>
+        </p:txBody>
+      </p:sp>
+      <p:pic>
+        <p:nvPicPr>
+          <p:cNvPr id="4" name="Picture 4" descr="Símbolos Universitarios – Universidad de Nariño">
+            <a:extLst>
+              <a:ext uri="{FF2B5EF4-FFF2-40B4-BE49-F238E27FC236}">
+                <a16:creationId xmlns:a16="http://schemas.microsoft.com/office/drawing/2014/main" id="{0B2EA667-CB57-4DF8-BB35-E9AFDF367C2B}"/>
+              </a:ext>
+            </a:extLst>
+          </p:cNvPr>
+          <p:cNvPicPr>
+            <a:picLocks noChangeAspect="1" noChangeArrowheads="1"/>
+          </p:cNvPicPr>
+          <p:nvPr/>
+        </p:nvPicPr>
+        <p:blipFill>
+          <a:blip r:embed="rId3">
+            <a:extLst>
+              <a:ext uri="{28A0092B-C50C-407E-A947-70E740481C1C}">
+                <a14:useLocalDpi xmlns:a14="http://schemas.microsoft.com/office/drawing/2010/main" val="0"/>
+              </a:ext>
+            </a:extLst>
+          </a:blip>
+          <a:srcRect/>
+          <a:stretch>
+            <a:fillRect/>
+          </a:stretch>
+        </p:blipFill>
+        <p:spPr bwMode="auto">
+          <a:xfrm>
+            <a:off x="282654" y="292080"/>
+            <a:ext cx="660961" cy="660961"/>
+          </a:xfrm>
+          <a:prstGeom prst="rect">
+            <a:avLst/>
+          </a:prstGeom>
+          <a:noFill/>
+          <a:extLst>
+            <a:ext uri="{909E8E84-426E-40DD-AFC4-6F175D3DCCD1}">
+              <a14:hiddenFill xmlns:a14="http://schemas.microsoft.com/office/drawing/2010/main">
+                <a:solidFill>
+                  <a:srgbClr val="FFFFFF"/>
+                </a:solidFill>
+              </a14:hiddenFill>
+            </a:ext>
+          </a:extLst>
+        </p:spPr>
+      </p:pic>
+      <p:pic>
+        <p:nvPicPr>
+          <p:cNvPr id="5" name="Imagen 4">
+            <a:extLst>
+              <a:ext uri="{FF2B5EF4-FFF2-40B4-BE49-F238E27FC236}">
+                <a16:creationId xmlns:a16="http://schemas.microsoft.com/office/drawing/2014/main" id="{1B46FA37-FA47-4459-8828-383FB697E3AF}"/>
+              </a:ext>
+            </a:extLst>
+          </p:cNvPr>
+          <p:cNvPicPr>
+            <a:picLocks noChangeAspect="1"/>
+          </p:cNvPicPr>
+          <p:nvPr/>
+        </p:nvPicPr>
+        <p:blipFill rotWithShape="1">
+          <a:blip r:embed="rId4"/>
+          <a:srcRect l="53279" t="4713" r="5319"/>
+          <a:stretch/>
+        </p:blipFill>
+        <p:spPr>
+          <a:xfrm>
+            <a:off x="1111703" y="220369"/>
+            <a:ext cx="918577" cy="804385"/>
+          </a:xfrm>
+          <a:prstGeom prst="ellipse">
+            <a:avLst/>
+          </a:prstGeom>
+          <a:ln>
+            <a:noFill/>
+          </a:ln>
+          <a:effectLst>
+            <a:softEdge rad="112500"/>
+          </a:effectLst>
+        </p:spPr>
+      </p:pic>
+      <p:pic>
+        <p:nvPicPr>
+          <p:cNvPr id="6" name="Imagen 5">
+            <a:extLst>
+              <a:ext uri="{FF2B5EF4-FFF2-40B4-BE49-F238E27FC236}">
+                <a16:creationId xmlns:a16="http://schemas.microsoft.com/office/drawing/2014/main" id="{E55A8BD0-1757-45A5-B6C0-0F3EB311D4F8}"/>
+              </a:ext>
+            </a:extLst>
+          </p:cNvPr>
+          <p:cNvPicPr>
+            <a:picLocks noChangeAspect="1"/>
+          </p:cNvPicPr>
+          <p:nvPr/>
+        </p:nvPicPr>
+        <p:blipFill>
+          <a:blip r:embed="rId5"/>
+          <a:stretch>
+            <a:fillRect/>
+          </a:stretch>
+        </p:blipFill>
+        <p:spPr>
+          <a:xfrm>
+            <a:off x="1303019" y="2190232"/>
+            <a:ext cx="6537961" cy="1981200"/>
+          </a:xfrm>
+          <a:prstGeom prst="rect">
+            <a:avLst/>
+          </a:prstGeom>
+        </p:spPr>
+      </p:pic>
+    </p:spTree>
+    <p:extLst>
+      <p:ext uri="{BB962C8B-B14F-4D97-AF65-F5344CB8AC3E}">
+        <p14:creationId xmlns:p14="http://schemas.microsoft.com/office/powerpoint/2010/main" val="3740948652"/>
+      </p:ext>
+    </p:extLst>
+  </p:cSld>
+  <p:clrMapOvr>
+    <a:masterClrMapping/>
+  </p:clrMapOvr>
+</p:sld>
+</file>
+
+<file path=ppt/slides/slide16.xml><?xml version="1.0" encoding="utf-8"?>
+<p:sld xmlns:a="http://schemas.openxmlformats.org/drawingml/2006/main" xmlns:r="http://schemas.openxmlformats.org/officeDocument/2006/relationships" xmlns:p="http://schemas.openxmlformats.org/presentationml/2006/main">
+  <p:cSld>
+    <p:spTree>
+      <p:nvGrpSpPr>
+        <p:cNvPr id="1" name=""/>
+        <p:cNvGrpSpPr/>
+        <p:nvPr/>
+      </p:nvGrpSpPr>
+      <p:grpSpPr>
+        <a:xfrm>
+          <a:off x="0" y="0"/>
+          <a:ext cx="0" cy="0"/>
+          <a:chOff x="0" y="0"/>
+          <a:chExt cx="0" cy="0"/>
+        </a:xfrm>
+      </p:grpSpPr>
+      <p:sp>
+        <p:nvSpPr>
+          <p:cNvPr id="26" name="Rectángulo 25">
+            <a:extLst>
+              <a:ext uri="{FF2B5EF4-FFF2-40B4-BE49-F238E27FC236}">
+                <a16:creationId xmlns:a16="http://schemas.microsoft.com/office/drawing/2014/main" id="{20871D08-49C4-4991-A1DB-2916029C3E9B}"/>
+              </a:ext>
+            </a:extLst>
+          </p:cNvPr>
+          <p:cNvSpPr/>
+          <p:nvPr/>
+        </p:nvSpPr>
+        <p:spPr>
+          <a:xfrm>
+            <a:off x="1111703" y="1696278"/>
+            <a:ext cx="6879357" cy="2822713"/>
+          </a:xfrm>
+          <a:prstGeom prst="rect">
+            <a:avLst/>
+          </a:prstGeom>
+          <a:solidFill>
+            <a:srgbClr val="FFFFFF"/>
+          </a:solidFill>
+        </p:spPr>
+        <p:style>
+          <a:lnRef idx="2">
+            <a:schemeClr val="accent1">
+              <a:shade val="50000"/>
+            </a:schemeClr>
+          </a:lnRef>
+          <a:fillRef idx="1">
+            <a:schemeClr val="accent1"/>
+          </a:fillRef>
+          <a:effectRef idx="0">
+            <a:schemeClr val="accent1"/>
+          </a:effectRef>
+          <a:fontRef idx="minor">
+            <a:schemeClr val="lt1"/>
+          </a:fontRef>
+        </p:style>
+        <p:txBody>
+          <a:bodyPr rtlCol="0" anchor="ctr"/>
+          <a:lstStyle/>
+          <a:p>
+            <a:pPr marL="0" marR="0" lvl="0" indent="0" algn="ctr" defTabSz="914400" rtl="0" eaLnBrk="1" fontAlgn="auto" latinLnBrk="0" hangingPunct="1">
+              <a:lnSpc>
+                <a:spcPct val="100000"/>
+              </a:lnSpc>
+              <a:spcBef>
+                <a:spcPts val="0"/>
+              </a:spcBef>
+              <a:spcAft>
+                <a:spcPts val="0"/>
+              </a:spcAft>
+              <a:buClr>
+                <a:srgbClr val="000000"/>
+              </a:buClr>
+              <a:buSzTx/>
+              <a:buFont typeface="Arial"/>
+              <a:buNone/>
+              <a:tabLst/>
+              <a:defRPr/>
+            </a:pPr>
+            <a:endParaRPr kumimoji="0" lang="es-CO" sz="1400" b="0" i="0" u="none" strike="noStrike" kern="0" cap="none" spc="0" normalizeH="0" baseline="0" noProof="0">
+              <a:ln>
+                <a:noFill/>
+              </a:ln>
+              <a:solidFill>
+                <a:srgbClr val="BAF7C9"/>
+              </a:solidFill>
+              <a:effectLst/>
+              <a:uLnTx/>
+              <a:uFillTx/>
+              <a:latin typeface="Arial"/>
+              <a:ea typeface="+mn-ea"/>
+              <a:cs typeface="+mn-cs"/>
+              <a:sym typeface="Arial"/>
+            </a:endParaRPr>
+          </a:p>
+        </p:txBody>
+      </p:sp>
+      <p:sp>
+        <p:nvSpPr>
+          <p:cNvPr id="27" name="Rectángulo 26">
+            <a:extLst>
+              <a:ext uri="{FF2B5EF4-FFF2-40B4-BE49-F238E27FC236}">
+                <a16:creationId xmlns:a16="http://schemas.microsoft.com/office/drawing/2014/main" id="{C271E673-D168-4137-8F6F-3C6D1FF393F3}"/>
+              </a:ext>
+            </a:extLst>
+          </p:cNvPr>
+          <p:cNvSpPr/>
+          <p:nvPr/>
+        </p:nvSpPr>
+        <p:spPr>
+          <a:xfrm>
+            <a:off x="1190" y="2464821"/>
+            <a:ext cx="1110513" cy="895868"/>
+          </a:xfrm>
+          <a:prstGeom prst="rect">
+            <a:avLst/>
+          </a:prstGeom>
+          <a:solidFill>
+            <a:srgbClr val="BAF7C9"/>
+          </a:solidFill>
+          <a:ln>
+            <a:noFill/>
+          </a:ln>
+        </p:spPr>
+        <p:style>
+          <a:lnRef idx="2">
+            <a:schemeClr val="accent1">
+              <a:shade val="50000"/>
+            </a:schemeClr>
+          </a:lnRef>
+          <a:fillRef idx="1">
+            <a:schemeClr val="accent1"/>
+          </a:fillRef>
+          <a:effectRef idx="0">
+            <a:schemeClr val="accent1"/>
+          </a:effectRef>
+          <a:fontRef idx="minor">
+            <a:schemeClr val="lt1"/>
+          </a:fontRef>
+        </p:style>
+        <p:txBody>
+          <a:bodyPr rtlCol="0" anchor="ctr"/>
+          <a:lstStyle/>
+          <a:p>
+            <a:pPr marL="0" marR="0" lvl="0" indent="0" algn="ctr" defTabSz="914400" rtl="0" eaLnBrk="1" fontAlgn="auto" latinLnBrk="0" hangingPunct="1">
+              <a:lnSpc>
+                <a:spcPct val="100000"/>
+              </a:lnSpc>
+              <a:spcBef>
+                <a:spcPts val="0"/>
+              </a:spcBef>
+              <a:spcAft>
+                <a:spcPts val="0"/>
+              </a:spcAft>
+              <a:buClr>
+                <a:srgbClr val="000000"/>
+              </a:buClr>
+              <a:buSzTx/>
+              <a:buFont typeface="Arial"/>
+              <a:buNone/>
+              <a:tabLst/>
+              <a:defRPr/>
+            </a:pPr>
+            <a:endParaRPr kumimoji="0" lang="es-CO" sz="1400" b="0" i="0" u="none" strike="noStrike" kern="0" cap="none" spc="0" normalizeH="0" baseline="0" noProof="0">
+              <a:ln>
+                <a:noFill/>
+              </a:ln>
+              <a:solidFill>
+                <a:srgbClr val="BAF7C9"/>
+              </a:solidFill>
+              <a:effectLst/>
+              <a:uLnTx/>
+              <a:uFillTx/>
+              <a:latin typeface="Arial"/>
+              <a:ea typeface="+mn-ea"/>
+              <a:cs typeface="+mn-cs"/>
+              <a:sym typeface="Arial"/>
+            </a:endParaRPr>
+          </a:p>
+        </p:txBody>
+      </p:sp>
+      <p:sp>
+        <p:nvSpPr>
+          <p:cNvPr id="28" name="Rectángulo 27">
+            <a:extLst>
+              <a:ext uri="{FF2B5EF4-FFF2-40B4-BE49-F238E27FC236}">
+                <a16:creationId xmlns:a16="http://schemas.microsoft.com/office/drawing/2014/main" id="{F87A6902-5CAB-482B-A04D-990353BC1E7D}"/>
+              </a:ext>
+            </a:extLst>
+          </p:cNvPr>
+          <p:cNvSpPr/>
+          <p:nvPr/>
+        </p:nvSpPr>
+        <p:spPr>
+          <a:xfrm>
+            <a:off x="7991061" y="2464821"/>
+            <a:ext cx="1154128" cy="895868"/>
+          </a:xfrm>
+          <a:prstGeom prst="rect">
+            <a:avLst/>
+          </a:prstGeom>
+          <a:solidFill>
+            <a:srgbClr val="BAF7C9"/>
+          </a:solidFill>
+          <a:ln>
+            <a:noFill/>
+          </a:ln>
+        </p:spPr>
+        <p:style>
+          <a:lnRef idx="2">
+            <a:schemeClr val="accent1">
+              <a:shade val="50000"/>
+            </a:schemeClr>
+          </a:lnRef>
+          <a:fillRef idx="1">
+            <a:schemeClr val="accent1"/>
+          </a:fillRef>
+          <a:effectRef idx="0">
+            <a:schemeClr val="accent1"/>
+          </a:effectRef>
+          <a:fontRef idx="minor">
+            <a:schemeClr val="lt1"/>
+          </a:fontRef>
+        </p:style>
+        <p:txBody>
+          <a:bodyPr rtlCol="0" anchor="ctr"/>
+          <a:lstStyle/>
+          <a:p>
+            <a:pPr marL="0" marR="0" lvl="0" indent="0" algn="ctr" defTabSz="914400" rtl="0" eaLnBrk="1" fontAlgn="auto" latinLnBrk="0" hangingPunct="1">
+              <a:lnSpc>
+                <a:spcPct val="100000"/>
+              </a:lnSpc>
+              <a:spcBef>
+                <a:spcPts val="0"/>
+              </a:spcBef>
+              <a:spcAft>
+                <a:spcPts val="0"/>
+              </a:spcAft>
+              <a:buClr>
+                <a:srgbClr val="000000"/>
+              </a:buClr>
+              <a:buSzTx/>
+              <a:buFont typeface="Arial"/>
+              <a:buNone/>
+              <a:tabLst/>
+              <a:defRPr/>
+            </a:pPr>
+            <a:endParaRPr kumimoji="0" lang="es-CO" sz="1400" b="0" i="0" u="none" strike="noStrike" kern="0" cap="none" spc="0" normalizeH="0" baseline="0" noProof="0">
+              <a:ln>
+                <a:noFill/>
+              </a:ln>
+              <a:solidFill>
+                <a:srgbClr val="BAF7C9"/>
+              </a:solidFill>
+              <a:effectLst/>
+              <a:uLnTx/>
+              <a:uFillTx/>
+              <a:latin typeface="Arial"/>
+              <a:ea typeface="+mn-ea"/>
+              <a:cs typeface="+mn-cs"/>
+              <a:sym typeface="Arial"/>
+            </a:endParaRPr>
+          </a:p>
+        </p:txBody>
+      </p:sp>
+      <p:sp>
+        <p:nvSpPr>
+          <p:cNvPr id="3" name="Título 2">
+            <a:extLst>
+              <a:ext uri="{FF2B5EF4-FFF2-40B4-BE49-F238E27FC236}">
+                <a16:creationId xmlns:a16="http://schemas.microsoft.com/office/drawing/2014/main" id="{958E9C0A-1B7C-480F-B568-0D2DDEF32A6F}"/>
+              </a:ext>
+            </a:extLst>
+          </p:cNvPr>
+          <p:cNvSpPr>
+            <a:spLocks noGrp="1"/>
+          </p:cNvSpPr>
+          <p:nvPr>
+            <p:ph type="ctrTitle"/>
+          </p:nvPr>
+        </p:nvSpPr>
+        <p:spPr>
+          <a:xfrm>
+            <a:off x="5152727" y="425272"/>
+            <a:ext cx="3194700" cy="481200"/>
+          </a:xfrm>
+        </p:spPr>
+        <p:txBody>
+          <a:bodyPr/>
+          <a:lstStyle/>
+          <a:p>
+            <a:pPr algn="ctr"/>
+            <a:r>
+              <a:rPr lang="es-CO" dirty="0"/>
+              <a:t>Potenciación rápida </a:t>
+            </a:r>
+          </a:p>
+        </p:txBody>
+      </p:sp>
+      <p:pic>
+        <p:nvPicPr>
+          <p:cNvPr id="4" name="Picture 4" descr="Símbolos Universitarios – Universidad de Nariño">
+            <a:extLst>
+              <a:ext uri="{FF2B5EF4-FFF2-40B4-BE49-F238E27FC236}">
+                <a16:creationId xmlns:a16="http://schemas.microsoft.com/office/drawing/2014/main" id="{0B2EA667-CB57-4DF8-BB35-E9AFDF367C2B}"/>
+              </a:ext>
+            </a:extLst>
+          </p:cNvPr>
+          <p:cNvPicPr>
+            <a:picLocks noChangeAspect="1" noChangeArrowheads="1"/>
+          </p:cNvPicPr>
+          <p:nvPr/>
+        </p:nvPicPr>
+        <p:blipFill>
+          <a:blip r:embed="rId3">
+            <a:extLst>
+              <a:ext uri="{28A0092B-C50C-407E-A947-70E740481C1C}">
+                <a14:useLocalDpi xmlns:a14="http://schemas.microsoft.com/office/drawing/2010/main" val="0"/>
+              </a:ext>
+            </a:extLst>
+          </a:blip>
+          <a:srcRect/>
+          <a:stretch>
+            <a:fillRect/>
+          </a:stretch>
+        </p:blipFill>
+        <p:spPr bwMode="auto">
+          <a:xfrm>
+            <a:off x="282654" y="292080"/>
+            <a:ext cx="660961" cy="660961"/>
+          </a:xfrm>
+          <a:prstGeom prst="rect">
+            <a:avLst/>
+          </a:prstGeom>
+          <a:noFill/>
+          <a:extLst>
+            <a:ext uri="{909E8E84-426E-40DD-AFC4-6F175D3DCCD1}">
+              <a14:hiddenFill xmlns:a14="http://schemas.microsoft.com/office/drawing/2010/main">
+                <a:solidFill>
+                  <a:srgbClr val="FFFFFF"/>
+                </a:solidFill>
+              </a14:hiddenFill>
+            </a:ext>
+          </a:extLst>
+        </p:spPr>
+      </p:pic>
+      <p:pic>
+        <p:nvPicPr>
+          <p:cNvPr id="5" name="Imagen 4">
+            <a:extLst>
+              <a:ext uri="{FF2B5EF4-FFF2-40B4-BE49-F238E27FC236}">
+                <a16:creationId xmlns:a16="http://schemas.microsoft.com/office/drawing/2014/main" id="{1B46FA37-FA47-4459-8828-383FB697E3AF}"/>
+              </a:ext>
+            </a:extLst>
+          </p:cNvPr>
+          <p:cNvPicPr>
+            <a:picLocks noChangeAspect="1"/>
+          </p:cNvPicPr>
+          <p:nvPr/>
+        </p:nvPicPr>
+        <p:blipFill rotWithShape="1">
+          <a:blip r:embed="rId4"/>
+          <a:srcRect l="53279" t="4713" r="5319"/>
+          <a:stretch/>
+        </p:blipFill>
+        <p:spPr>
+          <a:xfrm>
+            <a:off x="1111703" y="220369"/>
+            <a:ext cx="918577" cy="804385"/>
+          </a:xfrm>
+          <a:prstGeom prst="ellipse">
+            <a:avLst/>
+          </a:prstGeom>
+          <a:ln>
+            <a:noFill/>
+          </a:ln>
+          <a:effectLst>
+            <a:softEdge rad="112500"/>
+          </a:effectLst>
+        </p:spPr>
+      </p:pic>
+      <p:pic>
+        <p:nvPicPr>
+          <p:cNvPr id="6" name="Imagen 5">
+            <a:extLst>
+              <a:ext uri="{FF2B5EF4-FFF2-40B4-BE49-F238E27FC236}">
+                <a16:creationId xmlns:a16="http://schemas.microsoft.com/office/drawing/2014/main" id="{82B2A6DD-99A8-47B4-807E-F33EB8C76395}"/>
+              </a:ext>
+            </a:extLst>
+          </p:cNvPr>
+          <p:cNvPicPr>
+            <a:picLocks noChangeAspect="1"/>
+          </p:cNvPicPr>
+          <p:nvPr/>
+        </p:nvPicPr>
+        <p:blipFill rotWithShape="1">
+          <a:blip r:embed="rId5"/>
+          <a:srcRect t="4284"/>
+          <a:stretch/>
+        </p:blipFill>
+        <p:spPr>
+          <a:xfrm>
+            <a:off x="2644473" y="1752942"/>
+            <a:ext cx="3693360" cy="2690840"/>
+          </a:xfrm>
+          <a:prstGeom prst="rect">
+            <a:avLst/>
+          </a:prstGeom>
+        </p:spPr>
+      </p:pic>
+    </p:spTree>
+    <p:extLst>
+      <p:ext uri="{BB962C8B-B14F-4D97-AF65-F5344CB8AC3E}">
+        <p14:creationId xmlns:p14="http://schemas.microsoft.com/office/powerpoint/2010/main" val="2939270348"/>
+      </p:ext>
+    </p:extLst>
+  </p:cSld>
+  <p:clrMapOvr>
+    <a:masterClrMapping/>
+  </p:clrMapOvr>
+</p:sld>
+</file>
+
+<file path=ppt/slides/slide17.xml><?xml version="1.0" encoding="utf-8"?>
+<p:sld xmlns:a="http://schemas.openxmlformats.org/drawingml/2006/main" xmlns:r="http://schemas.openxmlformats.org/officeDocument/2006/relationships" xmlns:p="http://schemas.openxmlformats.org/presentationml/2006/main">
+  <p:cSld>
+    <p:spTree>
+      <p:nvGrpSpPr>
+        <p:cNvPr id="1" name=""/>
+        <p:cNvGrpSpPr/>
+        <p:nvPr/>
+      </p:nvGrpSpPr>
+      <p:grpSpPr>
+        <a:xfrm>
+          <a:off x="0" y="0"/>
+          <a:ext cx="0" cy="0"/>
+          <a:chOff x="0" y="0"/>
+          <a:chExt cx="0" cy="0"/>
+        </a:xfrm>
+      </p:grpSpPr>
+      <p:sp>
+        <p:nvSpPr>
+          <p:cNvPr id="26" name="Rectángulo 25">
+            <a:extLst>
+              <a:ext uri="{FF2B5EF4-FFF2-40B4-BE49-F238E27FC236}">
+                <a16:creationId xmlns:a16="http://schemas.microsoft.com/office/drawing/2014/main" id="{20871D08-49C4-4991-A1DB-2916029C3E9B}"/>
+              </a:ext>
+            </a:extLst>
+          </p:cNvPr>
+          <p:cNvSpPr/>
+          <p:nvPr/>
+        </p:nvSpPr>
+        <p:spPr>
+          <a:xfrm>
+            <a:off x="1111703" y="1696278"/>
+            <a:ext cx="6879357" cy="2822713"/>
+          </a:xfrm>
+          <a:prstGeom prst="rect">
+            <a:avLst/>
+          </a:prstGeom>
+          <a:solidFill>
+            <a:srgbClr val="F7F7F7"/>
+          </a:solidFill>
+        </p:spPr>
+        <p:style>
+          <a:lnRef idx="2">
+            <a:schemeClr val="accent1">
+              <a:shade val="50000"/>
+            </a:schemeClr>
+          </a:lnRef>
+          <a:fillRef idx="1">
+            <a:schemeClr val="accent1"/>
+          </a:fillRef>
+          <a:effectRef idx="0">
+            <a:schemeClr val="accent1"/>
+          </a:effectRef>
+          <a:fontRef idx="minor">
+            <a:schemeClr val="lt1"/>
+          </a:fontRef>
+        </p:style>
+        <p:txBody>
+          <a:bodyPr rtlCol="0" anchor="ctr"/>
+          <a:lstStyle/>
+          <a:p>
+            <a:pPr marL="0" marR="0" lvl="0" indent="0" algn="ctr" defTabSz="914400" rtl="0" eaLnBrk="1" fontAlgn="auto" latinLnBrk="0" hangingPunct="1">
+              <a:lnSpc>
+                <a:spcPct val="100000"/>
+              </a:lnSpc>
+              <a:spcBef>
+                <a:spcPts val="0"/>
+              </a:spcBef>
+              <a:spcAft>
+                <a:spcPts val="0"/>
+              </a:spcAft>
+              <a:buClr>
+                <a:srgbClr val="000000"/>
+              </a:buClr>
+              <a:buSzTx/>
+              <a:buFont typeface="Arial"/>
+              <a:buNone/>
+              <a:tabLst/>
+              <a:defRPr/>
+            </a:pPr>
+            <a:endParaRPr kumimoji="0" lang="es-CO" sz="1400" b="0" i="0" u="none" strike="noStrike" kern="0" cap="none" spc="0" normalizeH="0" baseline="0" noProof="0">
+              <a:ln>
+                <a:noFill/>
+              </a:ln>
+              <a:solidFill>
+                <a:srgbClr val="BAF7C9"/>
+              </a:solidFill>
+              <a:effectLst/>
+              <a:uLnTx/>
+              <a:uFillTx/>
+              <a:latin typeface="Arial"/>
+              <a:ea typeface="+mn-ea"/>
+              <a:cs typeface="+mn-cs"/>
+              <a:sym typeface="Arial"/>
+            </a:endParaRPr>
+          </a:p>
+        </p:txBody>
+      </p:sp>
+      <p:sp>
+        <p:nvSpPr>
+          <p:cNvPr id="27" name="Rectángulo 26">
+            <a:extLst>
+              <a:ext uri="{FF2B5EF4-FFF2-40B4-BE49-F238E27FC236}">
+                <a16:creationId xmlns:a16="http://schemas.microsoft.com/office/drawing/2014/main" id="{C271E673-D168-4137-8F6F-3C6D1FF393F3}"/>
+              </a:ext>
+            </a:extLst>
+          </p:cNvPr>
+          <p:cNvSpPr/>
+          <p:nvPr/>
+        </p:nvSpPr>
+        <p:spPr>
+          <a:xfrm>
+            <a:off x="1190" y="2464821"/>
+            <a:ext cx="1110513" cy="895868"/>
+          </a:xfrm>
+          <a:prstGeom prst="rect">
+            <a:avLst/>
+          </a:prstGeom>
+          <a:solidFill>
+            <a:srgbClr val="BAF7C9"/>
+          </a:solidFill>
+          <a:ln>
+            <a:noFill/>
+          </a:ln>
+        </p:spPr>
+        <p:style>
+          <a:lnRef idx="2">
+            <a:schemeClr val="accent1">
+              <a:shade val="50000"/>
+            </a:schemeClr>
+          </a:lnRef>
+          <a:fillRef idx="1">
+            <a:schemeClr val="accent1"/>
+          </a:fillRef>
+          <a:effectRef idx="0">
+            <a:schemeClr val="accent1"/>
+          </a:effectRef>
+          <a:fontRef idx="minor">
+            <a:schemeClr val="lt1"/>
+          </a:fontRef>
+        </p:style>
+        <p:txBody>
+          <a:bodyPr rtlCol="0" anchor="ctr"/>
+          <a:lstStyle/>
+          <a:p>
+            <a:pPr marL="0" marR="0" lvl="0" indent="0" algn="ctr" defTabSz="914400" rtl="0" eaLnBrk="1" fontAlgn="auto" latinLnBrk="0" hangingPunct="1">
+              <a:lnSpc>
+                <a:spcPct val="100000"/>
+              </a:lnSpc>
+              <a:spcBef>
+                <a:spcPts val="0"/>
+              </a:spcBef>
+              <a:spcAft>
+                <a:spcPts val="0"/>
+              </a:spcAft>
+              <a:buClr>
+                <a:srgbClr val="000000"/>
+              </a:buClr>
+              <a:buSzTx/>
+              <a:buFont typeface="Arial"/>
+              <a:buNone/>
+              <a:tabLst/>
+              <a:defRPr/>
+            </a:pPr>
+            <a:endParaRPr kumimoji="0" lang="es-CO" sz="1400" b="0" i="0" u="none" strike="noStrike" kern="0" cap="none" spc="0" normalizeH="0" baseline="0" noProof="0">
+              <a:ln>
+                <a:noFill/>
+              </a:ln>
+              <a:solidFill>
+                <a:srgbClr val="BAF7C9"/>
+              </a:solidFill>
+              <a:effectLst/>
+              <a:uLnTx/>
+              <a:uFillTx/>
+              <a:latin typeface="Arial"/>
+              <a:ea typeface="+mn-ea"/>
+              <a:cs typeface="+mn-cs"/>
+              <a:sym typeface="Arial"/>
+            </a:endParaRPr>
+          </a:p>
+        </p:txBody>
+      </p:sp>
+      <p:sp>
+        <p:nvSpPr>
+          <p:cNvPr id="28" name="Rectángulo 27">
+            <a:extLst>
+              <a:ext uri="{FF2B5EF4-FFF2-40B4-BE49-F238E27FC236}">
+                <a16:creationId xmlns:a16="http://schemas.microsoft.com/office/drawing/2014/main" id="{F87A6902-5CAB-482B-A04D-990353BC1E7D}"/>
+              </a:ext>
+            </a:extLst>
+          </p:cNvPr>
+          <p:cNvSpPr/>
+          <p:nvPr/>
+        </p:nvSpPr>
+        <p:spPr>
+          <a:xfrm>
+            <a:off x="7991061" y="2464821"/>
+            <a:ext cx="1154128" cy="895868"/>
+          </a:xfrm>
+          <a:prstGeom prst="rect">
+            <a:avLst/>
+          </a:prstGeom>
+          <a:solidFill>
+            <a:srgbClr val="BAF7C9"/>
+          </a:solidFill>
+          <a:ln>
+            <a:noFill/>
+          </a:ln>
+        </p:spPr>
+        <p:style>
+          <a:lnRef idx="2">
+            <a:schemeClr val="accent1">
+              <a:shade val="50000"/>
+            </a:schemeClr>
+          </a:lnRef>
+          <a:fillRef idx="1">
+            <a:schemeClr val="accent1"/>
+          </a:fillRef>
+          <a:effectRef idx="0">
+            <a:schemeClr val="accent1"/>
+          </a:effectRef>
+          <a:fontRef idx="minor">
+            <a:schemeClr val="lt1"/>
+          </a:fontRef>
+        </p:style>
+        <p:txBody>
+          <a:bodyPr rtlCol="0" anchor="ctr"/>
+          <a:lstStyle/>
+          <a:p>
+            <a:pPr marL="0" marR="0" lvl="0" indent="0" algn="ctr" defTabSz="914400" rtl="0" eaLnBrk="1" fontAlgn="auto" latinLnBrk="0" hangingPunct="1">
+              <a:lnSpc>
+                <a:spcPct val="100000"/>
+              </a:lnSpc>
+              <a:spcBef>
+                <a:spcPts val="0"/>
+              </a:spcBef>
+              <a:spcAft>
+                <a:spcPts val="0"/>
+              </a:spcAft>
+              <a:buClr>
+                <a:srgbClr val="000000"/>
+              </a:buClr>
+              <a:buSzTx/>
+              <a:buFont typeface="Arial"/>
+              <a:buNone/>
+              <a:tabLst/>
+              <a:defRPr/>
+            </a:pPr>
+            <a:endParaRPr kumimoji="0" lang="es-CO" sz="1400" b="0" i="0" u="none" strike="noStrike" kern="0" cap="none" spc="0" normalizeH="0" baseline="0" noProof="0">
+              <a:ln>
+                <a:noFill/>
+              </a:ln>
+              <a:solidFill>
+                <a:srgbClr val="BAF7C9"/>
+              </a:solidFill>
+              <a:effectLst/>
+              <a:uLnTx/>
+              <a:uFillTx/>
+              <a:latin typeface="Arial"/>
+              <a:ea typeface="+mn-ea"/>
+              <a:cs typeface="+mn-cs"/>
+              <a:sym typeface="Arial"/>
+            </a:endParaRPr>
+          </a:p>
+        </p:txBody>
+      </p:sp>
+      <p:sp>
+        <p:nvSpPr>
+          <p:cNvPr id="3" name="Título 2">
+            <a:extLst>
+              <a:ext uri="{FF2B5EF4-FFF2-40B4-BE49-F238E27FC236}">
+                <a16:creationId xmlns:a16="http://schemas.microsoft.com/office/drawing/2014/main" id="{958E9C0A-1B7C-480F-B568-0D2DDEF32A6F}"/>
+              </a:ext>
+            </a:extLst>
+          </p:cNvPr>
+          <p:cNvSpPr>
+            <a:spLocks noGrp="1"/>
+          </p:cNvSpPr>
+          <p:nvPr>
+            <p:ph type="ctrTitle"/>
+          </p:nvPr>
+        </p:nvSpPr>
+        <p:spPr>
+          <a:xfrm>
+            <a:off x="5152727" y="425272"/>
+            <a:ext cx="3194700" cy="481200"/>
+          </a:xfrm>
+        </p:spPr>
+        <p:txBody>
+          <a:bodyPr/>
+          <a:lstStyle/>
+          <a:p>
+            <a:pPr algn="ctr"/>
+            <a:r>
+              <a:rPr lang="es-CO" dirty="0"/>
+              <a:t>Potenciación rápida </a:t>
+            </a:r>
+          </a:p>
+        </p:txBody>
+      </p:sp>
+      <p:pic>
+        <p:nvPicPr>
+          <p:cNvPr id="4" name="Picture 4" descr="Símbolos Universitarios – Universidad de Nariño">
+            <a:extLst>
+              <a:ext uri="{FF2B5EF4-FFF2-40B4-BE49-F238E27FC236}">
+                <a16:creationId xmlns:a16="http://schemas.microsoft.com/office/drawing/2014/main" id="{0B2EA667-CB57-4DF8-BB35-E9AFDF367C2B}"/>
+              </a:ext>
+            </a:extLst>
+          </p:cNvPr>
+          <p:cNvPicPr>
+            <a:picLocks noChangeAspect="1" noChangeArrowheads="1"/>
+          </p:cNvPicPr>
+          <p:nvPr/>
+        </p:nvPicPr>
+        <p:blipFill>
+          <a:blip r:embed="rId3">
+            <a:extLst>
+              <a:ext uri="{28A0092B-C50C-407E-A947-70E740481C1C}">
+                <a14:useLocalDpi xmlns:a14="http://schemas.microsoft.com/office/drawing/2010/main" val="0"/>
+              </a:ext>
+            </a:extLst>
+          </a:blip>
+          <a:srcRect/>
+          <a:stretch>
+            <a:fillRect/>
+          </a:stretch>
+        </p:blipFill>
+        <p:spPr bwMode="auto">
+          <a:xfrm>
+            <a:off x="282654" y="292080"/>
+            <a:ext cx="660961" cy="660961"/>
+          </a:xfrm>
+          <a:prstGeom prst="rect">
+            <a:avLst/>
+          </a:prstGeom>
+          <a:noFill/>
+          <a:extLst>
+            <a:ext uri="{909E8E84-426E-40DD-AFC4-6F175D3DCCD1}">
+              <a14:hiddenFill xmlns:a14="http://schemas.microsoft.com/office/drawing/2010/main">
+                <a:solidFill>
+                  <a:srgbClr val="FFFFFF"/>
+                </a:solidFill>
+              </a14:hiddenFill>
+            </a:ext>
+          </a:extLst>
+        </p:spPr>
+      </p:pic>
+      <p:pic>
+        <p:nvPicPr>
+          <p:cNvPr id="5" name="Imagen 4">
+            <a:extLst>
+              <a:ext uri="{FF2B5EF4-FFF2-40B4-BE49-F238E27FC236}">
+                <a16:creationId xmlns:a16="http://schemas.microsoft.com/office/drawing/2014/main" id="{1B46FA37-FA47-4459-8828-383FB697E3AF}"/>
+              </a:ext>
+            </a:extLst>
+          </p:cNvPr>
+          <p:cNvPicPr>
+            <a:picLocks noChangeAspect="1"/>
+          </p:cNvPicPr>
+          <p:nvPr/>
+        </p:nvPicPr>
+        <p:blipFill rotWithShape="1">
+          <a:blip r:embed="rId4"/>
+          <a:srcRect l="53279" t="4713" r="5319"/>
+          <a:stretch/>
+        </p:blipFill>
+        <p:spPr>
+          <a:xfrm>
+            <a:off x="1111703" y="220369"/>
+            <a:ext cx="918577" cy="804385"/>
+          </a:xfrm>
+          <a:prstGeom prst="ellipse">
+            <a:avLst/>
+          </a:prstGeom>
+          <a:ln>
+            <a:noFill/>
+          </a:ln>
+          <a:effectLst>
+            <a:softEdge rad="112500"/>
+          </a:effectLst>
+        </p:spPr>
+      </p:pic>
+      <p:pic>
+        <p:nvPicPr>
+          <p:cNvPr id="7" name="Gráfico 6">
+            <a:extLst>
+              <a:ext uri="{FF2B5EF4-FFF2-40B4-BE49-F238E27FC236}">
+                <a16:creationId xmlns:a16="http://schemas.microsoft.com/office/drawing/2014/main" id="{5DCC6F48-FBB3-4041-B07E-E9627BE571C2}"/>
+              </a:ext>
+            </a:extLst>
+          </p:cNvPr>
+          <p:cNvPicPr>
+            <a:picLocks noChangeAspect="1"/>
+          </p:cNvPicPr>
+          <p:nvPr/>
+        </p:nvPicPr>
+        <p:blipFill>
+          <a:blip r:embed="rId5">
+            <a:extLst>
+              <a:ext uri="{96DAC541-7B7A-43D3-8B79-37D633B846F1}">
+                <asvg:svgBlip xmlns:asvg="http://schemas.microsoft.com/office/drawing/2016/SVG/main" r:embed="rId6"/>
+              </a:ext>
+            </a:extLst>
+          </a:blip>
+          <a:stretch>
+            <a:fillRect/>
+          </a:stretch>
+        </p:blipFill>
+        <p:spPr>
+          <a:xfrm>
+            <a:off x="4960044" y="2010766"/>
+            <a:ext cx="2292415" cy="2433016"/>
+          </a:xfrm>
+          <a:prstGeom prst="rect">
+            <a:avLst/>
+          </a:prstGeom>
+        </p:spPr>
+      </p:pic>
+      <p:pic>
+        <p:nvPicPr>
+          <p:cNvPr id="10" name="Gráfico 9">
+            <a:extLst>
+              <a:ext uri="{FF2B5EF4-FFF2-40B4-BE49-F238E27FC236}">
+                <a16:creationId xmlns:a16="http://schemas.microsoft.com/office/drawing/2014/main" id="{F59ABD10-1F01-4CBD-B883-FAEA075D64FC}"/>
+              </a:ext>
+            </a:extLst>
+          </p:cNvPr>
+          <p:cNvPicPr>
+            <a:picLocks noChangeAspect="1"/>
+          </p:cNvPicPr>
+          <p:nvPr/>
+        </p:nvPicPr>
+        <p:blipFill>
+          <a:blip r:embed="rId7">
+            <a:extLst>
+              <a:ext uri="{96DAC541-7B7A-43D3-8B79-37D633B846F1}">
+                <asvg:svgBlip xmlns:asvg="http://schemas.microsoft.com/office/drawing/2016/SVG/main" r:embed="rId8"/>
+              </a:ext>
+            </a:extLst>
+          </a:blip>
+          <a:stretch>
+            <a:fillRect/>
+          </a:stretch>
+        </p:blipFill>
+        <p:spPr>
+          <a:xfrm>
+            <a:off x="1837372" y="1852715"/>
+            <a:ext cx="3176587" cy="2509837"/>
+          </a:xfrm>
+          <a:prstGeom prst="rect">
+            <a:avLst/>
+          </a:prstGeom>
+        </p:spPr>
+      </p:pic>
+    </p:spTree>
+    <p:extLst>
+      <p:ext uri="{BB962C8B-B14F-4D97-AF65-F5344CB8AC3E}">
+        <p14:creationId xmlns:p14="http://schemas.microsoft.com/office/powerpoint/2010/main" val="1118077777"/>
+      </p:ext>
+    </p:extLst>
+  </p:cSld>
+  <p:clrMapOvr>
+    <a:masterClrMapping/>
+  </p:clrMapOvr>
+</p:sld>
+</file>
+
+<file path=ppt/slides/slide18.xml><?xml version="1.0" encoding="utf-8"?>
+<p:sld xmlns:a="http://schemas.openxmlformats.org/drawingml/2006/main" xmlns:r="http://schemas.openxmlformats.org/officeDocument/2006/relationships" xmlns:p="http://schemas.openxmlformats.org/presentationml/2006/main">
+  <p:cSld>
+    <p:spTree>
+      <p:nvGrpSpPr>
+        <p:cNvPr id="1" name=""/>
+        <p:cNvGrpSpPr/>
+        <p:nvPr/>
+      </p:nvGrpSpPr>
+      <p:grpSpPr>
+        <a:xfrm>
+          <a:off x="0" y="0"/>
+          <a:ext cx="0" cy="0"/>
+          <a:chOff x="0" y="0"/>
+          <a:chExt cx="0" cy="0"/>
+        </a:xfrm>
+      </p:grpSpPr>
+      <mc:AlternateContent xmlns:mc="http://schemas.openxmlformats.org/markup-compatibility/2006" xmlns:a14="http://schemas.microsoft.com/office/drawing/2010/main">
+        <mc:Choice Requires="a14">
+          <p:sp>
+            <p:nvSpPr>
+              <p:cNvPr id="2" name="Subtítulo 1">
+                <a:extLst>
+                  <a:ext uri="{FF2B5EF4-FFF2-40B4-BE49-F238E27FC236}">
+                    <a16:creationId xmlns:a16="http://schemas.microsoft.com/office/drawing/2014/main" id="{29A75048-B2F8-4A8B-9645-CF6D9A7AE10B}"/>
+                  </a:ext>
+                </a:extLst>
+              </p:cNvPr>
+              <p:cNvSpPr>
+                <a:spLocks noGrp="1"/>
+              </p:cNvSpPr>
+              <p:nvPr>
+                <p:ph type="subTitle" idx="1"/>
+              </p:nvPr>
+            </p:nvSpPr>
+            <p:spPr>
+              <a:xfrm flipH="1">
+                <a:off x="3904322" y="1517500"/>
+                <a:ext cx="4873792" cy="2763650"/>
+              </a:xfrm>
+            </p:spPr>
+            <p:txBody>
+              <a:bodyPr/>
+              <a:lstStyle/>
+              <a:p>
+                <a:pPr marL="152400" indent="0" algn="just">
+                  <a:buNone/>
+                </a:pPr>
+                <a:endParaRPr lang="es-CO" sz="1200" dirty="0">
+                  <a:latin typeface="Abadi" panose="020B0604020104020204" pitchFamily="34" charset="0"/>
+                </a:endParaRPr>
+              </a:p>
+              <a:p>
+                <a:pPr marL="152400" indent="0" algn="just">
+                  <a:buNone/>
+                </a:pPr>
+                <a:r>
+                  <a:rPr lang="es-CO" sz="1200" dirty="0">
+                    <a:latin typeface="Abadi" panose="020B0604020104020204" pitchFamily="34" charset="0"/>
+                  </a:rPr>
+                  <a:t>La potenciación rápida es un algoritmo para calcular la potencia enésima de cualquier estructura donde este definida la multiplicación y el algoritmo es el siguiente: mientras exponente sea diferente de 0 se repiten los siguientes pasos:</a:t>
+                </a:r>
+              </a:p>
+              <a:p>
+                <a:pPr marL="323850" indent="-171450" algn="just">
+                  <a:buFont typeface="Arial" panose="020B0604020202020204" pitchFamily="34" charset="0"/>
+                  <a:buChar char="•"/>
+                </a:pPr>
+                <a:r>
+                  <a:rPr lang="es-CO" sz="1200" dirty="0">
+                    <a:latin typeface="Abadi" panose="020B0604020104020204" pitchFamily="34" charset="0"/>
+                  </a:rPr>
+                  <a:t>Hacemos el resultado igual a la unidad, si el exponente es impar multiplicamos el resultado por nuestra base ósea </a:t>
+                </a:r>
+                <a14:m>
+                  <m:oMath xmlns:m="http://schemas.openxmlformats.org/officeDocument/2006/math">
+                    <m:r>
+                      <a:rPr lang="es-CO" sz="1200" b="0" i="1" smtClean="0">
+                        <a:latin typeface="Cambria Math" panose="02040503050406030204" pitchFamily="18" charset="0"/>
+                      </a:rPr>
+                      <m:t>𝑟𝑒𝑠𝑢𝑙𝑡𝑎𝑑𝑜</m:t>
+                    </m:r>
+                    <m:r>
+                      <a:rPr lang="es-CO" sz="1200" b="0" i="1" smtClean="0">
+                        <a:latin typeface="Cambria Math" panose="02040503050406030204" pitchFamily="18" charset="0"/>
+                      </a:rPr>
+                      <m:t>=</m:t>
+                    </m:r>
+                    <m:d>
+                      <m:dPr>
+                        <m:ctrlPr>
+                          <a:rPr lang="es-CO" sz="1200" b="0" i="1" smtClean="0">
+                            <a:latin typeface="Cambria Math" panose="02040503050406030204" pitchFamily="18" charset="0"/>
+                          </a:rPr>
+                        </m:ctrlPr>
+                      </m:dPr>
+                      <m:e>
+                        <m:r>
+                          <a:rPr lang="es-CO" sz="1200" b="0" i="1" smtClean="0">
+                            <a:latin typeface="Cambria Math" panose="02040503050406030204" pitchFamily="18" charset="0"/>
+                          </a:rPr>
+                          <m:t>𝑟𝑒𝑠𝑢𝑙𝑡𝑎𝑑𝑜</m:t>
+                        </m:r>
+                      </m:e>
+                    </m:d>
+                    <m:d>
+                      <m:dPr>
+                        <m:ctrlPr>
+                          <a:rPr lang="es-CO" sz="1200" b="0" i="1" smtClean="0">
+                            <a:latin typeface="Cambria Math" panose="02040503050406030204" pitchFamily="18" charset="0"/>
+                          </a:rPr>
+                        </m:ctrlPr>
+                      </m:dPr>
+                      <m:e>
+                        <m:r>
+                          <a:rPr lang="es-CO" sz="1200" b="0" i="1" smtClean="0">
+                            <a:latin typeface="Cambria Math" panose="02040503050406030204" pitchFamily="18" charset="0"/>
+                          </a:rPr>
+                          <m:t>𝑏𝑎𝑠𝑒</m:t>
+                        </m:r>
+                      </m:e>
+                    </m:d>
+                  </m:oMath>
+                </a14:m>
+                <a:endParaRPr lang="es-CO" sz="1200" dirty="0">
+                  <a:latin typeface="Abadi" panose="020B0604020104020204" pitchFamily="34" charset="0"/>
+                </a:endParaRPr>
+              </a:p>
+              <a:p>
+                <a:pPr marL="323850" indent="-171450" algn="just">
+                  <a:buFont typeface="Arial" panose="020B0604020202020204" pitchFamily="34" charset="0"/>
+                  <a:buChar char="•"/>
+                </a:pPr>
+                <a:r>
+                  <a:rPr lang="es-CO" sz="1200" dirty="0">
+                    <a:latin typeface="Abadi" panose="020B0604020104020204" pitchFamily="34" charset="0"/>
+                  </a:rPr>
+                  <a:t>hacemos la </a:t>
+                </a:r>
+                <a14:m>
+                  <m:oMath xmlns:m="http://schemas.openxmlformats.org/officeDocument/2006/math">
+                    <m:r>
+                      <a:rPr lang="es-CO" sz="1200" b="0" i="1" smtClean="0">
+                        <a:latin typeface="Cambria Math" panose="02040503050406030204" pitchFamily="18" charset="0"/>
+                      </a:rPr>
+                      <m:t>𝑏𝑎𝑠𝑒</m:t>
+                    </m:r>
+                    <m:r>
+                      <a:rPr lang="es-CO" sz="1200" b="0" i="1" smtClean="0">
+                        <a:latin typeface="Cambria Math" panose="02040503050406030204" pitchFamily="18" charset="0"/>
+                      </a:rPr>
+                      <m:t>=</m:t>
+                    </m:r>
+                    <m:d>
+                      <m:dPr>
+                        <m:ctrlPr>
+                          <a:rPr lang="es-CO" sz="1200" b="0" i="1" smtClean="0">
+                            <a:latin typeface="Cambria Math" panose="02040503050406030204" pitchFamily="18" charset="0"/>
+                          </a:rPr>
+                        </m:ctrlPr>
+                      </m:dPr>
+                      <m:e>
+                        <m:r>
+                          <a:rPr lang="es-CO" sz="1200" b="0" i="1" smtClean="0">
+                            <a:latin typeface="Cambria Math" panose="02040503050406030204" pitchFamily="18" charset="0"/>
+                          </a:rPr>
+                          <m:t>𝑏𝑎𝑠𝑒</m:t>
+                        </m:r>
+                      </m:e>
+                    </m:d>
+                    <m:d>
+                      <m:dPr>
+                        <m:ctrlPr>
+                          <a:rPr lang="es-CO" sz="1200" b="0" i="1" smtClean="0">
+                            <a:latin typeface="Cambria Math" panose="02040503050406030204" pitchFamily="18" charset="0"/>
+                          </a:rPr>
+                        </m:ctrlPr>
+                      </m:dPr>
+                      <m:e>
+                        <m:r>
+                          <a:rPr lang="es-CO" sz="1200" b="0" i="1" smtClean="0">
+                            <a:latin typeface="Cambria Math" panose="02040503050406030204" pitchFamily="18" charset="0"/>
+                          </a:rPr>
+                          <m:t>𝑏𝑎𝑠𝑒</m:t>
+                        </m:r>
+                      </m:e>
+                    </m:d>
+                  </m:oMath>
+                </a14:m>
+                <a:endParaRPr lang="es-CO" sz="1200" dirty="0">
+                  <a:latin typeface="Abadi" panose="020B0604020104020204" pitchFamily="34" charset="0"/>
+                </a:endParaRPr>
+              </a:p>
+              <a:p>
+                <a:pPr marL="323850" indent="-171450" algn="just">
+                  <a:buFont typeface="Arial" panose="020B0604020202020204" pitchFamily="34" charset="0"/>
+                  <a:buChar char="•"/>
+                </a:pPr>
+                <a:r>
+                  <a:rPr lang="es-CO" sz="1200" dirty="0">
+                    <a:latin typeface="Abadi" panose="020B0604020104020204" pitchFamily="34" charset="0"/>
+                  </a:rPr>
+                  <a:t>tomamos la parte entera de dividir nuestro exponente por 2, </a:t>
+                </a:r>
+                <a14:m>
+                  <m:oMath xmlns:m="http://schemas.openxmlformats.org/officeDocument/2006/math">
+                    <m:r>
+                      <a:rPr lang="es-CO" sz="1200" b="0" i="1" smtClean="0">
+                        <a:latin typeface="Cambria Math" panose="02040503050406030204" pitchFamily="18" charset="0"/>
+                      </a:rPr>
+                      <m:t>𝑒𝑥𝑝𝑜𝑛𝑒𝑛𝑡𝑒</m:t>
+                    </m:r>
+                    <m:r>
+                      <a:rPr lang="es-CO" sz="1200" b="0" i="1" smtClean="0">
+                        <a:latin typeface="Cambria Math" panose="02040503050406030204" pitchFamily="18" charset="0"/>
+                      </a:rPr>
+                      <m:t>=</m:t>
+                    </m:r>
+                    <m:f>
+                      <m:fPr>
+                        <m:ctrlPr>
+                          <a:rPr lang="es-CO" sz="1200" b="0" i="1" smtClean="0">
+                            <a:latin typeface="Cambria Math" panose="02040503050406030204" pitchFamily="18" charset="0"/>
+                          </a:rPr>
+                        </m:ctrlPr>
+                      </m:fPr>
+                      <m:num>
+                        <m:r>
+                          <a:rPr lang="es-CO" sz="1200" b="0" i="1" smtClean="0">
+                            <a:latin typeface="Cambria Math" panose="02040503050406030204" pitchFamily="18" charset="0"/>
+                          </a:rPr>
+                          <m:t>𝑒𝑥𝑝𝑜𝑛𝑒𝑛𝑡𝑒</m:t>
+                        </m:r>
+                      </m:num>
+                      <m:den>
+                        <m:r>
+                          <a:rPr lang="es-CO" sz="1200" b="0" i="1" smtClean="0">
+                            <a:latin typeface="Cambria Math" panose="02040503050406030204" pitchFamily="18" charset="0"/>
+                          </a:rPr>
+                          <m:t>2</m:t>
+                        </m:r>
+                      </m:den>
+                    </m:f>
+                  </m:oMath>
+                </a14:m>
+                <a:r>
+                  <a:rPr lang="es-CO" sz="1200" dirty="0">
+                    <a:latin typeface="Abadi" panose="020B0604020104020204" pitchFamily="34" charset="0"/>
+                  </a:rPr>
+                  <a:t> estamos utilizando la propiedad de la potenciación que dice </a:t>
+                </a:r>
+                <a14:m>
+                  <m:oMath xmlns:m="http://schemas.openxmlformats.org/officeDocument/2006/math">
+                    <m:sSup>
+                      <m:sSupPr>
+                        <m:ctrlPr>
+                          <a:rPr lang="es-CO" sz="1200" i="1" smtClean="0">
+                            <a:latin typeface="Cambria Math" panose="02040503050406030204" pitchFamily="18" charset="0"/>
+                          </a:rPr>
+                        </m:ctrlPr>
+                      </m:sSupPr>
+                      <m:e>
+                        <m:d>
+                          <m:dPr>
+                            <m:ctrlPr>
+                              <a:rPr lang="es-CO" sz="1200" i="1">
+                                <a:latin typeface="Cambria Math" panose="02040503050406030204" pitchFamily="18" charset="0"/>
+                              </a:rPr>
+                            </m:ctrlPr>
+                          </m:dPr>
+                          <m:e>
+                            <m:sSup>
+                              <m:sSupPr>
+                                <m:ctrlPr>
+                                  <a:rPr lang="es-CO" sz="1200" i="1">
+                                    <a:latin typeface="Cambria Math" panose="02040503050406030204" pitchFamily="18" charset="0"/>
+                                  </a:rPr>
+                                </m:ctrlPr>
+                              </m:sSupPr>
+                              <m:e>
+                                <m:r>
+                                  <a:rPr lang="es-CO" sz="1200" i="1">
+                                    <a:latin typeface="Cambria Math" panose="02040503050406030204" pitchFamily="18" charset="0"/>
+                                  </a:rPr>
+                                  <m:t>2</m:t>
+                                </m:r>
+                              </m:e>
+                              <m:sup>
+                                <m:r>
+                                  <a:rPr lang="es-CO" sz="1200" i="1">
+                                    <a:latin typeface="Cambria Math" panose="02040503050406030204" pitchFamily="18" charset="0"/>
+                                  </a:rPr>
+                                  <m:t>𝑛</m:t>
+                                </m:r>
+                              </m:sup>
+                            </m:sSup>
+                          </m:e>
+                        </m:d>
+                      </m:e>
+                      <m:sup>
+                        <m:r>
+                          <a:rPr lang="es-CO" sz="1200" b="0" i="1" smtClean="0">
+                            <a:latin typeface="Cambria Math" panose="02040503050406030204" pitchFamily="18" charset="0"/>
+                          </a:rPr>
+                          <m:t>𝑚</m:t>
+                        </m:r>
+                      </m:sup>
+                    </m:sSup>
+                    <m:r>
+                      <a:rPr lang="es-CO" sz="1200" b="0" i="1" smtClean="0">
+                        <a:latin typeface="Cambria Math" panose="02040503050406030204" pitchFamily="18" charset="0"/>
+                      </a:rPr>
+                      <m:t>=</m:t>
+                    </m:r>
+                    <m:sSup>
+                      <m:sSupPr>
+                        <m:ctrlPr>
+                          <a:rPr lang="es-CO" sz="1200" b="0" i="1" smtClean="0">
+                            <a:latin typeface="Cambria Math" panose="02040503050406030204" pitchFamily="18" charset="0"/>
+                          </a:rPr>
+                        </m:ctrlPr>
+                      </m:sSupPr>
+                      <m:e>
+                        <m:r>
+                          <a:rPr lang="es-CO" sz="1200" b="0" i="1" smtClean="0">
+                            <a:latin typeface="Cambria Math" panose="02040503050406030204" pitchFamily="18" charset="0"/>
+                          </a:rPr>
+                          <m:t>2</m:t>
+                        </m:r>
+                      </m:e>
+                      <m:sup>
+                        <m:r>
+                          <a:rPr lang="es-CO" sz="1200" b="0" i="1" smtClean="0">
+                            <a:latin typeface="Cambria Math" panose="02040503050406030204" pitchFamily="18" charset="0"/>
+                          </a:rPr>
+                          <m:t>𝑛𝑚</m:t>
+                        </m:r>
+                      </m:sup>
+                    </m:sSup>
+                  </m:oMath>
+                </a14:m>
+                <a:endParaRPr lang="es-CO" sz="1200" dirty="0">
+                  <a:latin typeface="Abadi" panose="020B0604020104020204" pitchFamily="34" charset="0"/>
+                </a:endParaRPr>
+              </a:p>
+            </p:txBody>
+          </p:sp>
+        </mc:Choice>
+        <mc:Fallback xmlns="">
+          <p:sp>
+            <p:nvSpPr>
+              <p:cNvPr id="2" name="Subtítulo 1">
+                <a:extLst>
+                  <a:ext uri="{FF2B5EF4-FFF2-40B4-BE49-F238E27FC236}">
+                    <a16:creationId xmlns:a16="http://schemas.microsoft.com/office/drawing/2014/main" id="{29A75048-B2F8-4A8B-9645-CF6D9A7AE10B}"/>
+                  </a:ext>
+                </a:extLst>
+              </p:cNvPr>
+              <p:cNvSpPr>
+                <a:spLocks noGrp="1" noRot="1" noChangeAspect="1" noMove="1" noResize="1" noEditPoints="1" noAdjustHandles="1" noChangeArrowheads="1" noChangeShapeType="1" noTextEdit="1"/>
+              </p:cNvSpPr>
+              <p:nvPr>
+                <p:ph type="subTitle" idx="1"/>
+              </p:nvPr>
+            </p:nvSpPr>
+            <p:spPr>
+              <a:xfrm flipH="1">
+                <a:off x="3904322" y="1517500"/>
+                <a:ext cx="4873792" cy="2763650"/>
+              </a:xfrm>
+              <a:blipFill>
+                <a:blip r:embed="rId2"/>
+                <a:stretch>
+                  <a:fillRect/>
+                </a:stretch>
+              </a:blipFill>
+            </p:spPr>
+            <p:txBody>
+              <a:bodyPr/>
+              <a:lstStyle/>
+              <a:p>
+                <a:r>
+                  <a:rPr lang="es-CO">
+                    <a:noFill/>
+                  </a:rPr>
+                  <a:t> </a:t>
+                </a:r>
+              </a:p>
+            </p:txBody>
+          </p:sp>
+        </mc:Fallback>
+      </mc:AlternateContent>
+      <p:pic>
+        <p:nvPicPr>
+          <p:cNvPr id="4" name="Picture 4" descr="Símbolos Universitarios – Universidad de Nariño">
+            <a:extLst>
+              <a:ext uri="{FF2B5EF4-FFF2-40B4-BE49-F238E27FC236}">
+                <a16:creationId xmlns:a16="http://schemas.microsoft.com/office/drawing/2014/main" id="{0B2EA667-CB57-4DF8-BB35-E9AFDF367C2B}"/>
+              </a:ext>
+            </a:extLst>
+          </p:cNvPr>
+          <p:cNvPicPr>
+            <a:picLocks noChangeAspect="1" noChangeArrowheads="1"/>
+          </p:cNvPicPr>
+          <p:nvPr/>
+        </p:nvPicPr>
+        <p:blipFill>
+          <a:blip r:embed="rId3">
+            <a:extLst>
+              <a:ext uri="{28A0092B-C50C-407E-A947-70E740481C1C}">
+                <a14:useLocalDpi xmlns:a14="http://schemas.microsoft.com/office/drawing/2010/main" val="0"/>
+              </a:ext>
+            </a:extLst>
+          </a:blip>
+          <a:srcRect/>
+          <a:stretch>
+            <a:fillRect/>
+          </a:stretch>
+        </p:blipFill>
+        <p:spPr bwMode="auto">
+          <a:xfrm>
+            <a:off x="261990" y="192093"/>
+            <a:ext cx="660961" cy="660961"/>
+          </a:xfrm>
+          <a:prstGeom prst="rect">
+            <a:avLst/>
+          </a:prstGeom>
+          <a:noFill/>
+          <a:extLst>
+            <a:ext uri="{909E8E84-426E-40DD-AFC4-6F175D3DCCD1}">
+              <a14:hiddenFill xmlns:a14="http://schemas.microsoft.com/office/drawing/2010/main">
+                <a:solidFill>
+                  <a:srgbClr val="FFFFFF"/>
+                </a:solidFill>
+              </a14:hiddenFill>
+            </a:ext>
+          </a:extLst>
+        </p:spPr>
+      </p:pic>
+      <p:pic>
+        <p:nvPicPr>
+          <p:cNvPr id="5" name="Imagen 4">
+            <a:extLst>
+              <a:ext uri="{FF2B5EF4-FFF2-40B4-BE49-F238E27FC236}">
+                <a16:creationId xmlns:a16="http://schemas.microsoft.com/office/drawing/2014/main" id="{1B46FA37-FA47-4459-8828-383FB697E3AF}"/>
+              </a:ext>
+            </a:extLst>
+          </p:cNvPr>
+          <p:cNvPicPr>
+            <a:picLocks noChangeAspect="1"/>
+          </p:cNvPicPr>
+          <p:nvPr/>
+        </p:nvPicPr>
+        <p:blipFill rotWithShape="1">
+          <a:blip r:embed="rId4"/>
+          <a:srcRect l="53279" t="4713" r="5319"/>
+          <a:stretch/>
+        </p:blipFill>
+        <p:spPr>
+          <a:xfrm>
+            <a:off x="1071372" y="144121"/>
+            <a:ext cx="918577" cy="804385"/>
+          </a:xfrm>
+          <a:prstGeom prst="ellipse">
+            <a:avLst/>
+          </a:prstGeom>
+          <a:ln>
+            <a:noFill/>
+          </a:ln>
+          <a:effectLst>
+            <a:softEdge rad="112500"/>
+          </a:effectLst>
+        </p:spPr>
+      </p:pic>
+      <p:sp>
+        <p:nvSpPr>
+          <p:cNvPr id="6" name="Rectángulo 5">
+            <a:extLst>
+              <a:ext uri="{FF2B5EF4-FFF2-40B4-BE49-F238E27FC236}">
+                <a16:creationId xmlns:a16="http://schemas.microsoft.com/office/drawing/2014/main" id="{EC2D0E56-7D0C-40D0-8E56-B8801C98D13A}"/>
+              </a:ext>
+            </a:extLst>
+          </p:cNvPr>
+          <p:cNvSpPr/>
+          <p:nvPr/>
+        </p:nvSpPr>
+        <p:spPr>
+          <a:xfrm>
+            <a:off x="477806" y="1288421"/>
+            <a:ext cx="3361377" cy="3355041"/>
+          </a:xfrm>
+          <a:prstGeom prst="rect">
+            <a:avLst/>
+          </a:prstGeom>
+          <a:solidFill>
+            <a:srgbClr val="FFFFFF"/>
+          </a:solidFill>
+          <a:ln>
+            <a:solidFill>
+              <a:srgbClr val="BAF7C9"/>
+            </a:solidFill>
+          </a:ln>
+        </p:spPr>
+        <p:style>
+          <a:lnRef idx="2">
+            <a:schemeClr val="accent1">
+              <a:shade val="50000"/>
+            </a:schemeClr>
+          </a:lnRef>
+          <a:fillRef idx="1">
+            <a:schemeClr val="accent1"/>
+          </a:fillRef>
+          <a:effectRef idx="0">
+            <a:schemeClr val="accent1"/>
+          </a:effectRef>
+          <a:fontRef idx="minor">
+            <a:schemeClr val="lt1"/>
+          </a:fontRef>
+        </p:style>
+        <p:txBody>
+          <a:bodyPr rtlCol="0" anchor="ctr"/>
+          <a:lstStyle/>
+          <a:p>
+            <a:pPr algn="ctr"/>
+            <a:endParaRPr lang="es-CO"/>
+          </a:p>
+        </p:txBody>
+      </p:sp>
+      <p:sp>
+        <p:nvSpPr>
+          <p:cNvPr id="10" name="Título 2">
+            <a:extLst>
+              <a:ext uri="{FF2B5EF4-FFF2-40B4-BE49-F238E27FC236}">
+                <a16:creationId xmlns:a16="http://schemas.microsoft.com/office/drawing/2014/main" id="{4B4F06C2-20E6-40C1-BAD4-30FB77130CD3}"/>
+              </a:ext>
+            </a:extLst>
+          </p:cNvPr>
+          <p:cNvSpPr>
+            <a:spLocks noGrp="1"/>
+          </p:cNvSpPr>
+          <p:nvPr>
+            <p:ph type="ctrTitle"/>
+          </p:nvPr>
+        </p:nvSpPr>
+        <p:spPr>
+          <a:xfrm>
+            <a:off x="5686373" y="372041"/>
+            <a:ext cx="3195637" cy="481013"/>
+          </a:xfrm>
+        </p:spPr>
+        <p:txBody>
+          <a:bodyPr/>
+          <a:lstStyle/>
+          <a:p>
+            <a:r>
+              <a:rPr lang="es-CO" dirty="0"/>
+              <a:t>Potenciación rápida </a:t>
+            </a:r>
+          </a:p>
+        </p:txBody>
+      </p:sp>
+      <p:pic>
+        <p:nvPicPr>
+          <p:cNvPr id="7" name="Imagen 6" descr="Diagrama&#10;&#10;Descripción generada automáticamente con confianza media">
+            <a:extLst>
+              <a:ext uri="{FF2B5EF4-FFF2-40B4-BE49-F238E27FC236}">
+                <a16:creationId xmlns:a16="http://schemas.microsoft.com/office/drawing/2014/main" id="{D734F0AA-2BD4-4222-BC1B-8187D729261E}"/>
+              </a:ext>
+            </a:extLst>
+          </p:cNvPr>
+          <p:cNvPicPr>
+            <a:picLocks noChangeAspect="1"/>
+          </p:cNvPicPr>
+          <p:nvPr/>
+        </p:nvPicPr>
+        <p:blipFill>
+          <a:blip r:embed="rId5"/>
+          <a:stretch>
+            <a:fillRect/>
+          </a:stretch>
+        </p:blipFill>
+        <p:spPr>
+          <a:xfrm>
+            <a:off x="663424" y="2395369"/>
+            <a:ext cx="2990140" cy="1007912"/>
+          </a:xfrm>
+          <a:prstGeom prst="rect">
+            <a:avLst/>
+          </a:prstGeom>
+        </p:spPr>
+      </p:pic>
+    </p:spTree>
+    <p:extLst>
+      <p:ext uri="{BB962C8B-B14F-4D97-AF65-F5344CB8AC3E}">
+        <p14:creationId xmlns:p14="http://schemas.microsoft.com/office/powerpoint/2010/main" val="3396185687"/>
+      </p:ext>
+    </p:extLst>
+  </p:cSld>
+  <p:clrMapOvr>
+    <a:masterClrMapping/>
+  </p:clrMapOvr>
+</p:sld>
+</file>
+
+<file path=ppt/slides/slide19.xml><?xml version="1.0" encoding="utf-8"?>
+<p:sld xmlns:a="http://schemas.openxmlformats.org/drawingml/2006/main" xmlns:r="http://schemas.openxmlformats.org/officeDocument/2006/relationships" xmlns:p="http://schemas.openxmlformats.org/presentationml/2006/main">
+  <p:cSld>
+    <p:spTree>
+      <p:nvGrpSpPr>
+        <p:cNvPr id="1" name="Shape 139"/>
+        <p:cNvGrpSpPr/>
+        <p:nvPr/>
+      </p:nvGrpSpPr>
+      <p:grpSpPr>
+        <a:xfrm>
+          <a:off x="0" y="0"/>
+          <a:ext cx="0" cy="0"/>
+          <a:chOff x="0" y="0"/>
+          <a:chExt cx="0" cy="0"/>
+        </a:xfrm>
+      </p:grpSpPr>
+      <p:sp>
+        <p:nvSpPr>
+          <p:cNvPr id="6" name="Rectángulo 5">
+            <a:extLst>
+              <a:ext uri="{FF2B5EF4-FFF2-40B4-BE49-F238E27FC236}">
+                <a16:creationId xmlns:a16="http://schemas.microsoft.com/office/drawing/2014/main" id="{1C2148E8-29B0-47B9-AB82-4263D9C3E039}"/>
+              </a:ext>
+            </a:extLst>
+          </p:cNvPr>
+          <p:cNvSpPr/>
+          <p:nvPr/>
+        </p:nvSpPr>
+        <p:spPr>
+          <a:xfrm>
+            <a:off x="3193043" y="403410"/>
+            <a:ext cx="5801865" cy="4390465"/>
+          </a:xfrm>
+          <a:prstGeom prst="rect">
+            <a:avLst/>
+          </a:prstGeom>
+          <a:solidFill>
+            <a:srgbClr val="FFDE59"/>
+          </a:solidFill>
+          <a:ln>
+            <a:noFill/>
+          </a:ln>
+        </p:spPr>
+        <p:style>
+          <a:lnRef idx="2">
+            <a:schemeClr val="accent1">
+              <a:shade val="50000"/>
+            </a:schemeClr>
+          </a:lnRef>
+          <a:fillRef idx="1">
+            <a:schemeClr val="accent1"/>
+          </a:fillRef>
+          <a:effectRef idx="0">
+            <a:schemeClr val="accent1"/>
+          </a:effectRef>
+          <a:fontRef idx="minor">
+            <a:schemeClr val="lt1"/>
+          </a:fontRef>
+        </p:style>
+        <p:txBody>
+          <a:bodyPr rtlCol="0" anchor="ctr"/>
+          <a:lstStyle/>
+          <a:p>
+            <a:pPr algn="ctr"/>
+            <a:endParaRPr lang="es-CO"/>
+          </a:p>
+        </p:txBody>
+      </p:sp>
+      <p:sp>
+        <p:nvSpPr>
+          <p:cNvPr id="7" name="Rectángulo 6">
+            <a:extLst>
+              <a:ext uri="{FF2B5EF4-FFF2-40B4-BE49-F238E27FC236}">
+                <a16:creationId xmlns:a16="http://schemas.microsoft.com/office/drawing/2014/main" id="{7D51D62D-F866-480C-BB56-3911EC80193D}"/>
+              </a:ext>
+            </a:extLst>
+          </p:cNvPr>
+          <p:cNvSpPr/>
+          <p:nvPr/>
+        </p:nvSpPr>
+        <p:spPr>
+          <a:xfrm>
+            <a:off x="-10483" y="2212040"/>
+            <a:ext cx="3356034" cy="1169895"/>
+          </a:xfrm>
+          <a:prstGeom prst="rect">
+            <a:avLst/>
+          </a:prstGeom>
+          <a:solidFill>
+            <a:srgbClr val="94DD26"/>
+          </a:solidFill>
+          <a:ln>
+            <a:noFill/>
+          </a:ln>
+        </p:spPr>
+        <p:style>
+          <a:lnRef idx="2">
+            <a:schemeClr val="accent1">
+              <a:shade val="50000"/>
+            </a:schemeClr>
+          </a:lnRef>
+          <a:fillRef idx="1">
+            <a:schemeClr val="accent1"/>
+          </a:fillRef>
+          <a:effectRef idx="0">
+            <a:schemeClr val="accent1"/>
+          </a:effectRef>
+          <a:fontRef idx="minor">
+            <a:schemeClr val="lt1"/>
+          </a:fontRef>
+        </p:style>
+        <p:txBody>
+          <a:bodyPr rtlCol="0" anchor="ctr"/>
+          <a:lstStyle/>
+          <a:p>
+            <a:pPr algn="ctr"/>
+            <a:endParaRPr lang="es-CO"/>
+          </a:p>
+        </p:txBody>
+      </p:sp>
+      <p:sp>
+        <p:nvSpPr>
+          <p:cNvPr id="8" name="Rectángulo 7">
+            <a:extLst>
+              <a:ext uri="{FF2B5EF4-FFF2-40B4-BE49-F238E27FC236}">
+                <a16:creationId xmlns:a16="http://schemas.microsoft.com/office/drawing/2014/main" id="{13EB4147-DCE5-4698-A3B6-4D7F472AAE93}"/>
+              </a:ext>
+            </a:extLst>
+          </p:cNvPr>
+          <p:cNvSpPr/>
+          <p:nvPr/>
+        </p:nvSpPr>
+        <p:spPr>
+          <a:xfrm>
+            <a:off x="3342135" y="496605"/>
+            <a:ext cx="5801865" cy="4390465"/>
+          </a:xfrm>
+          <a:prstGeom prst="rect">
+            <a:avLst/>
+          </a:prstGeom>
+          <a:solidFill>
+            <a:srgbClr val="94DD26"/>
+          </a:solidFill>
+          <a:ln>
+            <a:noFill/>
+          </a:ln>
+        </p:spPr>
+        <p:style>
+          <a:lnRef idx="2">
+            <a:schemeClr val="accent1">
+              <a:shade val="50000"/>
+            </a:schemeClr>
+          </a:lnRef>
+          <a:fillRef idx="1">
+            <a:schemeClr val="accent1"/>
+          </a:fillRef>
+          <a:effectRef idx="0">
+            <a:schemeClr val="accent1"/>
+          </a:effectRef>
+          <a:fontRef idx="minor">
+            <a:schemeClr val="lt1"/>
+          </a:fontRef>
+        </p:style>
+        <p:txBody>
+          <a:bodyPr rtlCol="0" anchor="ctr"/>
+          <a:lstStyle/>
+          <a:p>
+            <a:pPr algn="ctr"/>
+            <a:endParaRPr lang="es-CO"/>
+          </a:p>
+        </p:txBody>
+      </p:sp>
+      <p:sp>
+        <p:nvSpPr>
+          <p:cNvPr id="166" name="Google Shape;166;p26"/>
+          <p:cNvSpPr txBox="1">
+            <a:spLocks noGrp="1"/>
+          </p:cNvSpPr>
+          <p:nvPr>
+            <p:ph type="ctrTitle"/>
+          </p:nvPr>
+        </p:nvSpPr>
+        <p:spPr>
+          <a:xfrm>
+            <a:off x="149092" y="2720974"/>
+            <a:ext cx="2913981" cy="660961"/>
+          </a:xfrm>
+          <a:prstGeom prst="rect">
+            <a:avLst/>
+          </a:prstGeom>
+        </p:spPr>
+        <p:txBody>
+          <a:bodyPr spcFirstLastPara="1" wrap="square" lIns="91425" tIns="91425" rIns="91425" bIns="91425" anchor="b" anchorCtr="0">
+            <a:noAutofit/>
+          </a:bodyPr>
+          <a:lstStyle/>
+          <a:p>
+            <a:pPr marL="0" lvl="0" indent="0" algn="ctr" rtl="0">
+              <a:spcBef>
+                <a:spcPts val="0"/>
+              </a:spcBef>
+              <a:spcAft>
+                <a:spcPts val="0"/>
+              </a:spcAft>
+              <a:buNone/>
+            </a:pPr>
+            <a:r>
+              <a:rPr lang="en" sz="3200" dirty="0">
+                <a:solidFill>
+                  <a:schemeClr val="tx1"/>
+                </a:solidFill>
+              </a:rPr>
               <a:t>03.</a:t>
             </a:r>
             <a:r>
@@ -5374,7 +9633,7 @@
     </p:spTree>
     <p:extLst>
       <p:ext uri="{BB962C8B-B14F-4D97-AF65-F5344CB8AC3E}">
-        <p14:creationId xmlns:p14="http://schemas.microsoft.com/office/powerpoint/2010/main" val="1362622094"/>
+        <p14:creationId xmlns:p14="http://schemas.microsoft.com/office/powerpoint/2010/main" val="3373967862"/>
       </p:ext>
     </p:extLst>
   </p:cSld>
@@ -5384,7 +9643,450 @@
 </p:sld>
 </file>
 
-<file path=ppt/slides/slide11.xml><?xml version="1.0" encoding="utf-8"?>
+<file path=ppt/slides/slide2.xml><?xml version="1.0" encoding="utf-8"?>
+<p:sld xmlns:a="http://schemas.openxmlformats.org/drawingml/2006/main" xmlns:r="http://schemas.openxmlformats.org/officeDocument/2006/relationships" xmlns:p="http://schemas.openxmlformats.org/presentationml/2006/main">
+  <p:cSld>
+    <p:spTree>
+      <p:nvGrpSpPr>
+        <p:cNvPr id="1" name="Shape 139"/>
+        <p:cNvGrpSpPr/>
+        <p:nvPr/>
+      </p:nvGrpSpPr>
+      <p:grpSpPr>
+        <a:xfrm>
+          <a:off x="0" y="0"/>
+          <a:ext cx="0" cy="0"/>
+          <a:chOff x="0" y="0"/>
+          <a:chExt cx="0" cy="0"/>
+        </a:xfrm>
+      </p:grpSpPr>
+      <p:sp>
+        <p:nvSpPr>
+          <p:cNvPr id="6" name="Rectángulo 5">
+            <a:extLst>
+              <a:ext uri="{FF2B5EF4-FFF2-40B4-BE49-F238E27FC236}">
+                <a16:creationId xmlns:a16="http://schemas.microsoft.com/office/drawing/2014/main" id="{1C2148E8-29B0-47B9-AB82-4263D9C3E039}"/>
+              </a:ext>
+            </a:extLst>
+          </p:cNvPr>
+          <p:cNvSpPr/>
+          <p:nvPr/>
+        </p:nvSpPr>
+        <p:spPr>
+          <a:xfrm>
+            <a:off x="3193043" y="403410"/>
+            <a:ext cx="5801865" cy="4390465"/>
+          </a:xfrm>
+          <a:prstGeom prst="rect">
+            <a:avLst/>
+          </a:prstGeom>
+          <a:solidFill>
+            <a:srgbClr val="FFDE59"/>
+          </a:solidFill>
+          <a:ln>
+            <a:noFill/>
+          </a:ln>
+        </p:spPr>
+        <p:style>
+          <a:lnRef idx="2">
+            <a:schemeClr val="accent1">
+              <a:shade val="50000"/>
+            </a:schemeClr>
+          </a:lnRef>
+          <a:fillRef idx="1">
+            <a:schemeClr val="accent1"/>
+          </a:fillRef>
+          <a:effectRef idx="0">
+            <a:schemeClr val="accent1"/>
+          </a:effectRef>
+          <a:fontRef idx="minor">
+            <a:schemeClr val="lt1"/>
+          </a:fontRef>
+        </p:style>
+        <p:txBody>
+          <a:bodyPr rtlCol="0" anchor="ctr"/>
+          <a:lstStyle/>
+          <a:p>
+            <a:pPr algn="ctr"/>
+            <a:endParaRPr lang="es-CO"/>
+          </a:p>
+        </p:txBody>
+      </p:sp>
+      <p:sp>
+        <p:nvSpPr>
+          <p:cNvPr id="7" name="Rectángulo 6">
+            <a:extLst>
+              <a:ext uri="{FF2B5EF4-FFF2-40B4-BE49-F238E27FC236}">
+                <a16:creationId xmlns:a16="http://schemas.microsoft.com/office/drawing/2014/main" id="{7D51D62D-F866-480C-BB56-3911EC80193D}"/>
+              </a:ext>
+            </a:extLst>
+          </p:cNvPr>
+          <p:cNvSpPr/>
+          <p:nvPr/>
+        </p:nvSpPr>
+        <p:spPr>
+          <a:xfrm>
+            <a:off x="-10483" y="2212040"/>
+            <a:ext cx="3356034" cy="1169895"/>
+          </a:xfrm>
+          <a:prstGeom prst="rect">
+            <a:avLst/>
+          </a:prstGeom>
+          <a:solidFill>
+            <a:srgbClr val="94DD26"/>
+          </a:solidFill>
+          <a:ln>
+            <a:noFill/>
+          </a:ln>
+        </p:spPr>
+        <p:style>
+          <a:lnRef idx="2">
+            <a:schemeClr val="accent1">
+              <a:shade val="50000"/>
+            </a:schemeClr>
+          </a:lnRef>
+          <a:fillRef idx="1">
+            <a:schemeClr val="accent1"/>
+          </a:fillRef>
+          <a:effectRef idx="0">
+            <a:schemeClr val="accent1"/>
+          </a:effectRef>
+          <a:fontRef idx="minor">
+            <a:schemeClr val="lt1"/>
+          </a:fontRef>
+        </p:style>
+        <p:txBody>
+          <a:bodyPr rtlCol="0" anchor="ctr"/>
+          <a:lstStyle/>
+          <a:p>
+            <a:pPr algn="ctr"/>
+            <a:endParaRPr lang="es-CO"/>
+          </a:p>
+        </p:txBody>
+      </p:sp>
+      <p:sp>
+        <p:nvSpPr>
+          <p:cNvPr id="8" name="Rectángulo 7">
+            <a:extLst>
+              <a:ext uri="{FF2B5EF4-FFF2-40B4-BE49-F238E27FC236}">
+                <a16:creationId xmlns:a16="http://schemas.microsoft.com/office/drawing/2014/main" id="{13EB4147-DCE5-4698-A3B6-4D7F472AAE93}"/>
+              </a:ext>
+            </a:extLst>
+          </p:cNvPr>
+          <p:cNvSpPr/>
+          <p:nvPr/>
+        </p:nvSpPr>
+        <p:spPr>
+          <a:xfrm>
+            <a:off x="3342135" y="496605"/>
+            <a:ext cx="5801865" cy="4390465"/>
+          </a:xfrm>
+          <a:prstGeom prst="rect">
+            <a:avLst/>
+          </a:prstGeom>
+          <a:solidFill>
+            <a:srgbClr val="94DD26"/>
+          </a:solidFill>
+          <a:ln>
+            <a:noFill/>
+          </a:ln>
+        </p:spPr>
+        <p:style>
+          <a:lnRef idx="2">
+            <a:schemeClr val="accent1">
+              <a:shade val="50000"/>
+            </a:schemeClr>
+          </a:lnRef>
+          <a:fillRef idx="1">
+            <a:schemeClr val="accent1"/>
+          </a:fillRef>
+          <a:effectRef idx="0">
+            <a:schemeClr val="accent1"/>
+          </a:effectRef>
+          <a:fontRef idx="minor">
+            <a:schemeClr val="lt1"/>
+          </a:fontRef>
+        </p:style>
+        <p:txBody>
+          <a:bodyPr rtlCol="0" anchor="ctr"/>
+          <a:lstStyle/>
+          <a:p>
+            <a:pPr algn="ctr"/>
+            <a:endParaRPr lang="es-CO"/>
+          </a:p>
+        </p:txBody>
+      </p:sp>
+      <p:sp>
+        <p:nvSpPr>
+          <p:cNvPr id="166" name="Google Shape;166;p26"/>
+          <p:cNvSpPr txBox="1">
+            <a:spLocks noGrp="1"/>
+          </p:cNvSpPr>
+          <p:nvPr>
+            <p:ph type="ctrTitle"/>
+          </p:nvPr>
+        </p:nvSpPr>
+        <p:spPr>
+          <a:xfrm>
+            <a:off x="129970" y="2474147"/>
+            <a:ext cx="2913981" cy="660961"/>
+          </a:xfrm>
+          <a:prstGeom prst="rect">
+            <a:avLst/>
+          </a:prstGeom>
+        </p:spPr>
+        <p:txBody>
+          <a:bodyPr spcFirstLastPara="1" wrap="square" lIns="91425" tIns="91425" rIns="91425" bIns="91425" anchor="b" anchorCtr="0">
+            <a:noAutofit/>
+          </a:bodyPr>
+          <a:lstStyle/>
+          <a:p>
+            <a:pPr marL="0" lvl="0" indent="0" algn="ctr" rtl="0">
+              <a:spcBef>
+                <a:spcPts val="0"/>
+              </a:spcBef>
+              <a:spcAft>
+                <a:spcPts val="0"/>
+              </a:spcAft>
+              <a:buNone/>
+            </a:pPr>
+            <a:r>
+              <a:rPr lang="en" sz="3200" dirty="0">
+                <a:solidFill>
+                  <a:schemeClr val="tx1"/>
+                </a:solidFill>
+              </a:rPr>
+              <a:t>01. </a:t>
+            </a:r>
+            <a:r>
+              <a:rPr lang="es-ES" sz="3200" dirty="0">
+                <a:solidFill>
+                  <a:schemeClr val="tx1"/>
+                </a:solidFill>
+              </a:rPr>
+              <a:t>BITMASK </a:t>
+            </a:r>
+            <a:endParaRPr sz="3200" dirty="0">
+              <a:solidFill>
+                <a:schemeClr val="tx1"/>
+              </a:solidFill>
+            </a:endParaRPr>
+          </a:p>
+        </p:txBody>
+      </p:sp>
+      <p:pic>
+        <p:nvPicPr>
+          <p:cNvPr id="1028" name="Picture 4" descr="Símbolos Universitarios – Universidad de Nariño">
+            <a:extLst>
+              <a:ext uri="{FF2B5EF4-FFF2-40B4-BE49-F238E27FC236}">
+                <a16:creationId xmlns:a16="http://schemas.microsoft.com/office/drawing/2014/main" id="{EDF64FA2-360A-4D3A-AF78-F1E4C7CCFD55}"/>
+              </a:ext>
+            </a:extLst>
+          </p:cNvPr>
+          <p:cNvPicPr>
+            <a:picLocks noChangeAspect="1" noChangeArrowheads="1"/>
+          </p:cNvPicPr>
+          <p:nvPr/>
+        </p:nvPicPr>
+        <p:blipFill>
+          <a:blip r:embed="rId3">
+            <a:extLst>
+              <a:ext uri="{28A0092B-C50C-407E-A947-70E740481C1C}">
+                <a14:useLocalDpi xmlns:a14="http://schemas.microsoft.com/office/drawing/2010/main" val="0"/>
+              </a:ext>
+            </a:extLst>
+          </a:blip>
+          <a:srcRect/>
+          <a:stretch>
+            <a:fillRect/>
+          </a:stretch>
+        </p:blipFill>
+        <p:spPr bwMode="auto">
+          <a:xfrm>
+            <a:off x="291117" y="219456"/>
+            <a:ext cx="660961" cy="660961"/>
+          </a:xfrm>
+          <a:prstGeom prst="rect">
+            <a:avLst/>
+          </a:prstGeom>
+          <a:noFill/>
+          <a:extLst>
+            <a:ext uri="{909E8E84-426E-40DD-AFC4-6F175D3DCCD1}">
+              <a14:hiddenFill xmlns:a14="http://schemas.microsoft.com/office/drawing/2010/main">
+                <a:solidFill>
+                  <a:srgbClr val="FFFFFF"/>
+                </a:solidFill>
+              </a14:hiddenFill>
+            </a:ext>
+          </a:extLst>
+        </p:spPr>
+      </p:pic>
+      <p:pic>
+        <p:nvPicPr>
+          <p:cNvPr id="417" name="Imagen 416">
+            <a:extLst>
+              <a:ext uri="{FF2B5EF4-FFF2-40B4-BE49-F238E27FC236}">
+                <a16:creationId xmlns:a16="http://schemas.microsoft.com/office/drawing/2014/main" id="{6C54B729-21DA-4852-927D-4E13F29541B2}"/>
+              </a:ext>
+            </a:extLst>
+          </p:cNvPr>
+          <p:cNvPicPr>
+            <a:picLocks noChangeAspect="1"/>
+          </p:cNvPicPr>
+          <p:nvPr/>
+        </p:nvPicPr>
+        <p:blipFill rotWithShape="1">
+          <a:blip r:embed="rId4"/>
+          <a:srcRect l="53279" t="4713" r="5319"/>
+          <a:stretch/>
+        </p:blipFill>
+        <p:spPr>
+          <a:xfrm>
+            <a:off x="1082048" y="147745"/>
+            <a:ext cx="918577" cy="804385"/>
+          </a:xfrm>
+          <a:prstGeom prst="ellipse">
+            <a:avLst/>
+          </a:prstGeom>
+          <a:ln>
+            <a:noFill/>
+          </a:ln>
+          <a:effectLst>
+            <a:softEdge rad="112500"/>
+          </a:effectLst>
+        </p:spPr>
+      </p:pic>
+      <p:sp>
+        <p:nvSpPr>
+          <p:cNvPr id="4" name="Rectángulo 3">
+            <a:extLst>
+              <a:ext uri="{FF2B5EF4-FFF2-40B4-BE49-F238E27FC236}">
+                <a16:creationId xmlns:a16="http://schemas.microsoft.com/office/drawing/2014/main" id="{F04C2CAB-775C-4D47-9732-B8CCEE3CC5EB}"/>
+              </a:ext>
+            </a:extLst>
+          </p:cNvPr>
+          <p:cNvSpPr/>
+          <p:nvPr/>
+        </p:nvSpPr>
+        <p:spPr>
+          <a:xfrm>
+            <a:off x="3494643" y="665629"/>
+            <a:ext cx="5555228" cy="4128246"/>
+          </a:xfrm>
+          <a:prstGeom prst="rect">
+            <a:avLst/>
+          </a:prstGeom>
+          <a:solidFill>
+            <a:srgbClr val="FFFFFF"/>
+          </a:solidFill>
+          <a:ln>
+            <a:noFill/>
+          </a:ln>
+        </p:spPr>
+        <p:style>
+          <a:lnRef idx="2">
+            <a:schemeClr val="accent1">
+              <a:shade val="50000"/>
+            </a:schemeClr>
+          </a:lnRef>
+          <a:fillRef idx="1">
+            <a:schemeClr val="accent1"/>
+          </a:fillRef>
+          <a:effectRef idx="0">
+            <a:schemeClr val="accent1"/>
+          </a:effectRef>
+          <a:fontRef idx="minor">
+            <a:schemeClr val="lt1"/>
+          </a:fontRef>
+        </p:style>
+        <p:txBody>
+          <a:bodyPr rtlCol="0" anchor="ctr"/>
+          <a:lstStyle/>
+          <a:p>
+            <a:pPr algn="ctr"/>
+            <a:endParaRPr lang="es-CO"/>
+          </a:p>
+        </p:txBody>
+      </p:sp>
+      <p:pic>
+        <p:nvPicPr>
+          <p:cNvPr id="5" name="Imagen 4" descr="Un dibujo de un reloj&#10;&#10;Descripción generada automáticamente con confianza media">
+            <a:extLst>
+              <a:ext uri="{FF2B5EF4-FFF2-40B4-BE49-F238E27FC236}">
+                <a16:creationId xmlns:a16="http://schemas.microsoft.com/office/drawing/2014/main" id="{2EDA199C-8110-48EF-A4BB-89D78FA627EC}"/>
+              </a:ext>
+            </a:extLst>
+          </p:cNvPr>
+          <p:cNvPicPr>
+            <a:picLocks noChangeAspect="1"/>
+          </p:cNvPicPr>
+          <p:nvPr/>
+        </p:nvPicPr>
+        <p:blipFill>
+          <a:blip r:embed="rId5"/>
+          <a:stretch>
+            <a:fillRect/>
+          </a:stretch>
+        </p:blipFill>
+        <p:spPr>
+          <a:xfrm>
+            <a:off x="4572000" y="952130"/>
+            <a:ext cx="3227498" cy="1691333"/>
+          </a:xfrm>
+          <a:prstGeom prst="rect">
+            <a:avLst/>
+          </a:prstGeom>
+        </p:spPr>
+      </p:pic>
+      <p:pic>
+        <p:nvPicPr>
+          <p:cNvPr id="14" name="Gráfico 13" descr="Máscara de fiesta con relleno sólido">
+            <a:extLst>
+              <a:ext uri="{FF2B5EF4-FFF2-40B4-BE49-F238E27FC236}">
+                <a16:creationId xmlns:a16="http://schemas.microsoft.com/office/drawing/2014/main" id="{C6F40E09-1375-451C-A990-32BFA664681C}"/>
+              </a:ext>
+            </a:extLst>
+          </p:cNvPr>
+          <p:cNvPicPr>
+            <a:picLocks noChangeAspect="1"/>
+          </p:cNvPicPr>
+          <p:nvPr/>
+        </p:nvPicPr>
+        <p:blipFill rotWithShape="1">
+          <a:blip r:embed="rId6">
+            <a:extLst>
+              <a:ext uri="{96DAC541-7B7A-43D3-8B79-37D633B846F1}">
+                <asvg:svgBlip xmlns:asvg="http://schemas.microsoft.com/office/drawing/2016/SVG/main" r:embed="rId7"/>
+              </a:ext>
+            </a:extLst>
+          </a:blip>
+          <a:srcRect t="16706" b="11331"/>
+          <a:stretch/>
+        </p:blipFill>
+        <p:spPr>
+          <a:xfrm>
+            <a:off x="5139969" y="2812486"/>
+            <a:ext cx="2314256" cy="1665385"/>
+          </a:xfrm>
+          <a:prstGeom prst="rect">
+            <a:avLst/>
+          </a:prstGeom>
+        </p:spPr>
+      </p:pic>
+    </p:spTree>
+    <p:extLst>
+      <p:ext uri="{BB962C8B-B14F-4D97-AF65-F5344CB8AC3E}">
+        <p14:creationId xmlns:p14="http://schemas.microsoft.com/office/powerpoint/2010/main" val="945607087"/>
+      </p:ext>
+    </p:extLst>
+  </p:cSld>
+  <p:clrMapOvr>
+    <a:masterClrMapping/>
+  </p:clrMapOvr>
+</p:sld>
+</file>
+
+<file path=ppt/slides/slide20.xml><?xml version="1.0" encoding="utf-8"?>
 <p:sld xmlns:a="http://schemas.openxmlformats.org/drawingml/2006/main" xmlns:r="http://schemas.openxmlformats.org/officeDocument/2006/relationships" xmlns:p="http://schemas.openxmlformats.org/presentationml/2006/main">
   <p:cSld>
     <p:spTree>
@@ -6327,7 +11029,7 @@
     </p:spTree>
     <p:extLst>
       <p:ext uri="{BB962C8B-B14F-4D97-AF65-F5344CB8AC3E}">
-        <p14:creationId xmlns:p14="http://schemas.microsoft.com/office/powerpoint/2010/main" val="1661515256"/>
+        <p14:creationId xmlns:p14="http://schemas.microsoft.com/office/powerpoint/2010/main" val="2405181293"/>
       </p:ext>
     </p:extLst>
   </p:cSld>
@@ -6337,3310 +11039,7 @@
 </p:sld>
 </file>
 
-<file path=ppt/slides/slide12.xml><?xml version="1.0" encoding="utf-8"?>
-<p:sld xmlns:a="http://schemas.openxmlformats.org/drawingml/2006/main" xmlns:r="http://schemas.openxmlformats.org/officeDocument/2006/relationships" xmlns:p="http://schemas.openxmlformats.org/presentationml/2006/main">
-  <p:cSld>
-    <p:spTree>
-      <p:nvGrpSpPr>
-        <p:cNvPr id="1" name="Shape 139"/>
-        <p:cNvGrpSpPr/>
-        <p:nvPr/>
-      </p:nvGrpSpPr>
-      <p:grpSpPr>
-        <a:xfrm>
-          <a:off x="0" y="0"/>
-          <a:ext cx="0" cy="0"/>
-          <a:chOff x="0" y="0"/>
-          <a:chExt cx="0" cy="0"/>
-        </a:xfrm>
-      </p:grpSpPr>
-      <p:sp>
-        <p:nvSpPr>
-          <p:cNvPr id="6" name="Rectángulo 5">
-            <a:extLst>
-              <a:ext uri="{FF2B5EF4-FFF2-40B4-BE49-F238E27FC236}">
-                <a16:creationId xmlns:a16="http://schemas.microsoft.com/office/drawing/2014/main" id="{1C2148E8-29B0-47B9-AB82-4263D9C3E039}"/>
-              </a:ext>
-            </a:extLst>
-          </p:cNvPr>
-          <p:cNvSpPr/>
-          <p:nvPr/>
-        </p:nvSpPr>
-        <p:spPr>
-          <a:xfrm>
-            <a:off x="3193043" y="403410"/>
-            <a:ext cx="5801865" cy="4390465"/>
-          </a:xfrm>
-          <a:prstGeom prst="rect">
-            <a:avLst/>
-          </a:prstGeom>
-          <a:solidFill>
-            <a:srgbClr val="FFDE59"/>
-          </a:solidFill>
-          <a:ln>
-            <a:noFill/>
-          </a:ln>
-        </p:spPr>
-        <p:style>
-          <a:lnRef idx="2">
-            <a:schemeClr val="accent1">
-              <a:shade val="50000"/>
-            </a:schemeClr>
-          </a:lnRef>
-          <a:fillRef idx="1">
-            <a:schemeClr val="accent1"/>
-          </a:fillRef>
-          <a:effectRef idx="0">
-            <a:schemeClr val="accent1"/>
-          </a:effectRef>
-          <a:fontRef idx="minor">
-            <a:schemeClr val="lt1"/>
-          </a:fontRef>
-        </p:style>
-        <p:txBody>
-          <a:bodyPr rtlCol="0" anchor="ctr"/>
-          <a:lstStyle/>
-          <a:p>
-            <a:pPr algn="ctr"/>
-            <a:endParaRPr lang="es-CO"/>
-          </a:p>
-        </p:txBody>
-      </p:sp>
-      <p:sp>
-        <p:nvSpPr>
-          <p:cNvPr id="7" name="Rectángulo 6">
-            <a:extLst>
-              <a:ext uri="{FF2B5EF4-FFF2-40B4-BE49-F238E27FC236}">
-                <a16:creationId xmlns:a16="http://schemas.microsoft.com/office/drawing/2014/main" id="{7D51D62D-F866-480C-BB56-3911EC80193D}"/>
-              </a:ext>
-            </a:extLst>
-          </p:cNvPr>
-          <p:cNvSpPr/>
-          <p:nvPr/>
-        </p:nvSpPr>
-        <p:spPr>
-          <a:xfrm>
-            <a:off x="-10483" y="2212040"/>
-            <a:ext cx="3356034" cy="1169895"/>
-          </a:xfrm>
-          <a:prstGeom prst="rect">
-            <a:avLst/>
-          </a:prstGeom>
-          <a:solidFill>
-            <a:srgbClr val="94DD26"/>
-          </a:solidFill>
-          <a:ln>
-            <a:noFill/>
-          </a:ln>
-        </p:spPr>
-        <p:style>
-          <a:lnRef idx="2">
-            <a:schemeClr val="accent1">
-              <a:shade val="50000"/>
-            </a:schemeClr>
-          </a:lnRef>
-          <a:fillRef idx="1">
-            <a:schemeClr val="accent1"/>
-          </a:fillRef>
-          <a:effectRef idx="0">
-            <a:schemeClr val="accent1"/>
-          </a:effectRef>
-          <a:fontRef idx="minor">
-            <a:schemeClr val="lt1"/>
-          </a:fontRef>
-        </p:style>
-        <p:txBody>
-          <a:bodyPr rtlCol="0" anchor="ctr"/>
-          <a:lstStyle/>
-          <a:p>
-            <a:pPr algn="ctr"/>
-            <a:endParaRPr lang="es-CO"/>
-          </a:p>
-        </p:txBody>
-      </p:sp>
-      <p:sp>
-        <p:nvSpPr>
-          <p:cNvPr id="8" name="Rectángulo 7">
-            <a:extLst>
-              <a:ext uri="{FF2B5EF4-FFF2-40B4-BE49-F238E27FC236}">
-                <a16:creationId xmlns:a16="http://schemas.microsoft.com/office/drawing/2014/main" id="{13EB4147-DCE5-4698-A3B6-4D7F472AAE93}"/>
-              </a:ext>
-            </a:extLst>
-          </p:cNvPr>
-          <p:cNvSpPr/>
-          <p:nvPr/>
-        </p:nvSpPr>
-        <p:spPr>
-          <a:xfrm>
-            <a:off x="3342135" y="496605"/>
-            <a:ext cx="5801865" cy="4390465"/>
-          </a:xfrm>
-          <a:prstGeom prst="rect">
-            <a:avLst/>
-          </a:prstGeom>
-          <a:solidFill>
-            <a:srgbClr val="94DD26"/>
-          </a:solidFill>
-          <a:ln>
-            <a:noFill/>
-          </a:ln>
-        </p:spPr>
-        <p:style>
-          <a:lnRef idx="2">
-            <a:schemeClr val="accent1">
-              <a:shade val="50000"/>
-            </a:schemeClr>
-          </a:lnRef>
-          <a:fillRef idx="1">
-            <a:schemeClr val="accent1"/>
-          </a:fillRef>
-          <a:effectRef idx="0">
-            <a:schemeClr val="accent1"/>
-          </a:effectRef>
-          <a:fontRef idx="minor">
-            <a:schemeClr val="lt1"/>
-          </a:fontRef>
-        </p:style>
-        <p:txBody>
-          <a:bodyPr rtlCol="0" anchor="ctr"/>
-          <a:lstStyle/>
-          <a:p>
-            <a:pPr algn="ctr"/>
-            <a:endParaRPr lang="es-CO"/>
-          </a:p>
-        </p:txBody>
-      </p:sp>
-      <p:sp>
-        <p:nvSpPr>
-          <p:cNvPr id="166" name="Google Shape;166;p26"/>
-          <p:cNvSpPr txBox="1">
-            <a:spLocks noGrp="1"/>
-          </p:cNvSpPr>
-          <p:nvPr>
-            <p:ph type="ctrTitle"/>
-          </p:nvPr>
-        </p:nvSpPr>
-        <p:spPr>
-          <a:xfrm>
-            <a:off x="129970" y="2466506"/>
-            <a:ext cx="2913981" cy="660961"/>
-          </a:xfrm>
-          <a:prstGeom prst="rect">
-            <a:avLst/>
-          </a:prstGeom>
-        </p:spPr>
-        <p:txBody>
-          <a:bodyPr spcFirstLastPara="1" wrap="square" lIns="91425" tIns="91425" rIns="91425" bIns="91425" anchor="b" anchorCtr="0">
-            <a:noAutofit/>
-          </a:bodyPr>
-          <a:lstStyle/>
-          <a:p>
-            <a:pPr marL="0" lvl="0" indent="0" algn="ctr" rtl="0">
-              <a:spcBef>
-                <a:spcPts val="0"/>
-              </a:spcBef>
-              <a:spcAft>
-                <a:spcPts val="0"/>
-              </a:spcAft>
-              <a:buNone/>
-            </a:pPr>
-            <a:r>
-              <a:rPr lang="en" sz="3200" dirty="0">
-                <a:solidFill>
-                  <a:schemeClr val="tx1"/>
-                </a:solidFill>
-              </a:rPr>
-              <a:t>04.</a:t>
-            </a:r>
-            <a:r>
-              <a:rPr lang="es-CO" sz="3200" dirty="0">
-                <a:solidFill>
-                  <a:schemeClr val="tx1"/>
-                </a:solidFill>
-              </a:rPr>
-              <a:t> Matemáticos </a:t>
-            </a:r>
-            <a:endParaRPr sz="3200" dirty="0">
-              <a:solidFill>
-                <a:schemeClr val="tx1"/>
-              </a:solidFill>
-            </a:endParaRPr>
-          </a:p>
-        </p:txBody>
-      </p:sp>
-      <p:pic>
-        <p:nvPicPr>
-          <p:cNvPr id="1028" name="Picture 4" descr="Símbolos Universitarios – Universidad de Nariño">
-            <a:extLst>
-              <a:ext uri="{FF2B5EF4-FFF2-40B4-BE49-F238E27FC236}">
-                <a16:creationId xmlns:a16="http://schemas.microsoft.com/office/drawing/2014/main" id="{EDF64FA2-360A-4D3A-AF78-F1E4C7CCFD55}"/>
-              </a:ext>
-            </a:extLst>
-          </p:cNvPr>
-          <p:cNvPicPr>
-            <a:picLocks noChangeAspect="1" noChangeArrowheads="1"/>
-          </p:cNvPicPr>
-          <p:nvPr/>
-        </p:nvPicPr>
-        <p:blipFill>
-          <a:blip r:embed="rId3">
-            <a:extLst>
-              <a:ext uri="{28A0092B-C50C-407E-A947-70E740481C1C}">
-                <a14:useLocalDpi xmlns:a14="http://schemas.microsoft.com/office/drawing/2010/main" val="0"/>
-              </a:ext>
-            </a:extLst>
-          </a:blip>
-          <a:srcRect/>
-          <a:stretch>
-            <a:fillRect/>
-          </a:stretch>
-        </p:blipFill>
-        <p:spPr bwMode="auto">
-          <a:xfrm>
-            <a:off x="291117" y="219456"/>
-            <a:ext cx="660961" cy="660961"/>
-          </a:xfrm>
-          <a:prstGeom prst="rect">
-            <a:avLst/>
-          </a:prstGeom>
-          <a:noFill/>
-          <a:extLst>
-            <a:ext uri="{909E8E84-426E-40DD-AFC4-6F175D3DCCD1}">
-              <a14:hiddenFill xmlns:a14="http://schemas.microsoft.com/office/drawing/2010/main">
-                <a:solidFill>
-                  <a:srgbClr val="FFFFFF"/>
-                </a:solidFill>
-              </a14:hiddenFill>
-            </a:ext>
-          </a:extLst>
-        </p:spPr>
-      </p:pic>
-      <p:pic>
-        <p:nvPicPr>
-          <p:cNvPr id="417" name="Imagen 416">
-            <a:extLst>
-              <a:ext uri="{FF2B5EF4-FFF2-40B4-BE49-F238E27FC236}">
-                <a16:creationId xmlns:a16="http://schemas.microsoft.com/office/drawing/2014/main" id="{6C54B729-21DA-4852-927D-4E13F29541B2}"/>
-              </a:ext>
-            </a:extLst>
-          </p:cNvPr>
-          <p:cNvPicPr>
-            <a:picLocks noChangeAspect="1"/>
-          </p:cNvPicPr>
-          <p:nvPr/>
-        </p:nvPicPr>
-        <p:blipFill rotWithShape="1">
-          <a:blip r:embed="rId4"/>
-          <a:srcRect l="53279" t="4713" r="5319"/>
-          <a:stretch/>
-        </p:blipFill>
-        <p:spPr>
-          <a:xfrm>
-            <a:off x="1082048" y="147745"/>
-            <a:ext cx="918577" cy="804385"/>
-          </a:xfrm>
-          <a:prstGeom prst="ellipse">
-            <a:avLst/>
-          </a:prstGeom>
-          <a:ln>
-            <a:noFill/>
-          </a:ln>
-          <a:effectLst>
-            <a:softEdge rad="112500"/>
-          </a:effectLst>
-        </p:spPr>
-      </p:pic>
-      <p:sp>
-        <p:nvSpPr>
-          <p:cNvPr id="4" name="Rectángulo 3">
-            <a:extLst>
-              <a:ext uri="{FF2B5EF4-FFF2-40B4-BE49-F238E27FC236}">
-                <a16:creationId xmlns:a16="http://schemas.microsoft.com/office/drawing/2014/main" id="{F04C2CAB-775C-4D47-9732-B8CCEE3CC5EB}"/>
-              </a:ext>
-            </a:extLst>
-          </p:cNvPr>
-          <p:cNvSpPr/>
-          <p:nvPr/>
-        </p:nvSpPr>
-        <p:spPr>
-          <a:xfrm>
-            <a:off x="3494643" y="665629"/>
-            <a:ext cx="5555228" cy="4128246"/>
-          </a:xfrm>
-          <a:prstGeom prst="rect">
-            <a:avLst/>
-          </a:prstGeom>
-          <a:solidFill>
-            <a:srgbClr val="FFFFFF"/>
-          </a:solidFill>
-          <a:ln>
-            <a:noFill/>
-          </a:ln>
-        </p:spPr>
-        <p:style>
-          <a:lnRef idx="2">
-            <a:schemeClr val="accent1">
-              <a:shade val="50000"/>
-            </a:schemeClr>
-          </a:lnRef>
-          <a:fillRef idx="1">
-            <a:schemeClr val="accent1"/>
-          </a:fillRef>
-          <a:effectRef idx="0">
-            <a:schemeClr val="accent1"/>
-          </a:effectRef>
-          <a:fontRef idx="minor">
-            <a:schemeClr val="lt1"/>
-          </a:fontRef>
-        </p:style>
-        <p:txBody>
-          <a:bodyPr rtlCol="0" anchor="ctr"/>
-          <a:lstStyle/>
-          <a:p>
-            <a:pPr algn="ctr"/>
-            <a:endParaRPr lang="es-CO"/>
-          </a:p>
-        </p:txBody>
-      </p:sp>
-      <p:pic>
-        <p:nvPicPr>
-          <p:cNvPr id="5" name="Imagen 4" descr="Una caricatura de un pizarrón&#10;&#10;Descripción generada automáticamente con confianza media">
-            <a:extLst>
-              <a:ext uri="{FF2B5EF4-FFF2-40B4-BE49-F238E27FC236}">
-                <a16:creationId xmlns:a16="http://schemas.microsoft.com/office/drawing/2014/main" id="{BAC3E0B6-EA4E-4E62-B0D1-5B05008D0B99}"/>
-              </a:ext>
-            </a:extLst>
-          </p:cNvPr>
-          <p:cNvPicPr>
-            <a:picLocks noChangeAspect="1"/>
-          </p:cNvPicPr>
-          <p:nvPr/>
-        </p:nvPicPr>
-        <p:blipFill>
-          <a:blip r:embed="rId5"/>
-          <a:stretch>
-            <a:fillRect/>
-          </a:stretch>
-        </p:blipFill>
-        <p:spPr>
-          <a:xfrm>
-            <a:off x="3638145" y="989923"/>
-            <a:ext cx="5236104" cy="3487948"/>
-          </a:xfrm>
-          <a:prstGeom prst="rect">
-            <a:avLst/>
-          </a:prstGeom>
-        </p:spPr>
-      </p:pic>
-    </p:spTree>
-    <p:extLst>
-      <p:ext uri="{BB962C8B-B14F-4D97-AF65-F5344CB8AC3E}">
-        <p14:creationId xmlns:p14="http://schemas.microsoft.com/office/powerpoint/2010/main" val="3880983346"/>
-      </p:ext>
-    </p:extLst>
-  </p:cSld>
-  <p:clrMapOvr>
-    <a:masterClrMapping/>
-  </p:clrMapOvr>
-</p:sld>
-</file>
-
-<file path=ppt/slides/slide13.xml><?xml version="1.0" encoding="utf-8"?>
-<p:sld xmlns:a="http://schemas.openxmlformats.org/drawingml/2006/main" xmlns:r="http://schemas.openxmlformats.org/officeDocument/2006/relationships" xmlns:p="http://schemas.openxmlformats.org/presentationml/2006/main">
-  <p:cSld>
-    <p:spTree>
-      <p:nvGrpSpPr>
-        <p:cNvPr id="1" name=""/>
-        <p:cNvGrpSpPr/>
-        <p:nvPr/>
-      </p:nvGrpSpPr>
-      <p:grpSpPr>
-        <a:xfrm>
-          <a:off x="0" y="0"/>
-          <a:ext cx="0" cy="0"/>
-          <a:chOff x="0" y="0"/>
-          <a:chExt cx="0" cy="0"/>
-        </a:xfrm>
-      </p:grpSpPr>
-      <p:sp>
-        <p:nvSpPr>
-          <p:cNvPr id="2" name="Subtítulo 1">
-            <a:extLst>
-              <a:ext uri="{FF2B5EF4-FFF2-40B4-BE49-F238E27FC236}">
-                <a16:creationId xmlns:a16="http://schemas.microsoft.com/office/drawing/2014/main" id="{29A75048-B2F8-4A8B-9645-CF6D9A7AE10B}"/>
-              </a:ext>
-            </a:extLst>
-          </p:cNvPr>
-          <p:cNvSpPr>
-            <a:spLocks noGrp="1"/>
-          </p:cNvSpPr>
-          <p:nvPr>
-            <p:ph type="subTitle" idx="1"/>
-          </p:nvPr>
-        </p:nvSpPr>
-        <p:spPr>
-          <a:xfrm flipH="1">
-            <a:off x="4008219" y="1587856"/>
-            <a:ext cx="4840506" cy="2756170"/>
-          </a:xfrm>
-        </p:spPr>
-        <p:txBody>
-          <a:bodyPr/>
-          <a:lstStyle/>
-          <a:p>
-            <a:pPr marL="152400" indent="0" algn="just">
-              <a:buNone/>
-            </a:pPr>
-            <a:r>
-              <a:rPr lang="es-CO" sz="1200" dirty="0">
-                <a:latin typeface="Abadi" panose="020B0604020104020204" pitchFamily="34" charset="0"/>
-              </a:rPr>
-              <a:t>Es un algoritmo para hallar todos los números primos desde 1 hasta un numero n que consiste en hacer una cuadricula con estos y coger el primer primo elevarlo al cuadrado y tachar todos los números que a partir de su cuadrado sean múltiplos de este, coger el siguiente numero primo elevarlo al cuadrado y repetir el proceso. Cuando el numero se pase de n terminamos y los números primos son lo que no hemos tachado.</a:t>
-            </a:r>
-          </a:p>
-          <a:p>
-            <a:pPr marL="152400" indent="0" algn="just">
-              <a:buNone/>
-            </a:pPr>
-            <a:endParaRPr lang="es-CO" sz="1200" dirty="0">
-              <a:latin typeface="Abadi" panose="020B0604020104020204" pitchFamily="34" charset="0"/>
-            </a:endParaRPr>
-          </a:p>
-        </p:txBody>
-      </p:sp>
-      <p:pic>
-        <p:nvPicPr>
-          <p:cNvPr id="4" name="Picture 4" descr="Símbolos Universitarios – Universidad de Nariño">
-            <a:extLst>
-              <a:ext uri="{FF2B5EF4-FFF2-40B4-BE49-F238E27FC236}">
-                <a16:creationId xmlns:a16="http://schemas.microsoft.com/office/drawing/2014/main" id="{0B2EA667-CB57-4DF8-BB35-E9AFDF367C2B}"/>
-              </a:ext>
-            </a:extLst>
-          </p:cNvPr>
-          <p:cNvPicPr>
-            <a:picLocks noChangeAspect="1" noChangeArrowheads="1"/>
-          </p:cNvPicPr>
-          <p:nvPr/>
-        </p:nvPicPr>
-        <p:blipFill>
-          <a:blip r:embed="rId2">
-            <a:extLst>
-              <a:ext uri="{28A0092B-C50C-407E-A947-70E740481C1C}">
-                <a14:useLocalDpi xmlns:a14="http://schemas.microsoft.com/office/drawing/2010/main" val="0"/>
-              </a:ext>
-            </a:extLst>
-          </a:blip>
-          <a:srcRect/>
-          <a:stretch>
-            <a:fillRect/>
-          </a:stretch>
-        </p:blipFill>
-        <p:spPr bwMode="auto">
-          <a:xfrm>
-            <a:off x="261990" y="192093"/>
-            <a:ext cx="660961" cy="660961"/>
-          </a:xfrm>
-          <a:prstGeom prst="rect">
-            <a:avLst/>
-          </a:prstGeom>
-          <a:noFill/>
-          <a:extLst>
-            <a:ext uri="{909E8E84-426E-40DD-AFC4-6F175D3DCCD1}">
-              <a14:hiddenFill xmlns:a14="http://schemas.microsoft.com/office/drawing/2010/main">
-                <a:solidFill>
-                  <a:srgbClr val="FFFFFF"/>
-                </a:solidFill>
-              </a14:hiddenFill>
-            </a:ext>
-          </a:extLst>
-        </p:spPr>
-      </p:pic>
-      <p:pic>
-        <p:nvPicPr>
-          <p:cNvPr id="5" name="Imagen 4">
-            <a:extLst>
-              <a:ext uri="{FF2B5EF4-FFF2-40B4-BE49-F238E27FC236}">
-                <a16:creationId xmlns:a16="http://schemas.microsoft.com/office/drawing/2014/main" id="{1B46FA37-FA47-4459-8828-383FB697E3AF}"/>
-              </a:ext>
-            </a:extLst>
-          </p:cNvPr>
-          <p:cNvPicPr>
-            <a:picLocks noChangeAspect="1"/>
-          </p:cNvPicPr>
-          <p:nvPr/>
-        </p:nvPicPr>
-        <p:blipFill rotWithShape="1">
-          <a:blip r:embed="rId3"/>
-          <a:srcRect l="53279" t="4713" r="5319"/>
-          <a:stretch/>
-        </p:blipFill>
-        <p:spPr>
-          <a:xfrm>
-            <a:off x="1071372" y="144121"/>
-            <a:ext cx="918577" cy="804385"/>
-          </a:xfrm>
-          <a:prstGeom prst="ellipse">
-            <a:avLst/>
-          </a:prstGeom>
-          <a:ln>
-            <a:noFill/>
-          </a:ln>
-          <a:effectLst>
-            <a:softEdge rad="112500"/>
-          </a:effectLst>
-        </p:spPr>
-      </p:pic>
-      <p:sp>
-        <p:nvSpPr>
-          <p:cNvPr id="6" name="Rectángulo 5">
-            <a:extLst>
-              <a:ext uri="{FF2B5EF4-FFF2-40B4-BE49-F238E27FC236}">
-                <a16:creationId xmlns:a16="http://schemas.microsoft.com/office/drawing/2014/main" id="{EC2D0E56-7D0C-40D0-8E56-B8801C98D13A}"/>
-              </a:ext>
-            </a:extLst>
-          </p:cNvPr>
-          <p:cNvSpPr/>
-          <p:nvPr/>
-        </p:nvSpPr>
-        <p:spPr>
-          <a:xfrm>
-            <a:off x="477806" y="1288421"/>
-            <a:ext cx="3521783" cy="3355041"/>
-          </a:xfrm>
-          <a:prstGeom prst="rect">
-            <a:avLst/>
-          </a:prstGeom>
-          <a:solidFill>
-            <a:srgbClr val="FFFFFF"/>
-          </a:solidFill>
-          <a:ln>
-            <a:solidFill>
-              <a:srgbClr val="BAF7C9"/>
-            </a:solidFill>
-          </a:ln>
-        </p:spPr>
-        <p:style>
-          <a:lnRef idx="2">
-            <a:schemeClr val="accent1">
-              <a:shade val="50000"/>
-            </a:schemeClr>
-          </a:lnRef>
-          <a:fillRef idx="1">
-            <a:schemeClr val="accent1"/>
-          </a:fillRef>
-          <a:effectRef idx="0">
-            <a:schemeClr val="accent1"/>
-          </a:effectRef>
-          <a:fontRef idx="minor">
-            <a:schemeClr val="lt1"/>
-          </a:fontRef>
-        </p:style>
-        <p:txBody>
-          <a:bodyPr rtlCol="0" anchor="ctr"/>
-          <a:lstStyle/>
-          <a:p>
-            <a:pPr algn="ctr"/>
-            <a:endParaRPr lang="es-CO"/>
-          </a:p>
-        </p:txBody>
-      </p:sp>
-      <p:sp>
-        <p:nvSpPr>
-          <p:cNvPr id="10" name="Título 2">
-            <a:extLst>
-              <a:ext uri="{FF2B5EF4-FFF2-40B4-BE49-F238E27FC236}">
-                <a16:creationId xmlns:a16="http://schemas.microsoft.com/office/drawing/2014/main" id="{4B4F06C2-20E6-40C1-BAD4-30FB77130CD3}"/>
-              </a:ext>
-            </a:extLst>
-          </p:cNvPr>
-          <p:cNvSpPr>
-            <a:spLocks noGrp="1"/>
-          </p:cNvSpPr>
-          <p:nvPr>
-            <p:ph type="ctrTitle"/>
-          </p:nvPr>
-        </p:nvSpPr>
-        <p:spPr>
-          <a:xfrm>
-            <a:off x="5659438" y="384175"/>
-            <a:ext cx="3195637" cy="481013"/>
-          </a:xfrm>
-        </p:spPr>
-        <p:txBody>
-          <a:bodyPr/>
-          <a:lstStyle/>
-          <a:p>
-            <a:r>
-              <a:rPr lang="es-CO" dirty="0"/>
-              <a:t>Criba de Eratóstenes</a:t>
-            </a:r>
-          </a:p>
-        </p:txBody>
-      </p:sp>
-      <p:pic>
-        <p:nvPicPr>
-          <p:cNvPr id="8" name="Imagen 7" descr="Imagen que contiene Texto&#10;&#10;Descripción generada automáticamente">
-            <a:extLst>
-              <a:ext uri="{FF2B5EF4-FFF2-40B4-BE49-F238E27FC236}">
-                <a16:creationId xmlns:a16="http://schemas.microsoft.com/office/drawing/2014/main" id="{927A6A2F-DB51-46DF-8A39-0566879126D9}"/>
-              </a:ext>
-            </a:extLst>
-          </p:cNvPr>
-          <p:cNvPicPr>
-            <a:picLocks noChangeAspect="1"/>
-          </p:cNvPicPr>
-          <p:nvPr/>
-        </p:nvPicPr>
-        <p:blipFill>
-          <a:blip r:embed="rId4"/>
-          <a:stretch>
-            <a:fillRect/>
-          </a:stretch>
-        </p:blipFill>
-        <p:spPr>
-          <a:xfrm>
-            <a:off x="790272" y="1517516"/>
-            <a:ext cx="2896850" cy="2896850"/>
-          </a:xfrm>
-          <a:prstGeom prst="rect">
-            <a:avLst/>
-          </a:prstGeom>
-        </p:spPr>
-      </p:pic>
-    </p:spTree>
-    <p:extLst>
-      <p:ext uri="{BB962C8B-B14F-4D97-AF65-F5344CB8AC3E}">
-        <p14:creationId xmlns:p14="http://schemas.microsoft.com/office/powerpoint/2010/main" val="1729395323"/>
-      </p:ext>
-    </p:extLst>
-  </p:cSld>
-  <p:clrMapOvr>
-    <a:masterClrMapping/>
-  </p:clrMapOvr>
-</p:sld>
-</file>
-
-<file path=ppt/slides/slide14.xml><?xml version="1.0" encoding="utf-8"?>
-<p:sld xmlns:a="http://schemas.openxmlformats.org/drawingml/2006/main" xmlns:r="http://schemas.openxmlformats.org/officeDocument/2006/relationships" xmlns:p="http://schemas.openxmlformats.org/presentationml/2006/main">
-  <p:cSld>
-    <p:spTree>
-      <p:nvGrpSpPr>
-        <p:cNvPr id="1" name=""/>
-        <p:cNvGrpSpPr/>
-        <p:nvPr/>
-      </p:nvGrpSpPr>
-      <p:grpSpPr>
-        <a:xfrm>
-          <a:off x="0" y="0"/>
-          <a:ext cx="0" cy="0"/>
-          <a:chOff x="0" y="0"/>
-          <a:chExt cx="0" cy="0"/>
-        </a:xfrm>
-      </p:grpSpPr>
-      <p:sp>
-        <p:nvSpPr>
-          <p:cNvPr id="2" name="Subtítulo 1">
-            <a:extLst>
-              <a:ext uri="{FF2B5EF4-FFF2-40B4-BE49-F238E27FC236}">
-                <a16:creationId xmlns:a16="http://schemas.microsoft.com/office/drawing/2014/main" id="{29A75048-B2F8-4A8B-9645-CF6D9A7AE10B}"/>
-              </a:ext>
-            </a:extLst>
-          </p:cNvPr>
-          <p:cNvSpPr>
-            <a:spLocks noGrp="1"/>
-          </p:cNvSpPr>
-          <p:nvPr>
-            <p:ph type="subTitle" idx="1"/>
-          </p:nvPr>
-        </p:nvSpPr>
-        <p:spPr>
-          <a:xfrm flipH="1">
-            <a:off x="4008219" y="1587856"/>
-            <a:ext cx="4840506" cy="2756170"/>
-          </a:xfrm>
-        </p:spPr>
-        <p:txBody>
-          <a:bodyPr/>
-          <a:lstStyle/>
-          <a:p>
-            <a:pPr marL="152400" indent="0" algn="just">
-              <a:buNone/>
-            </a:pPr>
-            <a:r>
-              <a:rPr lang="es-CO" sz="1200" dirty="0">
-                <a:latin typeface="Abadi" panose="020B0604020104020204" pitchFamily="34" charset="0"/>
-              </a:rPr>
-              <a:t>Hallemos los números primos hasta el 100 tachamos el 1 y iniciamos con el 2 2x2=4 y a partir de ahí tachamos todos los múltiplos de 2</a:t>
-            </a:r>
-          </a:p>
-          <a:p>
-            <a:pPr marL="152400" indent="0" algn="just">
-              <a:buNone/>
-            </a:pPr>
-            <a:endParaRPr lang="es-CO" sz="1200" dirty="0">
-              <a:latin typeface="Abadi" panose="020B0604020104020204" pitchFamily="34" charset="0"/>
-            </a:endParaRPr>
-          </a:p>
-        </p:txBody>
-      </p:sp>
-      <p:pic>
-        <p:nvPicPr>
-          <p:cNvPr id="4" name="Picture 4" descr="Símbolos Universitarios – Universidad de Nariño">
-            <a:extLst>
-              <a:ext uri="{FF2B5EF4-FFF2-40B4-BE49-F238E27FC236}">
-                <a16:creationId xmlns:a16="http://schemas.microsoft.com/office/drawing/2014/main" id="{0B2EA667-CB57-4DF8-BB35-E9AFDF367C2B}"/>
-              </a:ext>
-            </a:extLst>
-          </p:cNvPr>
-          <p:cNvPicPr>
-            <a:picLocks noChangeAspect="1" noChangeArrowheads="1"/>
-          </p:cNvPicPr>
-          <p:nvPr/>
-        </p:nvPicPr>
-        <p:blipFill>
-          <a:blip r:embed="rId2">
-            <a:extLst>
-              <a:ext uri="{28A0092B-C50C-407E-A947-70E740481C1C}">
-                <a14:useLocalDpi xmlns:a14="http://schemas.microsoft.com/office/drawing/2010/main" val="0"/>
-              </a:ext>
-            </a:extLst>
-          </a:blip>
-          <a:srcRect/>
-          <a:stretch>
-            <a:fillRect/>
-          </a:stretch>
-        </p:blipFill>
-        <p:spPr bwMode="auto">
-          <a:xfrm>
-            <a:off x="261990" y="192093"/>
-            <a:ext cx="660961" cy="660961"/>
-          </a:xfrm>
-          <a:prstGeom prst="rect">
-            <a:avLst/>
-          </a:prstGeom>
-          <a:noFill/>
-          <a:extLst>
-            <a:ext uri="{909E8E84-426E-40DD-AFC4-6F175D3DCCD1}">
-              <a14:hiddenFill xmlns:a14="http://schemas.microsoft.com/office/drawing/2010/main">
-                <a:solidFill>
-                  <a:srgbClr val="FFFFFF"/>
-                </a:solidFill>
-              </a14:hiddenFill>
-            </a:ext>
-          </a:extLst>
-        </p:spPr>
-      </p:pic>
-      <p:pic>
-        <p:nvPicPr>
-          <p:cNvPr id="5" name="Imagen 4">
-            <a:extLst>
-              <a:ext uri="{FF2B5EF4-FFF2-40B4-BE49-F238E27FC236}">
-                <a16:creationId xmlns:a16="http://schemas.microsoft.com/office/drawing/2014/main" id="{1B46FA37-FA47-4459-8828-383FB697E3AF}"/>
-              </a:ext>
-            </a:extLst>
-          </p:cNvPr>
-          <p:cNvPicPr>
-            <a:picLocks noChangeAspect="1"/>
-          </p:cNvPicPr>
-          <p:nvPr/>
-        </p:nvPicPr>
-        <p:blipFill rotWithShape="1">
-          <a:blip r:embed="rId3"/>
-          <a:srcRect l="53279" t="4713" r="5319"/>
-          <a:stretch/>
-        </p:blipFill>
-        <p:spPr>
-          <a:xfrm>
-            <a:off x="1071372" y="144121"/>
-            <a:ext cx="918577" cy="804385"/>
-          </a:xfrm>
-          <a:prstGeom prst="ellipse">
-            <a:avLst/>
-          </a:prstGeom>
-          <a:ln>
-            <a:noFill/>
-          </a:ln>
-          <a:effectLst>
-            <a:softEdge rad="112500"/>
-          </a:effectLst>
-        </p:spPr>
-      </p:pic>
-      <p:sp>
-        <p:nvSpPr>
-          <p:cNvPr id="6" name="Rectángulo 5">
-            <a:extLst>
-              <a:ext uri="{FF2B5EF4-FFF2-40B4-BE49-F238E27FC236}">
-                <a16:creationId xmlns:a16="http://schemas.microsoft.com/office/drawing/2014/main" id="{EC2D0E56-7D0C-40D0-8E56-B8801C98D13A}"/>
-              </a:ext>
-            </a:extLst>
-          </p:cNvPr>
-          <p:cNvSpPr/>
-          <p:nvPr/>
-        </p:nvSpPr>
-        <p:spPr>
-          <a:xfrm>
-            <a:off x="477806" y="1288421"/>
-            <a:ext cx="3521783" cy="3355041"/>
-          </a:xfrm>
-          <a:prstGeom prst="rect">
-            <a:avLst/>
-          </a:prstGeom>
-          <a:solidFill>
-            <a:srgbClr val="FFFFFF"/>
-          </a:solidFill>
-          <a:ln>
-            <a:solidFill>
-              <a:srgbClr val="BAF7C9"/>
-            </a:solidFill>
-          </a:ln>
-        </p:spPr>
-        <p:style>
-          <a:lnRef idx="2">
-            <a:schemeClr val="accent1">
-              <a:shade val="50000"/>
-            </a:schemeClr>
-          </a:lnRef>
-          <a:fillRef idx="1">
-            <a:schemeClr val="accent1"/>
-          </a:fillRef>
-          <a:effectRef idx="0">
-            <a:schemeClr val="accent1"/>
-          </a:effectRef>
-          <a:fontRef idx="minor">
-            <a:schemeClr val="lt1"/>
-          </a:fontRef>
-        </p:style>
-        <p:txBody>
-          <a:bodyPr rtlCol="0" anchor="ctr"/>
-          <a:lstStyle/>
-          <a:p>
-            <a:pPr algn="ctr"/>
-            <a:endParaRPr lang="es-CO"/>
-          </a:p>
-        </p:txBody>
-      </p:sp>
-      <p:sp>
-        <p:nvSpPr>
-          <p:cNvPr id="10" name="Título 2">
-            <a:extLst>
-              <a:ext uri="{FF2B5EF4-FFF2-40B4-BE49-F238E27FC236}">
-                <a16:creationId xmlns:a16="http://schemas.microsoft.com/office/drawing/2014/main" id="{4B4F06C2-20E6-40C1-BAD4-30FB77130CD3}"/>
-              </a:ext>
-            </a:extLst>
-          </p:cNvPr>
-          <p:cNvSpPr>
-            <a:spLocks noGrp="1"/>
-          </p:cNvSpPr>
-          <p:nvPr>
-            <p:ph type="ctrTitle"/>
-          </p:nvPr>
-        </p:nvSpPr>
-        <p:spPr>
-          <a:xfrm>
-            <a:off x="5653088" y="371475"/>
-            <a:ext cx="3195637" cy="481013"/>
-          </a:xfrm>
-        </p:spPr>
-        <p:txBody>
-          <a:bodyPr/>
-          <a:lstStyle/>
-          <a:p>
-            <a:r>
-              <a:rPr lang="es-CO" dirty="0"/>
-              <a:t>Criba de Eratóstenes</a:t>
-            </a:r>
-          </a:p>
-        </p:txBody>
-      </p:sp>
-      <p:pic>
-        <p:nvPicPr>
-          <p:cNvPr id="7" name="Imagen 6">
-            <a:extLst>
-              <a:ext uri="{FF2B5EF4-FFF2-40B4-BE49-F238E27FC236}">
-                <a16:creationId xmlns:a16="http://schemas.microsoft.com/office/drawing/2014/main" id="{C5625308-065E-4716-B87F-167FDC5ED5C1}"/>
-              </a:ext>
-            </a:extLst>
-          </p:cNvPr>
-          <p:cNvPicPr>
-            <a:picLocks noChangeAspect="1"/>
-          </p:cNvPicPr>
-          <p:nvPr/>
-        </p:nvPicPr>
-        <p:blipFill>
-          <a:blip r:embed="rId4"/>
-          <a:stretch>
-            <a:fillRect/>
-          </a:stretch>
-        </p:blipFill>
-        <p:spPr>
-          <a:xfrm>
-            <a:off x="624895" y="1383873"/>
-            <a:ext cx="3233743" cy="3160082"/>
-          </a:xfrm>
-          <a:prstGeom prst="rect">
-            <a:avLst/>
-          </a:prstGeom>
-        </p:spPr>
-      </p:pic>
-    </p:spTree>
-    <p:extLst>
-      <p:ext uri="{BB962C8B-B14F-4D97-AF65-F5344CB8AC3E}">
-        <p14:creationId xmlns:p14="http://schemas.microsoft.com/office/powerpoint/2010/main" val="1984342866"/>
-      </p:ext>
-    </p:extLst>
-  </p:cSld>
-  <p:clrMapOvr>
-    <a:masterClrMapping/>
-  </p:clrMapOvr>
-</p:sld>
-</file>
-
-<file path=ppt/slides/slide15.xml><?xml version="1.0" encoding="utf-8"?>
-<p:sld xmlns:a="http://schemas.openxmlformats.org/drawingml/2006/main" xmlns:r="http://schemas.openxmlformats.org/officeDocument/2006/relationships" xmlns:p="http://schemas.openxmlformats.org/presentationml/2006/main">
-  <p:cSld>
-    <p:spTree>
-      <p:nvGrpSpPr>
-        <p:cNvPr id="1" name=""/>
-        <p:cNvGrpSpPr/>
-        <p:nvPr/>
-      </p:nvGrpSpPr>
-      <p:grpSpPr>
-        <a:xfrm>
-          <a:off x="0" y="0"/>
-          <a:ext cx="0" cy="0"/>
-          <a:chOff x="0" y="0"/>
-          <a:chExt cx="0" cy="0"/>
-        </a:xfrm>
-      </p:grpSpPr>
-      <p:sp>
-        <p:nvSpPr>
-          <p:cNvPr id="2" name="Subtítulo 1">
-            <a:extLst>
-              <a:ext uri="{FF2B5EF4-FFF2-40B4-BE49-F238E27FC236}">
-                <a16:creationId xmlns:a16="http://schemas.microsoft.com/office/drawing/2014/main" id="{29A75048-B2F8-4A8B-9645-CF6D9A7AE10B}"/>
-              </a:ext>
-            </a:extLst>
-          </p:cNvPr>
-          <p:cNvSpPr>
-            <a:spLocks noGrp="1"/>
-          </p:cNvSpPr>
-          <p:nvPr>
-            <p:ph type="subTitle" idx="1"/>
-          </p:nvPr>
-        </p:nvSpPr>
-        <p:spPr>
-          <a:xfrm flipH="1">
-            <a:off x="4008219" y="1587856"/>
-            <a:ext cx="4840506" cy="2756170"/>
-          </a:xfrm>
-        </p:spPr>
-        <p:txBody>
-          <a:bodyPr/>
-          <a:lstStyle/>
-          <a:p>
-            <a:pPr marL="152400" indent="0" algn="just">
-              <a:buNone/>
-            </a:pPr>
-            <a:r>
-              <a:rPr lang="es-CO" sz="1200" dirty="0">
-                <a:latin typeface="Abadi" panose="020B0604020104020204" pitchFamily="34" charset="0"/>
-              </a:rPr>
-              <a:t> </a:t>
-            </a:r>
-          </a:p>
-          <a:p>
-            <a:pPr marL="152400" indent="0" algn="just">
-              <a:buNone/>
-            </a:pPr>
-            <a:r>
-              <a:rPr lang="es-CO" sz="1200" dirty="0">
-                <a:latin typeface="Abadi" panose="020B0604020104020204" pitchFamily="34" charset="0"/>
-              </a:rPr>
-              <a:t>El siguiente número sin tachar es el 3, 3x3=9 y a partir de ahí todos los múltiplos de 3</a:t>
-            </a:r>
-          </a:p>
-        </p:txBody>
-      </p:sp>
-      <p:pic>
-        <p:nvPicPr>
-          <p:cNvPr id="4" name="Picture 4" descr="Símbolos Universitarios – Universidad de Nariño">
-            <a:extLst>
-              <a:ext uri="{FF2B5EF4-FFF2-40B4-BE49-F238E27FC236}">
-                <a16:creationId xmlns:a16="http://schemas.microsoft.com/office/drawing/2014/main" id="{0B2EA667-CB57-4DF8-BB35-E9AFDF367C2B}"/>
-              </a:ext>
-            </a:extLst>
-          </p:cNvPr>
-          <p:cNvPicPr>
-            <a:picLocks noChangeAspect="1" noChangeArrowheads="1"/>
-          </p:cNvPicPr>
-          <p:nvPr/>
-        </p:nvPicPr>
-        <p:blipFill>
-          <a:blip r:embed="rId2">
-            <a:extLst>
-              <a:ext uri="{28A0092B-C50C-407E-A947-70E740481C1C}">
-                <a14:useLocalDpi xmlns:a14="http://schemas.microsoft.com/office/drawing/2010/main" val="0"/>
-              </a:ext>
-            </a:extLst>
-          </a:blip>
-          <a:srcRect/>
-          <a:stretch>
-            <a:fillRect/>
-          </a:stretch>
-        </p:blipFill>
-        <p:spPr bwMode="auto">
-          <a:xfrm>
-            <a:off x="261990" y="192093"/>
-            <a:ext cx="660961" cy="660961"/>
-          </a:xfrm>
-          <a:prstGeom prst="rect">
-            <a:avLst/>
-          </a:prstGeom>
-          <a:noFill/>
-          <a:extLst>
-            <a:ext uri="{909E8E84-426E-40DD-AFC4-6F175D3DCCD1}">
-              <a14:hiddenFill xmlns:a14="http://schemas.microsoft.com/office/drawing/2010/main">
-                <a:solidFill>
-                  <a:srgbClr val="FFFFFF"/>
-                </a:solidFill>
-              </a14:hiddenFill>
-            </a:ext>
-          </a:extLst>
-        </p:spPr>
-      </p:pic>
-      <p:pic>
-        <p:nvPicPr>
-          <p:cNvPr id="5" name="Imagen 4">
-            <a:extLst>
-              <a:ext uri="{FF2B5EF4-FFF2-40B4-BE49-F238E27FC236}">
-                <a16:creationId xmlns:a16="http://schemas.microsoft.com/office/drawing/2014/main" id="{1B46FA37-FA47-4459-8828-383FB697E3AF}"/>
-              </a:ext>
-            </a:extLst>
-          </p:cNvPr>
-          <p:cNvPicPr>
-            <a:picLocks noChangeAspect="1"/>
-          </p:cNvPicPr>
-          <p:nvPr/>
-        </p:nvPicPr>
-        <p:blipFill rotWithShape="1">
-          <a:blip r:embed="rId3"/>
-          <a:srcRect l="53279" t="4713" r="5319"/>
-          <a:stretch/>
-        </p:blipFill>
-        <p:spPr>
-          <a:xfrm>
-            <a:off x="1071372" y="144121"/>
-            <a:ext cx="918577" cy="804385"/>
-          </a:xfrm>
-          <a:prstGeom prst="ellipse">
-            <a:avLst/>
-          </a:prstGeom>
-          <a:ln>
-            <a:noFill/>
-          </a:ln>
-          <a:effectLst>
-            <a:softEdge rad="112500"/>
-          </a:effectLst>
-        </p:spPr>
-      </p:pic>
-      <p:sp>
-        <p:nvSpPr>
-          <p:cNvPr id="6" name="Rectángulo 5">
-            <a:extLst>
-              <a:ext uri="{FF2B5EF4-FFF2-40B4-BE49-F238E27FC236}">
-                <a16:creationId xmlns:a16="http://schemas.microsoft.com/office/drawing/2014/main" id="{EC2D0E56-7D0C-40D0-8E56-B8801C98D13A}"/>
-              </a:ext>
-            </a:extLst>
-          </p:cNvPr>
-          <p:cNvSpPr/>
-          <p:nvPr/>
-        </p:nvSpPr>
-        <p:spPr>
-          <a:xfrm>
-            <a:off x="477806" y="1288421"/>
-            <a:ext cx="3521783" cy="3355041"/>
-          </a:xfrm>
-          <a:prstGeom prst="rect">
-            <a:avLst/>
-          </a:prstGeom>
-          <a:solidFill>
-            <a:srgbClr val="FFFFFF"/>
-          </a:solidFill>
-          <a:ln>
-            <a:solidFill>
-              <a:srgbClr val="BAF7C9"/>
-            </a:solidFill>
-          </a:ln>
-        </p:spPr>
-        <p:style>
-          <a:lnRef idx="2">
-            <a:schemeClr val="accent1">
-              <a:shade val="50000"/>
-            </a:schemeClr>
-          </a:lnRef>
-          <a:fillRef idx="1">
-            <a:schemeClr val="accent1"/>
-          </a:fillRef>
-          <a:effectRef idx="0">
-            <a:schemeClr val="accent1"/>
-          </a:effectRef>
-          <a:fontRef idx="minor">
-            <a:schemeClr val="lt1"/>
-          </a:fontRef>
-        </p:style>
-        <p:txBody>
-          <a:bodyPr rtlCol="0" anchor="ctr"/>
-          <a:lstStyle/>
-          <a:p>
-            <a:pPr algn="ctr"/>
-            <a:endParaRPr lang="es-CO"/>
-          </a:p>
-        </p:txBody>
-      </p:sp>
-      <p:sp>
-        <p:nvSpPr>
-          <p:cNvPr id="10" name="Título 2">
-            <a:extLst>
-              <a:ext uri="{FF2B5EF4-FFF2-40B4-BE49-F238E27FC236}">
-                <a16:creationId xmlns:a16="http://schemas.microsoft.com/office/drawing/2014/main" id="{4B4F06C2-20E6-40C1-BAD4-30FB77130CD3}"/>
-              </a:ext>
-            </a:extLst>
-          </p:cNvPr>
-          <p:cNvSpPr>
-            <a:spLocks noGrp="1"/>
-          </p:cNvSpPr>
-          <p:nvPr>
-            <p:ph type="ctrTitle"/>
-          </p:nvPr>
-        </p:nvSpPr>
-        <p:spPr>
-          <a:xfrm>
-            <a:off x="5653088" y="371475"/>
-            <a:ext cx="3195637" cy="481013"/>
-          </a:xfrm>
-        </p:spPr>
-        <p:txBody>
-          <a:bodyPr/>
-          <a:lstStyle/>
-          <a:p>
-            <a:r>
-              <a:rPr lang="es-CO" dirty="0"/>
-              <a:t>Criba de Eratóstenes</a:t>
-            </a:r>
-          </a:p>
-        </p:txBody>
-      </p:sp>
-      <p:pic>
-        <p:nvPicPr>
-          <p:cNvPr id="8" name="Imagen 7">
-            <a:extLst>
-              <a:ext uri="{FF2B5EF4-FFF2-40B4-BE49-F238E27FC236}">
-                <a16:creationId xmlns:a16="http://schemas.microsoft.com/office/drawing/2014/main" id="{971B40BD-C6B0-4E5B-92BE-DA280C98B96A}"/>
-              </a:ext>
-            </a:extLst>
-          </p:cNvPr>
-          <p:cNvPicPr>
-            <a:picLocks noChangeAspect="1"/>
-          </p:cNvPicPr>
-          <p:nvPr/>
-        </p:nvPicPr>
-        <p:blipFill rotWithShape="1">
-          <a:blip r:embed="rId4"/>
-          <a:srcRect/>
-          <a:stretch/>
-        </p:blipFill>
-        <p:spPr>
-          <a:xfrm>
-            <a:off x="680640" y="1461694"/>
-            <a:ext cx="3116113" cy="3103821"/>
-          </a:xfrm>
-          <a:prstGeom prst="rect">
-            <a:avLst/>
-          </a:prstGeom>
-        </p:spPr>
-      </p:pic>
-    </p:spTree>
-    <p:extLst>
-      <p:ext uri="{BB962C8B-B14F-4D97-AF65-F5344CB8AC3E}">
-        <p14:creationId xmlns:p14="http://schemas.microsoft.com/office/powerpoint/2010/main" val="3866014463"/>
-      </p:ext>
-    </p:extLst>
-  </p:cSld>
-  <p:clrMapOvr>
-    <a:masterClrMapping/>
-  </p:clrMapOvr>
-</p:sld>
-</file>
-
-<file path=ppt/slides/slide16.xml><?xml version="1.0" encoding="utf-8"?>
-<p:sld xmlns:a="http://schemas.openxmlformats.org/drawingml/2006/main" xmlns:r="http://schemas.openxmlformats.org/officeDocument/2006/relationships" xmlns:p="http://schemas.openxmlformats.org/presentationml/2006/main">
-  <p:cSld>
-    <p:spTree>
-      <p:nvGrpSpPr>
-        <p:cNvPr id="1" name=""/>
-        <p:cNvGrpSpPr/>
-        <p:nvPr/>
-      </p:nvGrpSpPr>
-      <p:grpSpPr>
-        <a:xfrm>
-          <a:off x="0" y="0"/>
-          <a:ext cx="0" cy="0"/>
-          <a:chOff x="0" y="0"/>
-          <a:chExt cx="0" cy="0"/>
-        </a:xfrm>
-      </p:grpSpPr>
-      <p:sp>
-        <p:nvSpPr>
-          <p:cNvPr id="2" name="Subtítulo 1">
-            <a:extLst>
-              <a:ext uri="{FF2B5EF4-FFF2-40B4-BE49-F238E27FC236}">
-                <a16:creationId xmlns:a16="http://schemas.microsoft.com/office/drawing/2014/main" id="{29A75048-B2F8-4A8B-9645-CF6D9A7AE10B}"/>
-              </a:ext>
-            </a:extLst>
-          </p:cNvPr>
-          <p:cNvSpPr>
-            <a:spLocks noGrp="1"/>
-          </p:cNvSpPr>
-          <p:nvPr>
-            <p:ph type="subTitle" idx="1"/>
-          </p:nvPr>
-        </p:nvSpPr>
-        <p:spPr>
-          <a:xfrm flipH="1">
-            <a:off x="4008219" y="1587856"/>
-            <a:ext cx="4840506" cy="2756170"/>
-          </a:xfrm>
-        </p:spPr>
-        <p:txBody>
-          <a:bodyPr/>
-          <a:lstStyle/>
-          <a:p>
-            <a:pPr marL="152400" indent="0" algn="just">
-              <a:buNone/>
-            </a:pPr>
-            <a:r>
-              <a:rPr lang="es-CO" sz="1200" dirty="0">
-                <a:latin typeface="Abadi" panose="020B0604020104020204" pitchFamily="34" charset="0"/>
-              </a:rPr>
-              <a:t>El siguiente numero sin tachar es el 5, 5x5=25 y a partir de ahí tachamos todos los múltiplos de 5</a:t>
-            </a:r>
-          </a:p>
-        </p:txBody>
-      </p:sp>
-      <p:pic>
-        <p:nvPicPr>
-          <p:cNvPr id="4" name="Picture 4" descr="Símbolos Universitarios – Universidad de Nariño">
-            <a:extLst>
-              <a:ext uri="{FF2B5EF4-FFF2-40B4-BE49-F238E27FC236}">
-                <a16:creationId xmlns:a16="http://schemas.microsoft.com/office/drawing/2014/main" id="{0B2EA667-CB57-4DF8-BB35-E9AFDF367C2B}"/>
-              </a:ext>
-            </a:extLst>
-          </p:cNvPr>
-          <p:cNvPicPr>
-            <a:picLocks noChangeAspect="1" noChangeArrowheads="1"/>
-          </p:cNvPicPr>
-          <p:nvPr/>
-        </p:nvPicPr>
-        <p:blipFill>
-          <a:blip r:embed="rId2">
-            <a:extLst>
-              <a:ext uri="{28A0092B-C50C-407E-A947-70E740481C1C}">
-                <a14:useLocalDpi xmlns:a14="http://schemas.microsoft.com/office/drawing/2010/main" val="0"/>
-              </a:ext>
-            </a:extLst>
-          </a:blip>
-          <a:srcRect/>
-          <a:stretch>
-            <a:fillRect/>
-          </a:stretch>
-        </p:blipFill>
-        <p:spPr bwMode="auto">
-          <a:xfrm>
-            <a:off x="261990" y="192093"/>
-            <a:ext cx="660961" cy="660961"/>
-          </a:xfrm>
-          <a:prstGeom prst="rect">
-            <a:avLst/>
-          </a:prstGeom>
-          <a:noFill/>
-          <a:extLst>
-            <a:ext uri="{909E8E84-426E-40DD-AFC4-6F175D3DCCD1}">
-              <a14:hiddenFill xmlns:a14="http://schemas.microsoft.com/office/drawing/2010/main">
-                <a:solidFill>
-                  <a:srgbClr val="FFFFFF"/>
-                </a:solidFill>
-              </a14:hiddenFill>
-            </a:ext>
-          </a:extLst>
-        </p:spPr>
-      </p:pic>
-      <p:pic>
-        <p:nvPicPr>
-          <p:cNvPr id="5" name="Imagen 4">
-            <a:extLst>
-              <a:ext uri="{FF2B5EF4-FFF2-40B4-BE49-F238E27FC236}">
-                <a16:creationId xmlns:a16="http://schemas.microsoft.com/office/drawing/2014/main" id="{1B46FA37-FA47-4459-8828-383FB697E3AF}"/>
-              </a:ext>
-            </a:extLst>
-          </p:cNvPr>
-          <p:cNvPicPr>
-            <a:picLocks noChangeAspect="1"/>
-          </p:cNvPicPr>
-          <p:nvPr/>
-        </p:nvPicPr>
-        <p:blipFill rotWithShape="1">
-          <a:blip r:embed="rId3"/>
-          <a:srcRect l="53279" t="4713" r="5319"/>
-          <a:stretch/>
-        </p:blipFill>
-        <p:spPr>
-          <a:xfrm>
-            <a:off x="1071372" y="144121"/>
-            <a:ext cx="918577" cy="804385"/>
-          </a:xfrm>
-          <a:prstGeom prst="ellipse">
-            <a:avLst/>
-          </a:prstGeom>
-          <a:ln>
-            <a:noFill/>
-          </a:ln>
-          <a:effectLst>
-            <a:softEdge rad="112500"/>
-          </a:effectLst>
-        </p:spPr>
-      </p:pic>
-      <p:sp>
-        <p:nvSpPr>
-          <p:cNvPr id="6" name="Rectángulo 5">
-            <a:extLst>
-              <a:ext uri="{FF2B5EF4-FFF2-40B4-BE49-F238E27FC236}">
-                <a16:creationId xmlns:a16="http://schemas.microsoft.com/office/drawing/2014/main" id="{EC2D0E56-7D0C-40D0-8E56-B8801C98D13A}"/>
-              </a:ext>
-            </a:extLst>
-          </p:cNvPr>
-          <p:cNvSpPr/>
-          <p:nvPr/>
-        </p:nvSpPr>
-        <p:spPr>
-          <a:xfrm>
-            <a:off x="477806" y="1288421"/>
-            <a:ext cx="3521783" cy="3355041"/>
-          </a:xfrm>
-          <a:prstGeom prst="rect">
-            <a:avLst/>
-          </a:prstGeom>
-          <a:solidFill>
-            <a:srgbClr val="FFFFFF"/>
-          </a:solidFill>
-          <a:ln>
-            <a:solidFill>
-              <a:srgbClr val="BAF7C9"/>
-            </a:solidFill>
-          </a:ln>
-        </p:spPr>
-        <p:style>
-          <a:lnRef idx="2">
-            <a:schemeClr val="accent1">
-              <a:shade val="50000"/>
-            </a:schemeClr>
-          </a:lnRef>
-          <a:fillRef idx="1">
-            <a:schemeClr val="accent1"/>
-          </a:fillRef>
-          <a:effectRef idx="0">
-            <a:schemeClr val="accent1"/>
-          </a:effectRef>
-          <a:fontRef idx="minor">
-            <a:schemeClr val="lt1"/>
-          </a:fontRef>
-        </p:style>
-        <p:txBody>
-          <a:bodyPr rtlCol="0" anchor="ctr"/>
-          <a:lstStyle/>
-          <a:p>
-            <a:pPr algn="ctr"/>
-            <a:endParaRPr lang="es-CO"/>
-          </a:p>
-        </p:txBody>
-      </p:sp>
-      <p:sp>
-        <p:nvSpPr>
-          <p:cNvPr id="10" name="Título 2">
-            <a:extLst>
-              <a:ext uri="{FF2B5EF4-FFF2-40B4-BE49-F238E27FC236}">
-                <a16:creationId xmlns:a16="http://schemas.microsoft.com/office/drawing/2014/main" id="{4B4F06C2-20E6-40C1-BAD4-30FB77130CD3}"/>
-              </a:ext>
-            </a:extLst>
-          </p:cNvPr>
-          <p:cNvSpPr>
-            <a:spLocks noGrp="1"/>
-          </p:cNvSpPr>
-          <p:nvPr>
-            <p:ph type="ctrTitle"/>
-          </p:nvPr>
-        </p:nvSpPr>
-        <p:spPr>
-          <a:xfrm>
-            <a:off x="5653088" y="371475"/>
-            <a:ext cx="3195637" cy="481013"/>
-          </a:xfrm>
-        </p:spPr>
-        <p:txBody>
-          <a:bodyPr/>
-          <a:lstStyle/>
-          <a:p>
-            <a:r>
-              <a:rPr lang="es-CO" dirty="0"/>
-              <a:t>Criba de Eratóstenes</a:t>
-            </a:r>
-          </a:p>
-        </p:txBody>
-      </p:sp>
-      <p:pic>
-        <p:nvPicPr>
-          <p:cNvPr id="7" name="Imagen 6">
-            <a:extLst>
-              <a:ext uri="{FF2B5EF4-FFF2-40B4-BE49-F238E27FC236}">
-                <a16:creationId xmlns:a16="http://schemas.microsoft.com/office/drawing/2014/main" id="{25213DE8-35AA-48E4-89F4-48D4527F9D36}"/>
-              </a:ext>
-            </a:extLst>
-          </p:cNvPr>
-          <p:cNvPicPr>
-            <a:picLocks noChangeAspect="1"/>
-          </p:cNvPicPr>
-          <p:nvPr/>
-        </p:nvPicPr>
-        <p:blipFill>
-          <a:blip r:embed="rId4"/>
-          <a:stretch>
-            <a:fillRect/>
-          </a:stretch>
-        </p:blipFill>
-        <p:spPr>
-          <a:xfrm>
-            <a:off x="783212" y="1478603"/>
-            <a:ext cx="2965179" cy="2965179"/>
-          </a:xfrm>
-          <a:prstGeom prst="rect">
-            <a:avLst/>
-          </a:prstGeom>
-        </p:spPr>
-      </p:pic>
-    </p:spTree>
-    <p:extLst>
-      <p:ext uri="{BB962C8B-B14F-4D97-AF65-F5344CB8AC3E}">
-        <p14:creationId xmlns:p14="http://schemas.microsoft.com/office/powerpoint/2010/main" val="1785164871"/>
-      </p:ext>
-    </p:extLst>
-  </p:cSld>
-  <p:clrMapOvr>
-    <a:masterClrMapping/>
-  </p:clrMapOvr>
-</p:sld>
-</file>
-
-<file path=ppt/slides/slide17.xml><?xml version="1.0" encoding="utf-8"?>
-<p:sld xmlns:a="http://schemas.openxmlformats.org/drawingml/2006/main" xmlns:r="http://schemas.openxmlformats.org/officeDocument/2006/relationships" xmlns:p="http://schemas.openxmlformats.org/presentationml/2006/main">
-  <p:cSld>
-    <p:spTree>
-      <p:nvGrpSpPr>
-        <p:cNvPr id="1" name=""/>
-        <p:cNvGrpSpPr/>
-        <p:nvPr/>
-      </p:nvGrpSpPr>
-      <p:grpSpPr>
-        <a:xfrm>
-          <a:off x="0" y="0"/>
-          <a:ext cx="0" cy="0"/>
-          <a:chOff x="0" y="0"/>
-          <a:chExt cx="0" cy="0"/>
-        </a:xfrm>
-      </p:grpSpPr>
-      <p:sp>
-        <p:nvSpPr>
-          <p:cNvPr id="2" name="Subtítulo 1">
-            <a:extLst>
-              <a:ext uri="{FF2B5EF4-FFF2-40B4-BE49-F238E27FC236}">
-                <a16:creationId xmlns:a16="http://schemas.microsoft.com/office/drawing/2014/main" id="{29A75048-B2F8-4A8B-9645-CF6D9A7AE10B}"/>
-              </a:ext>
-            </a:extLst>
-          </p:cNvPr>
-          <p:cNvSpPr>
-            <a:spLocks noGrp="1"/>
-          </p:cNvSpPr>
-          <p:nvPr>
-            <p:ph type="subTitle" idx="1"/>
-          </p:nvPr>
-        </p:nvSpPr>
-        <p:spPr>
-          <a:xfrm flipH="1">
-            <a:off x="4008219" y="1587856"/>
-            <a:ext cx="4840506" cy="2763650"/>
-          </a:xfrm>
-        </p:spPr>
-        <p:txBody>
-          <a:bodyPr/>
-          <a:lstStyle/>
-          <a:p>
-            <a:pPr marL="152400" indent="0" algn="just">
-              <a:buNone/>
-            </a:pPr>
-            <a:r>
-              <a:rPr lang="es-CO" sz="1200" dirty="0">
-                <a:latin typeface="Abadi" panose="020B0604020104020204" pitchFamily="34" charset="0"/>
-              </a:rPr>
-              <a:t>El siguiente 7, 7x7=49 y a partir de ahí tachamos todos los múltiplos del 7.</a:t>
-            </a:r>
-          </a:p>
-          <a:p>
-            <a:pPr marL="152400" indent="0" algn="just">
-              <a:buNone/>
-            </a:pPr>
-            <a:endParaRPr lang="es-CO" sz="1200" dirty="0">
-              <a:latin typeface="Abadi" panose="020B0604020104020204" pitchFamily="34" charset="0"/>
-            </a:endParaRPr>
-          </a:p>
-          <a:p>
-            <a:pPr marL="152400" indent="0" algn="just">
-              <a:buNone/>
-            </a:pPr>
-            <a:endParaRPr lang="es-CO" sz="1200" dirty="0">
-              <a:latin typeface="Abadi" panose="020B0604020104020204" pitchFamily="34" charset="0"/>
-            </a:endParaRPr>
-          </a:p>
-          <a:p>
-            <a:pPr marL="152400" indent="0" algn="just">
-              <a:buNone/>
-            </a:pPr>
-            <a:endParaRPr lang="es-CO" sz="1200" dirty="0">
-              <a:latin typeface="Abadi" panose="020B0604020104020204" pitchFamily="34" charset="0"/>
-            </a:endParaRPr>
-          </a:p>
-          <a:p>
-            <a:pPr marL="152400" indent="0" algn="just">
-              <a:buNone/>
-            </a:pPr>
-            <a:r>
-              <a:rPr lang="es-CO" sz="1200" dirty="0">
-                <a:latin typeface="Abadi" panose="020B0604020104020204" pitchFamily="34" charset="0"/>
-              </a:rPr>
-              <a:t>Y terminamos por que el siguiente numero es 11 y 11x11= 121 que se pasa de nuestro rango, los</a:t>
-            </a:r>
-          </a:p>
-          <a:p>
-            <a:pPr marL="152400" indent="0" algn="just">
-              <a:buNone/>
-            </a:pPr>
-            <a:r>
-              <a:rPr lang="es-CO" sz="1200" dirty="0">
-                <a:latin typeface="Abadi" panose="020B0604020104020204" pitchFamily="34" charset="0"/>
-              </a:rPr>
-              <a:t>números primos son los que no han sido marcados</a:t>
-            </a:r>
-          </a:p>
-          <a:p>
-            <a:pPr marL="152400" indent="0" algn="just">
-              <a:buNone/>
-            </a:pPr>
-            <a:endParaRPr lang="es-CO" sz="1200" dirty="0">
-              <a:latin typeface="Abadi" panose="020B0604020104020204" pitchFamily="34" charset="0"/>
-            </a:endParaRPr>
-          </a:p>
-          <a:p>
-            <a:pPr marL="152400" indent="0" algn="just">
-              <a:buNone/>
-            </a:pPr>
-            <a:endParaRPr lang="es-CO" sz="1200" dirty="0">
-              <a:latin typeface="Abadi" panose="020B0604020104020204" pitchFamily="34" charset="0"/>
-            </a:endParaRPr>
-          </a:p>
-        </p:txBody>
-      </p:sp>
-      <p:pic>
-        <p:nvPicPr>
-          <p:cNvPr id="4" name="Picture 4" descr="Símbolos Universitarios – Universidad de Nariño">
-            <a:extLst>
-              <a:ext uri="{FF2B5EF4-FFF2-40B4-BE49-F238E27FC236}">
-                <a16:creationId xmlns:a16="http://schemas.microsoft.com/office/drawing/2014/main" id="{0B2EA667-CB57-4DF8-BB35-E9AFDF367C2B}"/>
-              </a:ext>
-            </a:extLst>
-          </p:cNvPr>
-          <p:cNvPicPr>
-            <a:picLocks noChangeAspect="1" noChangeArrowheads="1"/>
-          </p:cNvPicPr>
-          <p:nvPr/>
-        </p:nvPicPr>
-        <p:blipFill>
-          <a:blip r:embed="rId2">
-            <a:extLst>
-              <a:ext uri="{28A0092B-C50C-407E-A947-70E740481C1C}">
-                <a14:useLocalDpi xmlns:a14="http://schemas.microsoft.com/office/drawing/2010/main" val="0"/>
-              </a:ext>
-            </a:extLst>
-          </a:blip>
-          <a:srcRect/>
-          <a:stretch>
-            <a:fillRect/>
-          </a:stretch>
-        </p:blipFill>
-        <p:spPr bwMode="auto">
-          <a:xfrm>
-            <a:off x="261990" y="192093"/>
-            <a:ext cx="660961" cy="660961"/>
-          </a:xfrm>
-          <a:prstGeom prst="rect">
-            <a:avLst/>
-          </a:prstGeom>
-          <a:noFill/>
-          <a:extLst>
-            <a:ext uri="{909E8E84-426E-40DD-AFC4-6F175D3DCCD1}">
-              <a14:hiddenFill xmlns:a14="http://schemas.microsoft.com/office/drawing/2010/main">
-                <a:solidFill>
-                  <a:srgbClr val="FFFFFF"/>
-                </a:solidFill>
-              </a14:hiddenFill>
-            </a:ext>
-          </a:extLst>
-        </p:spPr>
-      </p:pic>
-      <p:pic>
-        <p:nvPicPr>
-          <p:cNvPr id="5" name="Imagen 4">
-            <a:extLst>
-              <a:ext uri="{FF2B5EF4-FFF2-40B4-BE49-F238E27FC236}">
-                <a16:creationId xmlns:a16="http://schemas.microsoft.com/office/drawing/2014/main" id="{1B46FA37-FA47-4459-8828-383FB697E3AF}"/>
-              </a:ext>
-            </a:extLst>
-          </p:cNvPr>
-          <p:cNvPicPr>
-            <a:picLocks noChangeAspect="1"/>
-          </p:cNvPicPr>
-          <p:nvPr/>
-        </p:nvPicPr>
-        <p:blipFill rotWithShape="1">
-          <a:blip r:embed="rId3"/>
-          <a:srcRect l="53279" t="4713" r="5319"/>
-          <a:stretch/>
-        </p:blipFill>
-        <p:spPr>
-          <a:xfrm>
-            <a:off x="1071372" y="144121"/>
-            <a:ext cx="918577" cy="804385"/>
-          </a:xfrm>
-          <a:prstGeom prst="ellipse">
-            <a:avLst/>
-          </a:prstGeom>
-          <a:ln>
-            <a:noFill/>
-          </a:ln>
-          <a:effectLst>
-            <a:softEdge rad="112500"/>
-          </a:effectLst>
-        </p:spPr>
-      </p:pic>
-      <p:sp>
-        <p:nvSpPr>
-          <p:cNvPr id="6" name="Rectángulo 5">
-            <a:extLst>
-              <a:ext uri="{FF2B5EF4-FFF2-40B4-BE49-F238E27FC236}">
-                <a16:creationId xmlns:a16="http://schemas.microsoft.com/office/drawing/2014/main" id="{EC2D0E56-7D0C-40D0-8E56-B8801C98D13A}"/>
-              </a:ext>
-            </a:extLst>
-          </p:cNvPr>
-          <p:cNvSpPr/>
-          <p:nvPr/>
-        </p:nvSpPr>
-        <p:spPr>
-          <a:xfrm>
-            <a:off x="477806" y="1288421"/>
-            <a:ext cx="3521783" cy="3355041"/>
-          </a:xfrm>
-          <a:prstGeom prst="rect">
-            <a:avLst/>
-          </a:prstGeom>
-          <a:solidFill>
-            <a:srgbClr val="FFFFFF"/>
-          </a:solidFill>
-          <a:ln>
-            <a:solidFill>
-              <a:srgbClr val="BAF7C9"/>
-            </a:solidFill>
-          </a:ln>
-        </p:spPr>
-        <p:style>
-          <a:lnRef idx="2">
-            <a:schemeClr val="accent1">
-              <a:shade val="50000"/>
-            </a:schemeClr>
-          </a:lnRef>
-          <a:fillRef idx="1">
-            <a:schemeClr val="accent1"/>
-          </a:fillRef>
-          <a:effectRef idx="0">
-            <a:schemeClr val="accent1"/>
-          </a:effectRef>
-          <a:fontRef idx="minor">
-            <a:schemeClr val="lt1"/>
-          </a:fontRef>
-        </p:style>
-        <p:txBody>
-          <a:bodyPr rtlCol="0" anchor="ctr"/>
-          <a:lstStyle/>
-          <a:p>
-            <a:pPr algn="ctr"/>
-            <a:endParaRPr lang="es-CO"/>
-          </a:p>
-        </p:txBody>
-      </p:sp>
-      <p:sp>
-        <p:nvSpPr>
-          <p:cNvPr id="10" name="Título 2">
-            <a:extLst>
-              <a:ext uri="{FF2B5EF4-FFF2-40B4-BE49-F238E27FC236}">
-                <a16:creationId xmlns:a16="http://schemas.microsoft.com/office/drawing/2014/main" id="{4B4F06C2-20E6-40C1-BAD4-30FB77130CD3}"/>
-              </a:ext>
-            </a:extLst>
-          </p:cNvPr>
-          <p:cNvSpPr>
-            <a:spLocks noGrp="1"/>
-          </p:cNvSpPr>
-          <p:nvPr>
-            <p:ph type="ctrTitle"/>
-          </p:nvPr>
-        </p:nvSpPr>
-        <p:spPr>
-          <a:xfrm>
-            <a:off x="5653088" y="371475"/>
-            <a:ext cx="3195637" cy="481013"/>
-          </a:xfrm>
-        </p:spPr>
-        <p:txBody>
-          <a:bodyPr/>
-          <a:lstStyle/>
-          <a:p>
-            <a:r>
-              <a:rPr lang="es-CO" dirty="0"/>
-              <a:t>Criba de Eratóstenes</a:t>
-            </a:r>
-          </a:p>
-        </p:txBody>
-      </p:sp>
-      <p:pic>
-        <p:nvPicPr>
-          <p:cNvPr id="8" name="Imagen 7">
-            <a:extLst>
-              <a:ext uri="{FF2B5EF4-FFF2-40B4-BE49-F238E27FC236}">
-                <a16:creationId xmlns:a16="http://schemas.microsoft.com/office/drawing/2014/main" id="{2B7A49A2-811A-45DA-A005-D5FA1CD764C1}"/>
-              </a:ext>
-            </a:extLst>
-          </p:cNvPr>
-          <p:cNvPicPr>
-            <a:picLocks noChangeAspect="1"/>
-          </p:cNvPicPr>
-          <p:nvPr/>
-        </p:nvPicPr>
-        <p:blipFill>
-          <a:blip r:embed="rId4"/>
-          <a:stretch>
-            <a:fillRect/>
-          </a:stretch>
-        </p:blipFill>
-        <p:spPr>
-          <a:xfrm>
-            <a:off x="700390" y="1445083"/>
-            <a:ext cx="3062929" cy="3075035"/>
-          </a:xfrm>
-          <a:prstGeom prst="rect">
-            <a:avLst/>
-          </a:prstGeom>
-        </p:spPr>
-      </p:pic>
-    </p:spTree>
-    <p:extLst>
-      <p:ext uri="{BB962C8B-B14F-4D97-AF65-F5344CB8AC3E}">
-        <p14:creationId xmlns:p14="http://schemas.microsoft.com/office/powerpoint/2010/main" val="2148881246"/>
-      </p:ext>
-    </p:extLst>
-  </p:cSld>
-  <p:clrMapOvr>
-    <a:masterClrMapping/>
-  </p:clrMapOvr>
-</p:sld>
-</file>
-
-<file path=ppt/slides/slide18.xml><?xml version="1.0" encoding="utf-8"?>
-<p:sld xmlns:a="http://schemas.openxmlformats.org/drawingml/2006/main" xmlns:r="http://schemas.openxmlformats.org/officeDocument/2006/relationships" xmlns:p="http://schemas.openxmlformats.org/presentationml/2006/main">
-  <p:cSld>
-    <p:spTree>
-      <p:nvGrpSpPr>
-        <p:cNvPr id="1" name=""/>
-        <p:cNvGrpSpPr/>
-        <p:nvPr/>
-      </p:nvGrpSpPr>
-      <p:grpSpPr>
-        <a:xfrm>
-          <a:off x="0" y="0"/>
-          <a:ext cx="0" cy="0"/>
-          <a:chOff x="0" y="0"/>
-          <a:chExt cx="0" cy="0"/>
-        </a:xfrm>
-      </p:grpSpPr>
-      <mc:AlternateContent xmlns:mc="http://schemas.openxmlformats.org/markup-compatibility/2006" xmlns:a14="http://schemas.microsoft.com/office/drawing/2010/main">
-        <mc:Choice Requires="a14">
-          <p:sp>
-            <p:nvSpPr>
-              <p:cNvPr id="2" name="Subtítulo 1">
-                <a:extLst>
-                  <a:ext uri="{FF2B5EF4-FFF2-40B4-BE49-F238E27FC236}">
-                    <a16:creationId xmlns:a16="http://schemas.microsoft.com/office/drawing/2014/main" id="{29A75048-B2F8-4A8B-9645-CF6D9A7AE10B}"/>
-                  </a:ext>
-                </a:extLst>
-              </p:cNvPr>
-              <p:cNvSpPr>
-                <a:spLocks noGrp="1"/>
-              </p:cNvSpPr>
-              <p:nvPr>
-                <p:ph type="subTitle" idx="1"/>
-              </p:nvPr>
-            </p:nvSpPr>
-            <p:spPr>
-              <a:xfrm flipH="1">
-                <a:off x="3904322" y="1517500"/>
-                <a:ext cx="4873792" cy="2763650"/>
-              </a:xfrm>
-            </p:spPr>
-            <p:txBody>
-              <a:bodyPr/>
-              <a:lstStyle/>
-              <a:p>
-                <a:pPr marL="152400" indent="0" algn="just">
-                  <a:buNone/>
-                </a:pPr>
-                <a:endParaRPr lang="es-CO" sz="1200" dirty="0">
-                  <a:latin typeface="Abadi" panose="020B0604020104020204" pitchFamily="34" charset="0"/>
-                </a:endParaRPr>
-              </a:p>
-              <a:p>
-                <a:pPr marL="152400" indent="0" algn="just">
-                  <a:buNone/>
-                </a:pPr>
-                <a:r>
-                  <a:rPr lang="es-CO" sz="1200" dirty="0">
-                    <a:latin typeface="Abadi" panose="020B0604020104020204" pitchFamily="34" charset="0"/>
-                  </a:rPr>
-                  <a:t>La potenciación rápida es un algoritmo para calcular la potencia enésima de cualquier estructura donde este definida la multiplicación y el algoritmo es el siguiente: mientras exponente sea diferente de 0 se repiten los siguientes pasos:</a:t>
-                </a:r>
-              </a:p>
-              <a:p>
-                <a:pPr marL="323850" indent="-171450" algn="just">
-                  <a:buFont typeface="Arial" panose="020B0604020202020204" pitchFamily="34" charset="0"/>
-                  <a:buChar char="•"/>
-                </a:pPr>
-                <a:r>
-                  <a:rPr lang="es-CO" sz="1200" dirty="0">
-                    <a:latin typeface="Abadi" panose="020B0604020104020204" pitchFamily="34" charset="0"/>
-                  </a:rPr>
-                  <a:t>Hacemos el resultado igual a la unidad, si el exponente es impar multiplicamos el resultado por nuestra base ósea </a:t>
-                </a:r>
-                <a14:m>
-                  <m:oMath xmlns:m="http://schemas.openxmlformats.org/officeDocument/2006/math">
-                    <m:r>
-                      <a:rPr lang="es-CO" sz="1200" b="0" i="1" smtClean="0">
-                        <a:latin typeface="Cambria Math" panose="02040503050406030204" pitchFamily="18" charset="0"/>
-                      </a:rPr>
-                      <m:t>𝑟𝑒𝑠𝑢𝑙𝑡𝑎𝑑𝑜</m:t>
-                    </m:r>
-                    <m:r>
-                      <a:rPr lang="es-CO" sz="1200" b="0" i="1" smtClean="0">
-                        <a:latin typeface="Cambria Math" panose="02040503050406030204" pitchFamily="18" charset="0"/>
-                      </a:rPr>
-                      <m:t>=</m:t>
-                    </m:r>
-                    <m:d>
-                      <m:dPr>
-                        <m:ctrlPr>
-                          <a:rPr lang="es-CO" sz="1200" b="0" i="1" smtClean="0">
-                            <a:latin typeface="Cambria Math" panose="02040503050406030204" pitchFamily="18" charset="0"/>
-                          </a:rPr>
-                        </m:ctrlPr>
-                      </m:dPr>
-                      <m:e>
-                        <m:r>
-                          <a:rPr lang="es-CO" sz="1200" b="0" i="1" smtClean="0">
-                            <a:latin typeface="Cambria Math" panose="02040503050406030204" pitchFamily="18" charset="0"/>
-                          </a:rPr>
-                          <m:t>𝑟𝑒𝑠𝑢𝑙𝑡𝑎𝑑𝑜</m:t>
-                        </m:r>
-                      </m:e>
-                    </m:d>
-                    <m:d>
-                      <m:dPr>
-                        <m:ctrlPr>
-                          <a:rPr lang="es-CO" sz="1200" b="0" i="1" smtClean="0">
-                            <a:latin typeface="Cambria Math" panose="02040503050406030204" pitchFamily="18" charset="0"/>
-                          </a:rPr>
-                        </m:ctrlPr>
-                      </m:dPr>
-                      <m:e>
-                        <m:r>
-                          <a:rPr lang="es-CO" sz="1200" b="0" i="1" smtClean="0">
-                            <a:latin typeface="Cambria Math" panose="02040503050406030204" pitchFamily="18" charset="0"/>
-                          </a:rPr>
-                          <m:t>𝑏𝑎𝑠𝑒</m:t>
-                        </m:r>
-                      </m:e>
-                    </m:d>
-                  </m:oMath>
-                </a14:m>
-                <a:endParaRPr lang="es-CO" sz="1200" dirty="0">
-                  <a:latin typeface="Abadi" panose="020B0604020104020204" pitchFamily="34" charset="0"/>
-                </a:endParaRPr>
-              </a:p>
-              <a:p>
-                <a:pPr marL="323850" indent="-171450" algn="just">
-                  <a:buFont typeface="Arial" panose="020B0604020202020204" pitchFamily="34" charset="0"/>
-                  <a:buChar char="•"/>
-                </a:pPr>
-                <a:r>
-                  <a:rPr lang="es-CO" sz="1200" dirty="0">
-                    <a:latin typeface="Abadi" panose="020B0604020104020204" pitchFamily="34" charset="0"/>
-                  </a:rPr>
-                  <a:t>hacemos la </a:t>
-                </a:r>
-                <a14:m>
-                  <m:oMath xmlns:m="http://schemas.openxmlformats.org/officeDocument/2006/math">
-                    <m:r>
-                      <a:rPr lang="es-CO" sz="1200" b="0" i="1" smtClean="0">
-                        <a:latin typeface="Cambria Math" panose="02040503050406030204" pitchFamily="18" charset="0"/>
-                      </a:rPr>
-                      <m:t>𝑏𝑎𝑠𝑒</m:t>
-                    </m:r>
-                    <m:r>
-                      <a:rPr lang="es-CO" sz="1200" b="0" i="1" smtClean="0">
-                        <a:latin typeface="Cambria Math" panose="02040503050406030204" pitchFamily="18" charset="0"/>
-                      </a:rPr>
-                      <m:t>=</m:t>
-                    </m:r>
-                    <m:d>
-                      <m:dPr>
-                        <m:ctrlPr>
-                          <a:rPr lang="es-CO" sz="1200" b="0" i="1" smtClean="0">
-                            <a:latin typeface="Cambria Math" panose="02040503050406030204" pitchFamily="18" charset="0"/>
-                          </a:rPr>
-                        </m:ctrlPr>
-                      </m:dPr>
-                      <m:e>
-                        <m:r>
-                          <a:rPr lang="es-CO" sz="1200" b="0" i="1" smtClean="0">
-                            <a:latin typeface="Cambria Math" panose="02040503050406030204" pitchFamily="18" charset="0"/>
-                          </a:rPr>
-                          <m:t>𝑏𝑎𝑠𝑒</m:t>
-                        </m:r>
-                      </m:e>
-                    </m:d>
-                    <m:d>
-                      <m:dPr>
-                        <m:ctrlPr>
-                          <a:rPr lang="es-CO" sz="1200" b="0" i="1" smtClean="0">
-                            <a:latin typeface="Cambria Math" panose="02040503050406030204" pitchFamily="18" charset="0"/>
-                          </a:rPr>
-                        </m:ctrlPr>
-                      </m:dPr>
-                      <m:e>
-                        <m:r>
-                          <a:rPr lang="es-CO" sz="1200" b="0" i="1" smtClean="0">
-                            <a:latin typeface="Cambria Math" panose="02040503050406030204" pitchFamily="18" charset="0"/>
-                          </a:rPr>
-                          <m:t>𝑏𝑎𝑠𝑒</m:t>
-                        </m:r>
-                      </m:e>
-                    </m:d>
-                  </m:oMath>
-                </a14:m>
-                <a:endParaRPr lang="es-CO" sz="1200" dirty="0">
-                  <a:latin typeface="Abadi" panose="020B0604020104020204" pitchFamily="34" charset="0"/>
-                </a:endParaRPr>
-              </a:p>
-              <a:p>
-                <a:pPr marL="323850" indent="-171450" algn="just">
-                  <a:buFont typeface="Arial" panose="020B0604020202020204" pitchFamily="34" charset="0"/>
-                  <a:buChar char="•"/>
-                </a:pPr>
-                <a:r>
-                  <a:rPr lang="es-CO" sz="1200" dirty="0">
-                    <a:latin typeface="Abadi" panose="020B0604020104020204" pitchFamily="34" charset="0"/>
-                  </a:rPr>
-                  <a:t>tomamos la parte entera de dividir nuestro exponente por 2, </a:t>
-                </a:r>
-                <a14:m>
-                  <m:oMath xmlns:m="http://schemas.openxmlformats.org/officeDocument/2006/math">
-                    <m:r>
-                      <a:rPr lang="es-CO" sz="1200" b="0" i="1" smtClean="0">
-                        <a:latin typeface="Cambria Math" panose="02040503050406030204" pitchFamily="18" charset="0"/>
-                      </a:rPr>
-                      <m:t>𝑒𝑥𝑝𝑜𝑛𝑒𝑛𝑡𝑒</m:t>
-                    </m:r>
-                    <m:r>
-                      <a:rPr lang="es-CO" sz="1200" b="0" i="1" smtClean="0">
-                        <a:latin typeface="Cambria Math" panose="02040503050406030204" pitchFamily="18" charset="0"/>
-                      </a:rPr>
-                      <m:t>=</m:t>
-                    </m:r>
-                    <m:f>
-                      <m:fPr>
-                        <m:ctrlPr>
-                          <a:rPr lang="es-CO" sz="1200" b="0" i="1" smtClean="0">
-                            <a:latin typeface="Cambria Math" panose="02040503050406030204" pitchFamily="18" charset="0"/>
-                          </a:rPr>
-                        </m:ctrlPr>
-                      </m:fPr>
-                      <m:num>
-                        <m:r>
-                          <a:rPr lang="es-CO" sz="1200" b="0" i="1" smtClean="0">
-                            <a:latin typeface="Cambria Math" panose="02040503050406030204" pitchFamily="18" charset="0"/>
-                          </a:rPr>
-                          <m:t>𝑒𝑥𝑝𝑜𝑛𝑒𝑛𝑡𝑒</m:t>
-                        </m:r>
-                      </m:num>
-                      <m:den>
-                        <m:r>
-                          <a:rPr lang="es-CO" sz="1200" b="0" i="1" smtClean="0">
-                            <a:latin typeface="Cambria Math" panose="02040503050406030204" pitchFamily="18" charset="0"/>
-                          </a:rPr>
-                          <m:t>2</m:t>
-                        </m:r>
-                      </m:den>
-                    </m:f>
-                  </m:oMath>
-                </a14:m>
-                <a:r>
-                  <a:rPr lang="es-CO" sz="1200" dirty="0">
-                    <a:latin typeface="Abadi" panose="020B0604020104020204" pitchFamily="34" charset="0"/>
-                  </a:rPr>
-                  <a:t> estamos utilizando la propiedad de la potenciación que dice </a:t>
-                </a:r>
-                <a14:m>
-                  <m:oMath xmlns:m="http://schemas.openxmlformats.org/officeDocument/2006/math">
-                    <m:sSup>
-                      <m:sSupPr>
-                        <m:ctrlPr>
-                          <a:rPr lang="es-CO" sz="1200" i="1" smtClean="0">
-                            <a:latin typeface="Cambria Math" panose="02040503050406030204" pitchFamily="18" charset="0"/>
-                          </a:rPr>
-                        </m:ctrlPr>
-                      </m:sSupPr>
-                      <m:e>
-                        <m:d>
-                          <m:dPr>
-                            <m:ctrlPr>
-                              <a:rPr lang="es-CO" sz="1200" i="1">
-                                <a:latin typeface="Cambria Math" panose="02040503050406030204" pitchFamily="18" charset="0"/>
-                              </a:rPr>
-                            </m:ctrlPr>
-                          </m:dPr>
-                          <m:e>
-                            <m:sSup>
-                              <m:sSupPr>
-                                <m:ctrlPr>
-                                  <a:rPr lang="es-CO" sz="1200" i="1">
-                                    <a:latin typeface="Cambria Math" panose="02040503050406030204" pitchFamily="18" charset="0"/>
-                                  </a:rPr>
-                                </m:ctrlPr>
-                              </m:sSupPr>
-                              <m:e>
-                                <m:r>
-                                  <a:rPr lang="es-CO" sz="1200" i="1">
-                                    <a:latin typeface="Cambria Math" panose="02040503050406030204" pitchFamily="18" charset="0"/>
-                                  </a:rPr>
-                                  <m:t>2</m:t>
-                                </m:r>
-                              </m:e>
-                              <m:sup>
-                                <m:r>
-                                  <a:rPr lang="es-CO" sz="1200" i="1">
-                                    <a:latin typeface="Cambria Math" panose="02040503050406030204" pitchFamily="18" charset="0"/>
-                                  </a:rPr>
-                                  <m:t>𝑛</m:t>
-                                </m:r>
-                              </m:sup>
-                            </m:sSup>
-                          </m:e>
-                        </m:d>
-                      </m:e>
-                      <m:sup>
-                        <m:r>
-                          <a:rPr lang="es-CO" sz="1200" b="0" i="1" smtClean="0">
-                            <a:latin typeface="Cambria Math" panose="02040503050406030204" pitchFamily="18" charset="0"/>
-                          </a:rPr>
-                          <m:t>𝑚</m:t>
-                        </m:r>
-                      </m:sup>
-                    </m:sSup>
-                    <m:r>
-                      <a:rPr lang="es-CO" sz="1200" b="0" i="1" smtClean="0">
-                        <a:latin typeface="Cambria Math" panose="02040503050406030204" pitchFamily="18" charset="0"/>
-                      </a:rPr>
-                      <m:t>=</m:t>
-                    </m:r>
-                    <m:sSup>
-                      <m:sSupPr>
-                        <m:ctrlPr>
-                          <a:rPr lang="es-CO" sz="1200" b="0" i="1" smtClean="0">
-                            <a:latin typeface="Cambria Math" panose="02040503050406030204" pitchFamily="18" charset="0"/>
-                          </a:rPr>
-                        </m:ctrlPr>
-                      </m:sSupPr>
-                      <m:e>
-                        <m:r>
-                          <a:rPr lang="es-CO" sz="1200" b="0" i="1" smtClean="0">
-                            <a:latin typeface="Cambria Math" panose="02040503050406030204" pitchFamily="18" charset="0"/>
-                          </a:rPr>
-                          <m:t>2</m:t>
-                        </m:r>
-                      </m:e>
-                      <m:sup>
-                        <m:r>
-                          <a:rPr lang="es-CO" sz="1200" b="0" i="1" smtClean="0">
-                            <a:latin typeface="Cambria Math" panose="02040503050406030204" pitchFamily="18" charset="0"/>
-                          </a:rPr>
-                          <m:t>𝑛𝑚</m:t>
-                        </m:r>
-                      </m:sup>
-                    </m:sSup>
-                  </m:oMath>
-                </a14:m>
-                <a:endParaRPr lang="es-CO" sz="1200" dirty="0">
-                  <a:latin typeface="Abadi" panose="020B0604020104020204" pitchFamily="34" charset="0"/>
-                </a:endParaRPr>
-              </a:p>
-            </p:txBody>
-          </p:sp>
-        </mc:Choice>
-        <mc:Fallback xmlns="">
-          <p:sp>
-            <p:nvSpPr>
-              <p:cNvPr id="2" name="Subtítulo 1">
-                <a:extLst>
-                  <a:ext uri="{FF2B5EF4-FFF2-40B4-BE49-F238E27FC236}">
-                    <a16:creationId xmlns:a16="http://schemas.microsoft.com/office/drawing/2014/main" id="{29A75048-B2F8-4A8B-9645-CF6D9A7AE10B}"/>
-                  </a:ext>
-                </a:extLst>
-              </p:cNvPr>
-              <p:cNvSpPr>
-                <a:spLocks noGrp="1" noRot="1" noChangeAspect="1" noMove="1" noResize="1" noEditPoints="1" noAdjustHandles="1" noChangeArrowheads="1" noChangeShapeType="1" noTextEdit="1"/>
-              </p:cNvSpPr>
-              <p:nvPr>
-                <p:ph type="subTitle" idx="1"/>
-              </p:nvPr>
-            </p:nvSpPr>
-            <p:spPr>
-              <a:xfrm flipH="1">
-                <a:off x="3904322" y="1517500"/>
-                <a:ext cx="4873792" cy="2763650"/>
-              </a:xfrm>
-              <a:blipFill>
-                <a:blip r:embed="rId2"/>
-                <a:stretch>
-                  <a:fillRect/>
-                </a:stretch>
-              </a:blipFill>
-            </p:spPr>
-            <p:txBody>
-              <a:bodyPr/>
-              <a:lstStyle/>
-              <a:p>
-                <a:r>
-                  <a:rPr lang="es-CO">
-                    <a:noFill/>
-                  </a:rPr>
-                  <a:t> </a:t>
-                </a:r>
-              </a:p>
-            </p:txBody>
-          </p:sp>
-        </mc:Fallback>
-      </mc:AlternateContent>
-      <p:pic>
-        <p:nvPicPr>
-          <p:cNvPr id="4" name="Picture 4" descr="Símbolos Universitarios – Universidad de Nariño">
-            <a:extLst>
-              <a:ext uri="{FF2B5EF4-FFF2-40B4-BE49-F238E27FC236}">
-                <a16:creationId xmlns:a16="http://schemas.microsoft.com/office/drawing/2014/main" id="{0B2EA667-CB57-4DF8-BB35-E9AFDF367C2B}"/>
-              </a:ext>
-            </a:extLst>
-          </p:cNvPr>
-          <p:cNvPicPr>
-            <a:picLocks noChangeAspect="1" noChangeArrowheads="1"/>
-          </p:cNvPicPr>
-          <p:nvPr/>
-        </p:nvPicPr>
-        <p:blipFill>
-          <a:blip r:embed="rId3">
-            <a:extLst>
-              <a:ext uri="{28A0092B-C50C-407E-A947-70E740481C1C}">
-                <a14:useLocalDpi xmlns:a14="http://schemas.microsoft.com/office/drawing/2010/main" val="0"/>
-              </a:ext>
-            </a:extLst>
-          </a:blip>
-          <a:srcRect/>
-          <a:stretch>
-            <a:fillRect/>
-          </a:stretch>
-        </p:blipFill>
-        <p:spPr bwMode="auto">
-          <a:xfrm>
-            <a:off x="261990" y="192093"/>
-            <a:ext cx="660961" cy="660961"/>
-          </a:xfrm>
-          <a:prstGeom prst="rect">
-            <a:avLst/>
-          </a:prstGeom>
-          <a:noFill/>
-          <a:extLst>
-            <a:ext uri="{909E8E84-426E-40DD-AFC4-6F175D3DCCD1}">
-              <a14:hiddenFill xmlns:a14="http://schemas.microsoft.com/office/drawing/2010/main">
-                <a:solidFill>
-                  <a:srgbClr val="FFFFFF"/>
-                </a:solidFill>
-              </a14:hiddenFill>
-            </a:ext>
-          </a:extLst>
-        </p:spPr>
-      </p:pic>
-      <p:pic>
-        <p:nvPicPr>
-          <p:cNvPr id="5" name="Imagen 4">
-            <a:extLst>
-              <a:ext uri="{FF2B5EF4-FFF2-40B4-BE49-F238E27FC236}">
-                <a16:creationId xmlns:a16="http://schemas.microsoft.com/office/drawing/2014/main" id="{1B46FA37-FA47-4459-8828-383FB697E3AF}"/>
-              </a:ext>
-            </a:extLst>
-          </p:cNvPr>
-          <p:cNvPicPr>
-            <a:picLocks noChangeAspect="1"/>
-          </p:cNvPicPr>
-          <p:nvPr/>
-        </p:nvPicPr>
-        <p:blipFill rotWithShape="1">
-          <a:blip r:embed="rId4"/>
-          <a:srcRect l="53279" t="4713" r="5319"/>
-          <a:stretch/>
-        </p:blipFill>
-        <p:spPr>
-          <a:xfrm>
-            <a:off x="1071372" y="144121"/>
-            <a:ext cx="918577" cy="804385"/>
-          </a:xfrm>
-          <a:prstGeom prst="ellipse">
-            <a:avLst/>
-          </a:prstGeom>
-          <a:ln>
-            <a:noFill/>
-          </a:ln>
-          <a:effectLst>
-            <a:softEdge rad="112500"/>
-          </a:effectLst>
-        </p:spPr>
-      </p:pic>
-      <p:sp>
-        <p:nvSpPr>
-          <p:cNvPr id="6" name="Rectángulo 5">
-            <a:extLst>
-              <a:ext uri="{FF2B5EF4-FFF2-40B4-BE49-F238E27FC236}">
-                <a16:creationId xmlns:a16="http://schemas.microsoft.com/office/drawing/2014/main" id="{EC2D0E56-7D0C-40D0-8E56-B8801C98D13A}"/>
-              </a:ext>
-            </a:extLst>
-          </p:cNvPr>
-          <p:cNvSpPr/>
-          <p:nvPr/>
-        </p:nvSpPr>
-        <p:spPr>
-          <a:xfrm>
-            <a:off x="477806" y="1288421"/>
-            <a:ext cx="3361377" cy="3355041"/>
-          </a:xfrm>
-          <a:prstGeom prst="rect">
-            <a:avLst/>
-          </a:prstGeom>
-          <a:solidFill>
-            <a:srgbClr val="FFFFFF"/>
-          </a:solidFill>
-          <a:ln>
-            <a:solidFill>
-              <a:srgbClr val="BAF7C9"/>
-            </a:solidFill>
-          </a:ln>
-        </p:spPr>
-        <p:style>
-          <a:lnRef idx="2">
-            <a:schemeClr val="accent1">
-              <a:shade val="50000"/>
-            </a:schemeClr>
-          </a:lnRef>
-          <a:fillRef idx="1">
-            <a:schemeClr val="accent1"/>
-          </a:fillRef>
-          <a:effectRef idx="0">
-            <a:schemeClr val="accent1"/>
-          </a:effectRef>
-          <a:fontRef idx="minor">
-            <a:schemeClr val="lt1"/>
-          </a:fontRef>
-        </p:style>
-        <p:txBody>
-          <a:bodyPr rtlCol="0" anchor="ctr"/>
-          <a:lstStyle/>
-          <a:p>
-            <a:pPr algn="ctr"/>
-            <a:endParaRPr lang="es-CO"/>
-          </a:p>
-        </p:txBody>
-      </p:sp>
-      <p:sp>
-        <p:nvSpPr>
-          <p:cNvPr id="10" name="Título 2">
-            <a:extLst>
-              <a:ext uri="{FF2B5EF4-FFF2-40B4-BE49-F238E27FC236}">
-                <a16:creationId xmlns:a16="http://schemas.microsoft.com/office/drawing/2014/main" id="{4B4F06C2-20E6-40C1-BAD4-30FB77130CD3}"/>
-              </a:ext>
-            </a:extLst>
-          </p:cNvPr>
-          <p:cNvSpPr>
-            <a:spLocks noGrp="1"/>
-          </p:cNvSpPr>
-          <p:nvPr>
-            <p:ph type="ctrTitle"/>
-          </p:nvPr>
-        </p:nvSpPr>
-        <p:spPr>
-          <a:xfrm>
-            <a:off x="5686373" y="372041"/>
-            <a:ext cx="3195637" cy="481013"/>
-          </a:xfrm>
-        </p:spPr>
-        <p:txBody>
-          <a:bodyPr/>
-          <a:lstStyle/>
-          <a:p>
-            <a:r>
-              <a:rPr lang="es-CO" dirty="0"/>
-              <a:t>Potenciación rápida </a:t>
-            </a:r>
-          </a:p>
-        </p:txBody>
-      </p:sp>
-      <p:pic>
-        <p:nvPicPr>
-          <p:cNvPr id="7" name="Imagen 6" descr="Diagrama&#10;&#10;Descripción generada automáticamente con confianza media">
-            <a:extLst>
-              <a:ext uri="{FF2B5EF4-FFF2-40B4-BE49-F238E27FC236}">
-                <a16:creationId xmlns:a16="http://schemas.microsoft.com/office/drawing/2014/main" id="{D734F0AA-2BD4-4222-BC1B-8187D729261E}"/>
-              </a:ext>
-            </a:extLst>
-          </p:cNvPr>
-          <p:cNvPicPr>
-            <a:picLocks noChangeAspect="1"/>
-          </p:cNvPicPr>
-          <p:nvPr/>
-        </p:nvPicPr>
-        <p:blipFill>
-          <a:blip r:embed="rId5"/>
-          <a:stretch>
-            <a:fillRect/>
-          </a:stretch>
-        </p:blipFill>
-        <p:spPr>
-          <a:xfrm>
-            <a:off x="663424" y="2395369"/>
-            <a:ext cx="2990140" cy="1007912"/>
-          </a:xfrm>
-          <a:prstGeom prst="rect">
-            <a:avLst/>
-          </a:prstGeom>
-        </p:spPr>
-      </p:pic>
-    </p:spTree>
-    <p:extLst>
-      <p:ext uri="{BB962C8B-B14F-4D97-AF65-F5344CB8AC3E}">
-        <p14:creationId xmlns:p14="http://schemas.microsoft.com/office/powerpoint/2010/main" val="4062622684"/>
-      </p:ext>
-    </p:extLst>
-  </p:cSld>
-  <p:clrMapOvr>
-    <a:masterClrMapping/>
-  </p:clrMapOvr>
-</p:sld>
-</file>
-
-<file path=ppt/slides/slide19.xml><?xml version="1.0" encoding="utf-8"?>
-<p:sld xmlns:a="http://schemas.openxmlformats.org/drawingml/2006/main" xmlns:r="http://schemas.openxmlformats.org/officeDocument/2006/relationships" xmlns:p="http://schemas.openxmlformats.org/presentationml/2006/main">
-  <p:cSld>
-    <p:spTree>
-      <p:nvGrpSpPr>
-        <p:cNvPr id="1" name=""/>
-        <p:cNvGrpSpPr/>
-        <p:nvPr/>
-      </p:nvGrpSpPr>
-      <p:grpSpPr>
-        <a:xfrm>
-          <a:off x="0" y="0"/>
-          <a:ext cx="0" cy="0"/>
-          <a:chOff x="0" y="0"/>
-          <a:chExt cx="0" cy="0"/>
-        </a:xfrm>
-      </p:grpSpPr>
-      <p:sp>
-        <p:nvSpPr>
-          <p:cNvPr id="26" name="Rectángulo 25">
-            <a:extLst>
-              <a:ext uri="{FF2B5EF4-FFF2-40B4-BE49-F238E27FC236}">
-                <a16:creationId xmlns:a16="http://schemas.microsoft.com/office/drawing/2014/main" id="{20871D08-49C4-4991-A1DB-2916029C3E9B}"/>
-              </a:ext>
-            </a:extLst>
-          </p:cNvPr>
-          <p:cNvSpPr/>
-          <p:nvPr/>
-        </p:nvSpPr>
-        <p:spPr>
-          <a:xfrm>
-            <a:off x="1111703" y="1696278"/>
-            <a:ext cx="6879357" cy="2822713"/>
-          </a:xfrm>
-          <a:prstGeom prst="rect">
-            <a:avLst/>
-          </a:prstGeom>
-          <a:solidFill>
-            <a:srgbClr val="F7F7F7"/>
-          </a:solidFill>
-        </p:spPr>
-        <p:style>
-          <a:lnRef idx="2">
-            <a:schemeClr val="accent1">
-              <a:shade val="50000"/>
-            </a:schemeClr>
-          </a:lnRef>
-          <a:fillRef idx="1">
-            <a:schemeClr val="accent1"/>
-          </a:fillRef>
-          <a:effectRef idx="0">
-            <a:schemeClr val="accent1"/>
-          </a:effectRef>
-          <a:fontRef idx="minor">
-            <a:schemeClr val="lt1"/>
-          </a:fontRef>
-        </p:style>
-        <p:txBody>
-          <a:bodyPr rtlCol="0" anchor="ctr"/>
-          <a:lstStyle/>
-          <a:p>
-            <a:pPr marL="0" marR="0" lvl="0" indent="0" algn="ctr" defTabSz="914400" rtl="0" eaLnBrk="1" fontAlgn="auto" latinLnBrk="0" hangingPunct="1">
-              <a:lnSpc>
-                <a:spcPct val="100000"/>
-              </a:lnSpc>
-              <a:spcBef>
-                <a:spcPts val="0"/>
-              </a:spcBef>
-              <a:spcAft>
-                <a:spcPts val="0"/>
-              </a:spcAft>
-              <a:buClr>
-                <a:srgbClr val="000000"/>
-              </a:buClr>
-              <a:buSzTx/>
-              <a:buFont typeface="Arial"/>
-              <a:buNone/>
-              <a:tabLst/>
-              <a:defRPr/>
-            </a:pPr>
-            <a:endParaRPr kumimoji="0" lang="es-CO" sz="1400" b="0" i="0" u="none" strike="noStrike" kern="0" cap="none" spc="0" normalizeH="0" baseline="0" noProof="0">
-              <a:ln>
-                <a:noFill/>
-              </a:ln>
-              <a:solidFill>
-                <a:srgbClr val="BAF7C9"/>
-              </a:solidFill>
-              <a:effectLst/>
-              <a:uLnTx/>
-              <a:uFillTx/>
-              <a:latin typeface="Arial"/>
-              <a:ea typeface="+mn-ea"/>
-              <a:cs typeface="+mn-cs"/>
-              <a:sym typeface="Arial"/>
-            </a:endParaRPr>
-          </a:p>
-        </p:txBody>
-      </p:sp>
-      <p:sp>
-        <p:nvSpPr>
-          <p:cNvPr id="27" name="Rectángulo 26">
-            <a:extLst>
-              <a:ext uri="{FF2B5EF4-FFF2-40B4-BE49-F238E27FC236}">
-                <a16:creationId xmlns:a16="http://schemas.microsoft.com/office/drawing/2014/main" id="{C271E673-D168-4137-8F6F-3C6D1FF393F3}"/>
-              </a:ext>
-            </a:extLst>
-          </p:cNvPr>
-          <p:cNvSpPr/>
-          <p:nvPr/>
-        </p:nvSpPr>
-        <p:spPr>
-          <a:xfrm>
-            <a:off x="1190" y="2464821"/>
-            <a:ext cx="1110513" cy="895868"/>
-          </a:xfrm>
-          <a:prstGeom prst="rect">
-            <a:avLst/>
-          </a:prstGeom>
-          <a:solidFill>
-            <a:srgbClr val="BAF7C9"/>
-          </a:solidFill>
-          <a:ln>
-            <a:noFill/>
-          </a:ln>
-        </p:spPr>
-        <p:style>
-          <a:lnRef idx="2">
-            <a:schemeClr val="accent1">
-              <a:shade val="50000"/>
-            </a:schemeClr>
-          </a:lnRef>
-          <a:fillRef idx="1">
-            <a:schemeClr val="accent1"/>
-          </a:fillRef>
-          <a:effectRef idx="0">
-            <a:schemeClr val="accent1"/>
-          </a:effectRef>
-          <a:fontRef idx="minor">
-            <a:schemeClr val="lt1"/>
-          </a:fontRef>
-        </p:style>
-        <p:txBody>
-          <a:bodyPr rtlCol="0" anchor="ctr"/>
-          <a:lstStyle/>
-          <a:p>
-            <a:pPr marL="0" marR="0" lvl="0" indent="0" algn="ctr" defTabSz="914400" rtl="0" eaLnBrk="1" fontAlgn="auto" latinLnBrk="0" hangingPunct="1">
-              <a:lnSpc>
-                <a:spcPct val="100000"/>
-              </a:lnSpc>
-              <a:spcBef>
-                <a:spcPts val="0"/>
-              </a:spcBef>
-              <a:spcAft>
-                <a:spcPts val="0"/>
-              </a:spcAft>
-              <a:buClr>
-                <a:srgbClr val="000000"/>
-              </a:buClr>
-              <a:buSzTx/>
-              <a:buFont typeface="Arial"/>
-              <a:buNone/>
-              <a:tabLst/>
-              <a:defRPr/>
-            </a:pPr>
-            <a:endParaRPr kumimoji="0" lang="es-CO" sz="1400" b="0" i="0" u="none" strike="noStrike" kern="0" cap="none" spc="0" normalizeH="0" baseline="0" noProof="0">
-              <a:ln>
-                <a:noFill/>
-              </a:ln>
-              <a:solidFill>
-                <a:srgbClr val="BAF7C9"/>
-              </a:solidFill>
-              <a:effectLst/>
-              <a:uLnTx/>
-              <a:uFillTx/>
-              <a:latin typeface="Arial"/>
-              <a:ea typeface="+mn-ea"/>
-              <a:cs typeface="+mn-cs"/>
-              <a:sym typeface="Arial"/>
-            </a:endParaRPr>
-          </a:p>
-        </p:txBody>
-      </p:sp>
-      <p:sp>
-        <p:nvSpPr>
-          <p:cNvPr id="28" name="Rectángulo 27">
-            <a:extLst>
-              <a:ext uri="{FF2B5EF4-FFF2-40B4-BE49-F238E27FC236}">
-                <a16:creationId xmlns:a16="http://schemas.microsoft.com/office/drawing/2014/main" id="{F87A6902-5CAB-482B-A04D-990353BC1E7D}"/>
-              </a:ext>
-            </a:extLst>
-          </p:cNvPr>
-          <p:cNvSpPr/>
-          <p:nvPr/>
-        </p:nvSpPr>
-        <p:spPr>
-          <a:xfrm>
-            <a:off x="7991061" y="2464821"/>
-            <a:ext cx="1154128" cy="895868"/>
-          </a:xfrm>
-          <a:prstGeom prst="rect">
-            <a:avLst/>
-          </a:prstGeom>
-          <a:solidFill>
-            <a:srgbClr val="BAF7C9"/>
-          </a:solidFill>
-          <a:ln>
-            <a:noFill/>
-          </a:ln>
-        </p:spPr>
-        <p:style>
-          <a:lnRef idx="2">
-            <a:schemeClr val="accent1">
-              <a:shade val="50000"/>
-            </a:schemeClr>
-          </a:lnRef>
-          <a:fillRef idx="1">
-            <a:schemeClr val="accent1"/>
-          </a:fillRef>
-          <a:effectRef idx="0">
-            <a:schemeClr val="accent1"/>
-          </a:effectRef>
-          <a:fontRef idx="minor">
-            <a:schemeClr val="lt1"/>
-          </a:fontRef>
-        </p:style>
-        <p:txBody>
-          <a:bodyPr rtlCol="0" anchor="ctr"/>
-          <a:lstStyle/>
-          <a:p>
-            <a:pPr marL="0" marR="0" lvl="0" indent="0" algn="ctr" defTabSz="914400" rtl="0" eaLnBrk="1" fontAlgn="auto" latinLnBrk="0" hangingPunct="1">
-              <a:lnSpc>
-                <a:spcPct val="100000"/>
-              </a:lnSpc>
-              <a:spcBef>
-                <a:spcPts val="0"/>
-              </a:spcBef>
-              <a:spcAft>
-                <a:spcPts val="0"/>
-              </a:spcAft>
-              <a:buClr>
-                <a:srgbClr val="000000"/>
-              </a:buClr>
-              <a:buSzTx/>
-              <a:buFont typeface="Arial"/>
-              <a:buNone/>
-              <a:tabLst/>
-              <a:defRPr/>
-            </a:pPr>
-            <a:endParaRPr kumimoji="0" lang="es-CO" sz="1400" b="0" i="0" u="none" strike="noStrike" kern="0" cap="none" spc="0" normalizeH="0" baseline="0" noProof="0">
-              <a:ln>
-                <a:noFill/>
-              </a:ln>
-              <a:solidFill>
-                <a:srgbClr val="BAF7C9"/>
-              </a:solidFill>
-              <a:effectLst/>
-              <a:uLnTx/>
-              <a:uFillTx/>
-              <a:latin typeface="Arial"/>
-              <a:ea typeface="+mn-ea"/>
-              <a:cs typeface="+mn-cs"/>
-              <a:sym typeface="Arial"/>
-            </a:endParaRPr>
-          </a:p>
-        </p:txBody>
-      </p:sp>
-      <p:sp>
-        <p:nvSpPr>
-          <p:cNvPr id="3" name="Título 2">
-            <a:extLst>
-              <a:ext uri="{FF2B5EF4-FFF2-40B4-BE49-F238E27FC236}">
-                <a16:creationId xmlns:a16="http://schemas.microsoft.com/office/drawing/2014/main" id="{958E9C0A-1B7C-480F-B568-0D2DDEF32A6F}"/>
-              </a:ext>
-            </a:extLst>
-          </p:cNvPr>
-          <p:cNvSpPr>
-            <a:spLocks noGrp="1"/>
-          </p:cNvSpPr>
-          <p:nvPr>
-            <p:ph type="ctrTitle"/>
-          </p:nvPr>
-        </p:nvSpPr>
-        <p:spPr>
-          <a:xfrm>
-            <a:off x="5152727" y="425272"/>
-            <a:ext cx="3194700" cy="481200"/>
-          </a:xfrm>
-        </p:spPr>
-        <p:txBody>
-          <a:bodyPr/>
-          <a:lstStyle/>
-          <a:p>
-            <a:r>
-              <a:rPr lang="es-ES" dirty="0"/>
-              <a:t>Problema Corriente alterna  </a:t>
-            </a:r>
-            <a:endParaRPr lang="es-CO" dirty="0"/>
-          </a:p>
-        </p:txBody>
-      </p:sp>
-      <p:pic>
-        <p:nvPicPr>
-          <p:cNvPr id="4" name="Picture 4" descr="Símbolos Universitarios – Universidad de Nariño">
-            <a:extLst>
-              <a:ext uri="{FF2B5EF4-FFF2-40B4-BE49-F238E27FC236}">
-                <a16:creationId xmlns:a16="http://schemas.microsoft.com/office/drawing/2014/main" id="{0B2EA667-CB57-4DF8-BB35-E9AFDF367C2B}"/>
-              </a:ext>
-            </a:extLst>
-          </p:cNvPr>
-          <p:cNvPicPr>
-            <a:picLocks noChangeAspect="1" noChangeArrowheads="1"/>
-          </p:cNvPicPr>
-          <p:nvPr/>
-        </p:nvPicPr>
-        <p:blipFill>
-          <a:blip r:embed="rId3">
-            <a:extLst>
-              <a:ext uri="{28A0092B-C50C-407E-A947-70E740481C1C}">
-                <a14:useLocalDpi xmlns:a14="http://schemas.microsoft.com/office/drawing/2010/main" val="0"/>
-              </a:ext>
-            </a:extLst>
-          </a:blip>
-          <a:srcRect/>
-          <a:stretch>
-            <a:fillRect/>
-          </a:stretch>
-        </p:blipFill>
-        <p:spPr bwMode="auto">
-          <a:xfrm>
-            <a:off x="282654" y="292080"/>
-            <a:ext cx="660961" cy="660961"/>
-          </a:xfrm>
-          <a:prstGeom prst="rect">
-            <a:avLst/>
-          </a:prstGeom>
-          <a:noFill/>
-          <a:extLst>
-            <a:ext uri="{909E8E84-426E-40DD-AFC4-6F175D3DCCD1}">
-              <a14:hiddenFill xmlns:a14="http://schemas.microsoft.com/office/drawing/2010/main">
-                <a:solidFill>
-                  <a:srgbClr val="FFFFFF"/>
-                </a:solidFill>
-              </a14:hiddenFill>
-            </a:ext>
-          </a:extLst>
-        </p:spPr>
-      </p:pic>
-      <p:pic>
-        <p:nvPicPr>
-          <p:cNvPr id="5" name="Imagen 4">
-            <a:extLst>
-              <a:ext uri="{FF2B5EF4-FFF2-40B4-BE49-F238E27FC236}">
-                <a16:creationId xmlns:a16="http://schemas.microsoft.com/office/drawing/2014/main" id="{1B46FA37-FA47-4459-8828-383FB697E3AF}"/>
-              </a:ext>
-            </a:extLst>
-          </p:cNvPr>
-          <p:cNvPicPr>
-            <a:picLocks noChangeAspect="1"/>
-          </p:cNvPicPr>
-          <p:nvPr/>
-        </p:nvPicPr>
-        <p:blipFill rotWithShape="1">
-          <a:blip r:embed="rId4"/>
-          <a:srcRect l="53279" t="4713" r="5319"/>
-          <a:stretch/>
-        </p:blipFill>
-        <p:spPr>
-          <a:xfrm>
-            <a:off x="1111703" y="220369"/>
-            <a:ext cx="918577" cy="804385"/>
-          </a:xfrm>
-          <a:prstGeom prst="ellipse">
-            <a:avLst/>
-          </a:prstGeom>
-          <a:ln>
-            <a:noFill/>
-          </a:ln>
-          <a:effectLst>
-            <a:softEdge rad="112500"/>
-          </a:effectLst>
-        </p:spPr>
-      </p:pic>
-      <p:pic>
-        <p:nvPicPr>
-          <p:cNvPr id="6" name="Imagen 5">
-            <a:extLst>
-              <a:ext uri="{FF2B5EF4-FFF2-40B4-BE49-F238E27FC236}">
-                <a16:creationId xmlns:a16="http://schemas.microsoft.com/office/drawing/2014/main" id="{E55A8BD0-1757-45A5-B6C0-0F3EB311D4F8}"/>
-              </a:ext>
-            </a:extLst>
-          </p:cNvPr>
-          <p:cNvPicPr>
-            <a:picLocks noChangeAspect="1"/>
-          </p:cNvPicPr>
-          <p:nvPr/>
-        </p:nvPicPr>
-        <p:blipFill>
-          <a:blip r:embed="rId5"/>
-          <a:stretch>
-            <a:fillRect/>
-          </a:stretch>
-        </p:blipFill>
-        <p:spPr>
-          <a:xfrm>
-            <a:off x="1303019" y="2190232"/>
-            <a:ext cx="6537961" cy="1981200"/>
-          </a:xfrm>
-          <a:prstGeom prst="rect">
-            <a:avLst/>
-          </a:prstGeom>
-        </p:spPr>
-      </p:pic>
-    </p:spTree>
-    <p:extLst>
-      <p:ext uri="{BB962C8B-B14F-4D97-AF65-F5344CB8AC3E}">
-        <p14:creationId xmlns:p14="http://schemas.microsoft.com/office/powerpoint/2010/main" val="3740948652"/>
-      </p:ext>
-    </p:extLst>
-  </p:cSld>
-  <p:clrMapOvr>
-    <a:masterClrMapping/>
-  </p:clrMapOvr>
-</p:sld>
-</file>
-
-<file path=ppt/slides/slide2.xml><?xml version="1.0" encoding="utf-8"?>
-<p:sld xmlns:a="http://schemas.openxmlformats.org/drawingml/2006/main" xmlns:r="http://schemas.openxmlformats.org/officeDocument/2006/relationships" xmlns:p="http://schemas.openxmlformats.org/presentationml/2006/main">
-  <p:cSld>
-    <p:spTree>
-      <p:nvGrpSpPr>
-        <p:cNvPr id="1" name="Shape 139"/>
-        <p:cNvGrpSpPr/>
-        <p:nvPr/>
-      </p:nvGrpSpPr>
-      <p:grpSpPr>
-        <a:xfrm>
-          <a:off x="0" y="0"/>
-          <a:ext cx="0" cy="0"/>
-          <a:chOff x="0" y="0"/>
-          <a:chExt cx="0" cy="0"/>
-        </a:xfrm>
-      </p:grpSpPr>
-      <p:sp>
-        <p:nvSpPr>
-          <p:cNvPr id="6" name="Rectángulo 5">
-            <a:extLst>
-              <a:ext uri="{FF2B5EF4-FFF2-40B4-BE49-F238E27FC236}">
-                <a16:creationId xmlns:a16="http://schemas.microsoft.com/office/drawing/2014/main" id="{1C2148E8-29B0-47B9-AB82-4263D9C3E039}"/>
-              </a:ext>
-            </a:extLst>
-          </p:cNvPr>
-          <p:cNvSpPr/>
-          <p:nvPr/>
-        </p:nvSpPr>
-        <p:spPr>
-          <a:xfrm>
-            <a:off x="3193043" y="403410"/>
-            <a:ext cx="5801865" cy="4390465"/>
-          </a:xfrm>
-          <a:prstGeom prst="rect">
-            <a:avLst/>
-          </a:prstGeom>
-          <a:solidFill>
-            <a:srgbClr val="FFDE59"/>
-          </a:solidFill>
-          <a:ln>
-            <a:noFill/>
-          </a:ln>
-        </p:spPr>
-        <p:style>
-          <a:lnRef idx="2">
-            <a:schemeClr val="accent1">
-              <a:shade val="50000"/>
-            </a:schemeClr>
-          </a:lnRef>
-          <a:fillRef idx="1">
-            <a:schemeClr val="accent1"/>
-          </a:fillRef>
-          <a:effectRef idx="0">
-            <a:schemeClr val="accent1"/>
-          </a:effectRef>
-          <a:fontRef idx="minor">
-            <a:schemeClr val="lt1"/>
-          </a:fontRef>
-        </p:style>
-        <p:txBody>
-          <a:bodyPr rtlCol="0" anchor="ctr"/>
-          <a:lstStyle/>
-          <a:p>
-            <a:pPr algn="ctr"/>
-            <a:endParaRPr lang="es-CO"/>
-          </a:p>
-        </p:txBody>
-      </p:sp>
-      <p:sp>
-        <p:nvSpPr>
-          <p:cNvPr id="7" name="Rectángulo 6">
-            <a:extLst>
-              <a:ext uri="{FF2B5EF4-FFF2-40B4-BE49-F238E27FC236}">
-                <a16:creationId xmlns:a16="http://schemas.microsoft.com/office/drawing/2014/main" id="{7D51D62D-F866-480C-BB56-3911EC80193D}"/>
-              </a:ext>
-            </a:extLst>
-          </p:cNvPr>
-          <p:cNvSpPr/>
-          <p:nvPr/>
-        </p:nvSpPr>
-        <p:spPr>
-          <a:xfrm>
-            <a:off x="-10483" y="2212040"/>
-            <a:ext cx="3356034" cy="1169895"/>
-          </a:xfrm>
-          <a:prstGeom prst="rect">
-            <a:avLst/>
-          </a:prstGeom>
-          <a:solidFill>
-            <a:srgbClr val="94DD26"/>
-          </a:solidFill>
-          <a:ln>
-            <a:noFill/>
-          </a:ln>
-        </p:spPr>
-        <p:style>
-          <a:lnRef idx="2">
-            <a:schemeClr val="accent1">
-              <a:shade val="50000"/>
-            </a:schemeClr>
-          </a:lnRef>
-          <a:fillRef idx="1">
-            <a:schemeClr val="accent1"/>
-          </a:fillRef>
-          <a:effectRef idx="0">
-            <a:schemeClr val="accent1"/>
-          </a:effectRef>
-          <a:fontRef idx="minor">
-            <a:schemeClr val="lt1"/>
-          </a:fontRef>
-        </p:style>
-        <p:txBody>
-          <a:bodyPr rtlCol="0" anchor="ctr"/>
-          <a:lstStyle/>
-          <a:p>
-            <a:pPr algn="ctr"/>
-            <a:endParaRPr lang="es-CO"/>
-          </a:p>
-        </p:txBody>
-      </p:sp>
-      <p:sp>
-        <p:nvSpPr>
-          <p:cNvPr id="8" name="Rectángulo 7">
-            <a:extLst>
-              <a:ext uri="{FF2B5EF4-FFF2-40B4-BE49-F238E27FC236}">
-                <a16:creationId xmlns:a16="http://schemas.microsoft.com/office/drawing/2014/main" id="{13EB4147-DCE5-4698-A3B6-4D7F472AAE93}"/>
-              </a:ext>
-            </a:extLst>
-          </p:cNvPr>
-          <p:cNvSpPr/>
-          <p:nvPr/>
-        </p:nvSpPr>
-        <p:spPr>
-          <a:xfrm>
-            <a:off x="3342135" y="496605"/>
-            <a:ext cx="5801865" cy="4390465"/>
-          </a:xfrm>
-          <a:prstGeom prst="rect">
-            <a:avLst/>
-          </a:prstGeom>
-          <a:solidFill>
-            <a:srgbClr val="94DD26"/>
-          </a:solidFill>
-          <a:ln>
-            <a:noFill/>
-          </a:ln>
-        </p:spPr>
-        <p:style>
-          <a:lnRef idx="2">
-            <a:schemeClr val="accent1">
-              <a:shade val="50000"/>
-            </a:schemeClr>
-          </a:lnRef>
-          <a:fillRef idx="1">
-            <a:schemeClr val="accent1"/>
-          </a:fillRef>
-          <a:effectRef idx="0">
-            <a:schemeClr val="accent1"/>
-          </a:effectRef>
-          <a:fontRef idx="minor">
-            <a:schemeClr val="lt1"/>
-          </a:fontRef>
-        </p:style>
-        <p:txBody>
-          <a:bodyPr rtlCol="0" anchor="ctr"/>
-          <a:lstStyle/>
-          <a:p>
-            <a:pPr algn="ctr"/>
-            <a:endParaRPr lang="es-CO"/>
-          </a:p>
-        </p:txBody>
-      </p:sp>
-      <p:sp>
-        <p:nvSpPr>
-          <p:cNvPr id="166" name="Google Shape;166;p26"/>
-          <p:cNvSpPr txBox="1">
-            <a:spLocks noGrp="1"/>
-          </p:cNvSpPr>
-          <p:nvPr>
-            <p:ph type="ctrTitle"/>
-          </p:nvPr>
-        </p:nvSpPr>
-        <p:spPr>
-          <a:xfrm>
-            <a:off x="129970" y="2474147"/>
-            <a:ext cx="2913981" cy="660961"/>
-          </a:xfrm>
-          <a:prstGeom prst="rect">
-            <a:avLst/>
-          </a:prstGeom>
-        </p:spPr>
-        <p:txBody>
-          <a:bodyPr spcFirstLastPara="1" wrap="square" lIns="91425" tIns="91425" rIns="91425" bIns="91425" anchor="b" anchorCtr="0">
-            <a:noAutofit/>
-          </a:bodyPr>
-          <a:lstStyle/>
-          <a:p>
-            <a:pPr marL="0" lvl="0" indent="0" algn="ctr" rtl="0">
-              <a:spcBef>
-                <a:spcPts val="0"/>
-              </a:spcBef>
-              <a:spcAft>
-                <a:spcPts val="0"/>
-              </a:spcAft>
-              <a:buNone/>
-            </a:pPr>
-            <a:r>
-              <a:rPr lang="en" sz="3200" dirty="0">
-                <a:solidFill>
-                  <a:schemeClr val="tx1"/>
-                </a:solidFill>
-              </a:rPr>
-              <a:t>01. </a:t>
-            </a:r>
-            <a:r>
-              <a:rPr lang="es-ES" sz="3200" dirty="0">
-                <a:solidFill>
-                  <a:schemeClr val="tx1"/>
-                </a:solidFill>
-              </a:rPr>
-              <a:t>BITMASK </a:t>
-            </a:r>
-            <a:endParaRPr sz="3200" dirty="0">
-              <a:solidFill>
-                <a:schemeClr val="tx1"/>
-              </a:solidFill>
-            </a:endParaRPr>
-          </a:p>
-        </p:txBody>
-      </p:sp>
-      <p:pic>
-        <p:nvPicPr>
-          <p:cNvPr id="1028" name="Picture 4" descr="Símbolos Universitarios – Universidad de Nariño">
-            <a:extLst>
-              <a:ext uri="{FF2B5EF4-FFF2-40B4-BE49-F238E27FC236}">
-                <a16:creationId xmlns:a16="http://schemas.microsoft.com/office/drawing/2014/main" id="{EDF64FA2-360A-4D3A-AF78-F1E4C7CCFD55}"/>
-              </a:ext>
-            </a:extLst>
-          </p:cNvPr>
-          <p:cNvPicPr>
-            <a:picLocks noChangeAspect="1" noChangeArrowheads="1"/>
-          </p:cNvPicPr>
-          <p:nvPr/>
-        </p:nvPicPr>
-        <p:blipFill>
-          <a:blip r:embed="rId3">
-            <a:extLst>
-              <a:ext uri="{28A0092B-C50C-407E-A947-70E740481C1C}">
-                <a14:useLocalDpi xmlns:a14="http://schemas.microsoft.com/office/drawing/2010/main" val="0"/>
-              </a:ext>
-            </a:extLst>
-          </a:blip>
-          <a:srcRect/>
-          <a:stretch>
-            <a:fillRect/>
-          </a:stretch>
-        </p:blipFill>
-        <p:spPr bwMode="auto">
-          <a:xfrm>
-            <a:off x="291117" y="219456"/>
-            <a:ext cx="660961" cy="660961"/>
-          </a:xfrm>
-          <a:prstGeom prst="rect">
-            <a:avLst/>
-          </a:prstGeom>
-          <a:noFill/>
-          <a:extLst>
-            <a:ext uri="{909E8E84-426E-40DD-AFC4-6F175D3DCCD1}">
-              <a14:hiddenFill xmlns:a14="http://schemas.microsoft.com/office/drawing/2010/main">
-                <a:solidFill>
-                  <a:srgbClr val="FFFFFF"/>
-                </a:solidFill>
-              </a14:hiddenFill>
-            </a:ext>
-          </a:extLst>
-        </p:spPr>
-      </p:pic>
-      <p:pic>
-        <p:nvPicPr>
-          <p:cNvPr id="417" name="Imagen 416">
-            <a:extLst>
-              <a:ext uri="{FF2B5EF4-FFF2-40B4-BE49-F238E27FC236}">
-                <a16:creationId xmlns:a16="http://schemas.microsoft.com/office/drawing/2014/main" id="{6C54B729-21DA-4852-927D-4E13F29541B2}"/>
-              </a:ext>
-            </a:extLst>
-          </p:cNvPr>
-          <p:cNvPicPr>
-            <a:picLocks noChangeAspect="1"/>
-          </p:cNvPicPr>
-          <p:nvPr/>
-        </p:nvPicPr>
-        <p:blipFill rotWithShape="1">
-          <a:blip r:embed="rId4"/>
-          <a:srcRect l="53279" t="4713" r="5319"/>
-          <a:stretch/>
-        </p:blipFill>
-        <p:spPr>
-          <a:xfrm>
-            <a:off x="1082048" y="147745"/>
-            <a:ext cx="918577" cy="804385"/>
-          </a:xfrm>
-          <a:prstGeom prst="ellipse">
-            <a:avLst/>
-          </a:prstGeom>
-          <a:ln>
-            <a:noFill/>
-          </a:ln>
-          <a:effectLst>
-            <a:softEdge rad="112500"/>
-          </a:effectLst>
-        </p:spPr>
-      </p:pic>
-      <p:sp>
-        <p:nvSpPr>
-          <p:cNvPr id="4" name="Rectángulo 3">
-            <a:extLst>
-              <a:ext uri="{FF2B5EF4-FFF2-40B4-BE49-F238E27FC236}">
-                <a16:creationId xmlns:a16="http://schemas.microsoft.com/office/drawing/2014/main" id="{F04C2CAB-775C-4D47-9732-B8CCEE3CC5EB}"/>
-              </a:ext>
-            </a:extLst>
-          </p:cNvPr>
-          <p:cNvSpPr/>
-          <p:nvPr/>
-        </p:nvSpPr>
-        <p:spPr>
-          <a:xfrm>
-            <a:off x="3494643" y="665629"/>
-            <a:ext cx="5555228" cy="4128246"/>
-          </a:xfrm>
-          <a:prstGeom prst="rect">
-            <a:avLst/>
-          </a:prstGeom>
-          <a:solidFill>
-            <a:srgbClr val="FFFFFF"/>
-          </a:solidFill>
-          <a:ln>
-            <a:noFill/>
-          </a:ln>
-        </p:spPr>
-        <p:style>
-          <a:lnRef idx="2">
-            <a:schemeClr val="accent1">
-              <a:shade val="50000"/>
-            </a:schemeClr>
-          </a:lnRef>
-          <a:fillRef idx="1">
-            <a:schemeClr val="accent1"/>
-          </a:fillRef>
-          <a:effectRef idx="0">
-            <a:schemeClr val="accent1"/>
-          </a:effectRef>
-          <a:fontRef idx="minor">
-            <a:schemeClr val="lt1"/>
-          </a:fontRef>
-        </p:style>
-        <p:txBody>
-          <a:bodyPr rtlCol="0" anchor="ctr"/>
-          <a:lstStyle/>
-          <a:p>
-            <a:pPr algn="ctr"/>
-            <a:endParaRPr lang="es-CO"/>
-          </a:p>
-        </p:txBody>
-      </p:sp>
-      <p:pic>
-        <p:nvPicPr>
-          <p:cNvPr id="5" name="Imagen 4" descr="Un dibujo de un reloj&#10;&#10;Descripción generada automáticamente con confianza media">
-            <a:extLst>
-              <a:ext uri="{FF2B5EF4-FFF2-40B4-BE49-F238E27FC236}">
-                <a16:creationId xmlns:a16="http://schemas.microsoft.com/office/drawing/2014/main" id="{2EDA199C-8110-48EF-A4BB-89D78FA627EC}"/>
-              </a:ext>
-            </a:extLst>
-          </p:cNvPr>
-          <p:cNvPicPr>
-            <a:picLocks noChangeAspect="1"/>
-          </p:cNvPicPr>
-          <p:nvPr/>
-        </p:nvPicPr>
-        <p:blipFill>
-          <a:blip r:embed="rId5"/>
-          <a:stretch>
-            <a:fillRect/>
-          </a:stretch>
-        </p:blipFill>
-        <p:spPr>
-          <a:xfrm>
-            <a:off x="4572000" y="952130"/>
-            <a:ext cx="3227498" cy="1691333"/>
-          </a:xfrm>
-          <a:prstGeom prst="rect">
-            <a:avLst/>
-          </a:prstGeom>
-        </p:spPr>
-      </p:pic>
-      <p:pic>
-        <p:nvPicPr>
-          <p:cNvPr id="14" name="Gráfico 13" descr="Máscara de fiesta con relleno sólido">
-            <a:extLst>
-              <a:ext uri="{FF2B5EF4-FFF2-40B4-BE49-F238E27FC236}">
-                <a16:creationId xmlns:a16="http://schemas.microsoft.com/office/drawing/2014/main" id="{C6F40E09-1375-451C-A990-32BFA664681C}"/>
-              </a:ext>
-            </a:extLst>
-          </p:cNvPr>
-          <p:cNvPicPr>
-            <a:picLocks noChangeAspect="1"/>
-          </p:cNvPicPr>
-          <p:nvPr/>
-        </p:nvPicPr>
-        <p:blipFill rotWithShape="1">
-          <a:blip r:embed="rId6">
-            <a:extLst>
-              <a:ext uri="{96DAC541-7B7A-43D3-8B79-37D633B846F1}">
-                <asvg:svgBlip xmlns:asvg="http://schemas.microsoft.com/office/drawing/2016/SVG/main" r:embed="rId7"/>
-              </a:ext>
-            </a:extLst>
-          </a:blip>
-          <a:srcRect t="16706" b="11331"/>
-          <a:stretch/>
-        </p:blipFill>
-        <p:spPr>
-          <a:xfrm>
-            <a:off x="5139969" y="2812486"/>
-            <a:ext cx="2314256" cy="1665385"/>
-          </a:xfrm>
-          <a:prstGeom prst="rect">
-            <a:avLst/>
-          </a:prstGeom>
-        </p:spPr>
-      </p:pic>
-    </p:spTree>
-    <p:extLst>
-      <p:ext uri="{BB962C8B-B14F-4D97-AF65-F5344CB8AC3E}">
-        <p14:creationId xmlns:p14="http://schemas.microsoft.com/office/powerpoint/2010/main" val="945607087"/>
-      </p:ext>
-    </p:extLst>
-  </p:cSld>
-  <p:clrMapOvr>
-    <a:masterClrMapping/>
-  </p:clrMapOvr>
-</p:sld>
-</file>
-
-<file path=ppt/slides/slide20.xml><?xml version="1.0" encoding="utf-8"?>
+<file path=ppt/slides/slide21.xml><?xml version="1.0" encoding="utf-8"?>
 <p:sld xmlns:a="http://schemas.openxmlformats.org/drawingml/2006/main" xmlns:r="http://schemas.openxmlformats.org/officeDocument/2006/relationships" xmlns:p="http://schemas.openxmlformats.org/presentationml/2006/main">
   <p:cSld>
     <p:bg>
@@ -12624,7 +14023,7 @@
   <p:cSld>
     <p:spTree>
       <p:nvGrpSpPr>
-        <p:cNvPr id="1" name="Shape 139"/>
+        <p:cNvPr id="1" name=""/>
         <p:cNvGrpSpPr/>
         <p:nvPr/>
       </p:nvGrpSpPr>
@@ -12638,10 +14037,164 @@
       </p:grpSpPr>
       <p:sp>
         <p:nvSpPr>
+          <p:cNvPr id="2" name="Subtítulo 1">
+            <a:extLst>
+              <a:ext uri="{FF2B5EF4-FFF2-40B4-BE49-F238E27FC236}">
+                <a16:creationId xmlns:a16="http://schemas.microsoft.com/office/drawing/2014/main" id="{29A75048-B2F8-4A8B-9645-CF6D9A7AE10B}"/>
+              </a:ext>
+            </a:extLst>
+          </p:cNvPr>
+          <p:cNvSpPr>
+            <a:spLocks noGrp="1"/>
+          </p:cNvSpPr>
+          <p:nvPr>
+            <p:ph type="subTitle" idx="1"/>
+          </p:nvPr>
+        </p:nvSpPr>
+        <p:spPr>
+          <a:xfrm flipH="1">
+            <a:off x="4329594" y="2329674"/>
+            <a:ext cx="4624477" cy="1082474"/>
+          </a:xfrm>
+        </p:spPr>
+        <p:txBody>
+          <a:bodyPr/>
+          <a:lstStyle/>
+          <a:p>
+            <a:pPr marL="152400" indent="0">
+              <a:buNone/>
+            </a:pPr>
+            <a:r>
+              <a:rPr lang="es-ES" dirty="0">
+                <a:latin typeface="Abadi" panose="020B0604020104020204" pitchFamily="34" charset="0"/>
+              </a:rPr>
+              <a:t>El negativo de un numero se halla invirtiendo todos los bits y sumando uno a el resultado</a:t>
+            </a:r>
+          </a:p>
+        </p:txBody>
+      </p:sp>
+      <p:sp>
+        <p:nvSpPr>
+          <p:cNvPr id="3" name="Título 2">
+            <a:extLst>
+              <a:ext uri="{FF2B5EF4-FFF2-40B4-BE49-F238E27FC236}">
+                <a16:creationId xmlns:a16="http://schemas.microsoft.com/office/drawing/2014/main" id="{958E9C0A-1B7C-480F-B568-0D2DDEF32A6F}"/>
+              </a:ext>
+            </a:extLst>
+          </p:cNvPr>
+          <p:cNvSpPr>
+            <a:spLocks noGrp="1"/>
+          </p:cNvSpPr>
+          <p:nvPr>
+            <p:ph type="ctrTitle"/>
+          </p:nvPr>
+        </p:nvSpPr>
+        <p:spPr>
+          <a:xfrm>
+            <a:off x="5653463" y="439731"/>
+            <a:ext cx="3194700" cy="481200"/>
+          </a:xfrm>
+        </p:spPr>
+        <p:txBody>
+          <a:bodyPr/>
+          <a:lstStyle/>
+          <a:p>
+            <a:r>
+              <a:rPr lang="es-ES" dirty="0"/>
+              <a:t>Mascara de bits</a:t>
+            </a:r>
+            <a:endParaRPr lang="es-CO" dirty="0"/>
+          </a:p>
+        </p:txBody>
+      </p:sp>
+      <p:pic>
+        <p:nvPicPr>
+          <p:cNvPr id="4" name="Picture 4" descr="Símbolos Universitarios – Universidad de Nariño">
+            <a:extLst>
+              <a:ext uri="{FF2B5EF4-FFF2-40B4-BE49-F238E27FC236}">
+                <a16:creationId xmlns:a16="http://schemas.microsoft.com/office/drawing/2014/main" id="{0B2EA667-CB57-4DF8-BB35-E9AFDF367C2B}"/>
+              </a:ext>
+            </a:extLst>
+          </p:cNvPr>
+          <p:cNvPicPr>
+            <a:picLocks noChangeAspect="1" noChangeArrowheads="1"/>
+          </p:cNvPicPr>
+          <p:nvPr/>
+        </p:nvPicPr>
+        <p:blipFill>
+          <a:blip r:embed="rId2">
+            <a:extLst>
+              <a:ext uri="{28A0092B-C50C-407E-A947-70E740481C1C}">
+                <a14:useLocalDpi xmlns:a14="http://schemas.microsoft.com/office/drawing/2010/main" val="0"/>
+              </a:ext>
+            </a:extLst>
+          </a:blip>
+          <a:srcRect/>
+          <a:stretch>
+            <a:fillRect/>
+          </a:stretch>
+        </p:blipFill>
+        <p:spPr bwMode="auto">
+          <a:xfrm>
+            <a:off x="215587" y="259970"/>
+            <a:ext cx="660961" cy="660961"/>
+          </a:xfrm>
+          <a:prstGeom prst="rect">
+            <a:avLst/>
+          </a:prstGeom>
+          <a:noFill/>
+          <a:extLst>
+            <a:ext uri="{909E8E84-426E-40DD-AFC4-6F175D3DCCD1}">
+              <a14:hiddenFill xmlns:a14="http://schemas.microsoft.com/office/drawing/2010/main">
+                <a:solidFill>
+                  <a:srgbClr val="FFFFFF"/>
+                </a:solidFill>
+              </a14:hiddenFill>
+            </a:ext>
+          </a:extLst>
+        </p:spPr>
+      </p:pic>
+      <p:pic>
+        <p:nvPicPr>
+          <p:cNvPr id="5" name="Imagen 4">
+            <a:extLst>
+              <a:ext uri="{FF2B5EF4-FFF2-40B4-BE49-F238E27FC236}">
+                <a16:creationId xmlns:a16="http://schemas.microsoft.com/office/drawing/2014/main" id="{1B46FA37-FA47-4459-8828-383FB697E3AF}"/>
+              </a:ext>
+            </a:extLst>
+          </p:cNvPr>
+          <p:cNvPicPr>
+            <a:picLocks noChangeAspect="1"/>
+          </p:cNvPicPr>
+          <p:nvPr/>
+        </p:nvPicPr>
+        <p:blipFill rotWithShape="1">
+          <a:blip r:embed="rId3"/>
+          <a:srcRect l="53279" t="4713" r="5319"/>
+          <a:stretch/>
+        </p:blipFill>
+        <p:spPr>
+          <a:xfrm>
+            <a:off x="984125" y="201706"/>
+            <a:ext cx="918577" cy="804385"/>
+          </a:xfrm>
+          <a:prstGeom prst="ellipse">
+            <a:avLst/>
+          </a:prstGeom>
+          <a:ln>
+            <a:noFill/>
+          </a:ln>
+          <a:effectLst>
+            <a:softEdge rad="112500"/>
+          </a:effectLst>
+        </p:spPr>
+      </p:pic>
+      <p:sp>
+        <p:nvSpPr>
           <p:cNvPr id="6" name="Rectángulo 5">
             <a:extLst>
               <a:ext uri="{FF2B5EF4-FFF2-40B4-BE49-F238E27FC236}">
-                <a16:creationId xmlns:a16="http://schemas.microsoft.com/office/drawing/2014/main" id="{1C2148E8-29B0-47B9-AB82-4263D9C3E039}"/>
+                <a16:creationId xmlns:a16="http://schemas.microsoft.com/office/drawing/2014/main" id="{7DCDF11F-935D-413B-93EB-EC9C70694C19}"/>
               </a:ext>
             </a:extLst>
           </p:cNvPr>
@@ -12650,17 +14203,19 @@
         </p:nvSpPr>
         <p:spPr>
           <a:xfrm>
-            <a:off x="3193043" y="403410"/>
-            <a:ext cx="5801865" cy="4390465"/>
+            <a:off x="295837" y="1276419"/>
+            <a:ext cx="3887057" cy="3355041"/>
           </a:xfrm>
           <a:prstGeom prst="rect">
             <a:avLst/>
           </a:prstGeom>
           <a:solidFill>
-            <a:srgbClr val="FFDE59"/>
+            <a:srgbClr val="FFFFFF"/>
           </a:solidFill>
           <a:ln>
-            <a:noFill/>
+            <a:solidFill>
+              <a:srgbClr val="BAF7C9"/>
+            </a:solidFill>
           </a:ln>
         </p:spPr>
         <p:style>
@@ -12683,313 +14238,111 @@
           <a:bodyPr rtlCol="0" anchor="ctr"/>
           <a:lstStyle/>
           <a:p>
-            <a:pPr algn="ctr"/>
-            <a:endParaRPr lang="es-CO"/>
+            <a:pPr marL="0" marR="0" lvl="0" indent="0" algn="ctr" defTabSz="914400" rtl="0" eaLnBrk="1" fontAlgn="auto" latinLnBrk="0" hangingPunct="1">
+              <a:lnSpc>
+                <a:spcPct val="100000"/>
+              </a:lnSpc>
+              <a:spcBef>
+                <a:spcPts val="0"/>
+              </a:spcBef>
+              <a:spcAft>
+                <a:spcPts val="0"/>
+              </a:spcAft>
+              <a:buClr>
+                <a:srgbClr val="000000"/>
+              </a:buClr>
+              <a:buSzTx/>
+              <a:buFont typeface="Arial"/>
+              <a:buNone/>
+              <a:tabLst/>
+              <a:defRPr/>
+            </a:pPr>
+            <a:endParaRPr kumimoji="0" lang="es-CO" sz="1400" b="0" i="0" u="none" strike="noStrike" kern="0" cap="none" spc="0" normalizeH="0" baseline="0" noProof="0">
+              <a:ln>
+                <a:noFill/>
+              </a:ln>
+              <a:solidFill>
+                <a:srgbClr val="BAF7C9"/>
+              </a:solidFill>
+              <a:effectLst/>
+              <a:uLnTx/>
+              <a:uFillTx/>
+              <a:latin typeface="Arial"/>
+              <a:ea typeface="+mn-ea"/>
+              <a:cs typeface="+mn-cs"/>
+              <a:sym typeface="Arial"/>
+            </a:endParaRPr>
           </a:p>
         </p:txBody>
       </p:sp>
       <p:sp>
         <p:nvSpPr>
-          <p:cNvPr id="7" name="Rectángulo 6">
+          <p:cNvPr id="9" name="CuadroTexto 8">
             <a:extLst>
               <a:ext uri="{FF2B5EF4-FFF2-40B4-BE49-F238E27FC236}">
-                <a16:creationId xmlns:a16="http://schemas.microsoft.com/office/drawing/2014/main" id="{7D51D62D-F866-480C-BB56-3911EC80193D}"/>
+                <a16:creationId xmlns:a16="http://schemas.microsoft.com/office/drawing/2014/main" id="{96A49DC7-5E6F-47D9-B4D4-5E7A5DC31FAE}"/>
               </a:ext>
             </a:extLst>
           </p:cNvPr>
-          <p:cNvSpPr/>
+          <p:cNvSpPr txBox="1"/>
           <p:nvPr/>
         </p:nvSpPr>
         <p:spPr>
           <a:xfrm>
-            <a:off x="-10483" y="2212040"/>
-            <a:ext cx="3356034" cy="1169895"/>
+            <a:off x="5959659" y="1052271"/>
+            <a:ext cx="2823653" cy="307777"/>
           </a:xfrm>
           <a:prstGeom prst="rect">
             <a:avLst/>
           </a:prstGeom>
-          <a:solidFill>
-            <a:srgbClr val="94DD26"/>
-          </a:solidFill>
-          <a:ln>
-            <a:noFill/>
-          </a:ln>
-        </p:spPr>
-        <p:style>
-          <a:lnRef idx="2">
-            <a:schemeClr val="accent1">
-              <a:shade val="50000"/>
-            </a:schemeClr>
-          </a:lnRef>
-          <a:fillRef idx="1">
-            <a:schemeClr val="accent1"/>
-          </a:fillRef>
-          <a:effectRef idx="0">
-            <a:schemeClr val="accent1"/>
-          </a:effectRef>
-          <a:fontRef idx="minor">
-            <a:schemeClr val="lt1"/>
-          </a:fontRef>
-        </p:style>
+          <a:noFill/>
+        </p:spPr>
         <p:txBody>
-          <a:bodyPr rtlCol="0" anchor="ctr"/>
-          <a:lstStyle/>
-          <a:p>
-            <a:pPr algn="ctr"/>
-            <a:endParaRPr lang="es-CO"/>
-          </a:p>
-        </p:txBody>
-      </p:sp>
-      <p:sp>
-        <p:nvSpPr>
-          <p:cNvPr id="8" name="Rectángulo 7">
-            <a:extLst>
-              <a:ext uri="{FF2B5EF4-FFF2-40B4-BE49-F238E27FC236}">
-                <a16:creationId xmlns:a16="http://schemas.microsoft.com/office/drawing/2014/main" id="{13EB4147-DCE5-4698-A3B6-4D7F472AAE93}"/>
-              </a:ext>
-            </a:extLst>
-          </p:cNvPr>
-          <p:cNvSpPr/>
-          <p:nvPr/>
-        </p:nvSpPr>
-        <p:spPr>
-          <a:xfrm>
-            <a:off x="3342135" y="496605"/>
-            <a:ext cx="5801865" cy="4390465"/>
-          </a:xfrm>
-          <a:prstGeom prst="rect">
-            <a:avLst/>
-          </a:prstGeom>
-          <a:solidFill>
-            <a:srgbClr val="94DD26"/>
-          </a:solidFill>
-          <a:ln>
-            <a:noFill/>
-          </a:ln>
-        </p:spPr>
-        <p:style>
-          <a:lnRef idx="2">
-            <a:schemeClr val="accent1">
-              <a:shade val="50000"/>
-            </a:schemeClr>
-          </a:lnRef>
-          <a:fillRef idx="1">
-            <a:schemeClr val="accent1"/>
-          </a:fillRef>
-          <a:effectRef idx="0">
-            <a:schemeClr val="accent1"/>
-          </a:effectRef>
-          <a:fontRef idx="minor">
-            <a:schemeClr val="lt1"/>
-          </a:fontRef>
-        </p:style>
-        <p:txBody>
-          <a:bodyPr rtlCol="0" anchor="ctr"/>
-          <a:lstStyle/>
-          <a:p>
-            <a:pPr algn="ctr"/>
-            <a:endParaRPr lang="es-CO"/>
-          </a:p>
-        </p:txBody>
-      </p:sp>
-      <p:sp>
-        <p:nvSpPr>
-          <p:cNvPr id="166" name="Google Shape;166;p26"/>
-          <p:cNvSpPr txBox="1">
-            <a:spLocks noGrp="1"/>
-          </p:cNvSpPr>
-          <p:nvPr>
-            <p:ph type="ctrTitle"/>
-          </p:nvPr>
-        </p:nvSpPr>
-        <p:spPr>
-          <a:xfrm>
-            <a:off x="149092" y="2720974"/>
-            <a:ext cx="2913981" cy="660961"/>
-          </a:xfrm>
-          <a:prstGeom prst="rect">
-            <a:avLst/>
-          </a:prstGeom>
-        </p:spPr>
-        <p:txBody>
-          <a:bodyPr spcFirstLastPara="1" wrap="square" lIns="91425" tIns="91425" rIns="91425" bIns="91425" anchor="b" anchorCtr="0">
-            <a:noAutofit/>
+          <a:bodyPr wrap="square" rtlCol="0">
+            <a:spAutoFit/>
           </a:bodyPr>
           <a:lstStyle/>
           <a:p>
-            <a:pPr marL="0" lvl="0" indent="0" algn="ctr" rtl="0">
+            <a:pPr marL="0" marR="0" lvl="0" indent="0" algn="r" defTabSz="914400" rtl="0" eaLnBrk="1" fontAlgn="auto" latinLnBrk="0" hangingPunct="1">
+              <a:lnSpc>
+                <a:spcPct val="100000"/>
+              </a:lnSpc>
               <a:spcBef>
                 <a:spcPts val="0"/>
               </a:spcBef>
               <a:spcAft>
                 <a:spcPts val="0"/>
               </a:spcAft>
+              <a:buClr>
+                <a:srgbClr val="000000"/>
+              </a:buClr>
+              <a:buSzTx/>
+              <a:buFont typeface="Arial"/>
               <a:buNone/>
+              <a:tabLst/>
+              <a:defRPr/>
             </a:pPr>
             <a:r>
-              <a:rPr lang="en" sz="3200" dirty="0">
+              <a:rPr lang="es-ES" dirty="0">
                 <a:solidFill>
-                  <a:schemeClr val="tx1"/>
+                  <a:srgbClr val="666666">
+                    <a:lumMod val="60000"/>
+                    <a:lumOff val="40000"/>
+                  </a:srgbClr>
                 </a:solidFill>
+                <a:latin typeface="Staatliches" panose="020B0604020202020204" charset="0"/>
               </a:rPr>
-              <a:t>02. </a:t>
+              <a:t>Negativo de un numero</a:t>
             </a:r>
-            <a:r>
-              <a:rPr lang="es-ES" sz="3200" dirty="0">
-                <a:solidFill>
-                  <a:schemeClr val="tx1"/>
-                </a:solidFill>
-              </a:rPr>
-              <a:t>Estructura de datos</a:t>
-            </a:r>
-            <a:endParaRPr sz="3200" dirty="0">
-              <a:solidFill>
-                <a:schemeClr val="tx1"/>
-              </a:solidFill>
-            </a:endParaRPr>
           </a:p>
         </p:txBody>
       </p:sp>
       <p:pic>
         <p:nvPicPr>
-          <p:cNvPr id="1028" name="Picture 4" descr="Símbolos Universitarios – Universidad de Nariño">
+          <p:cNvPr id="10" name="Imagen 9" descr="Forma&#10;&#10;Descripción generada automáticamente con confianza media">
             <a:extLst>
               <a:ext uri="{FF2B5EF4-FFF2-40B4-BE49-F238E27FC236}">
-                <a16:creationId xmlns:a16="http://schemas.microsoft.com/office/drawing/2014/main" id="{EDF64FA2-360A-4D3A-AF78-F1E4C7CCFD55}"/>
-              </a:ext>
-            </a:extLst>
-          </p:cNvPr>
-          <p:cNvPicPr>
-            <a:picLocks noChangeAspect="1" noChangeArrowheads="1"/>
-          </p:cNvPicPr>
-          <p:nvPr/>
-        </p:nvPicPr>
-        <p:blipFill>
-          <a:blip r:embed="rId3">
-            <a:extLst>
-              <a:ext uri="{28A0092B-C50C-407E-A947-70E740481C1C}">
-                <a14:useLocalDpi xmlns:a14="http://schemas.microsoft.com/office/drawing/2010/main" val="0"/>
-              </a:ext>
-            </a:extLst>
-          </a:blip>
-          <a:srcRect/>
-          <a:stretch>
-            <a:fillRect/>
-          </a:stretch>
-        </p:blipFill>
-        <p:spPr bwMode="auto">
-          <a:xfrm>
-            <a:off x="291117" y="219456"/>
-            <a:ext cx="660961" cy="660961"/>
-          </a:xfrm>
-          <a:prstGeom prst="rect">
-            <a:avLst/>
-          </a:prstGeom>
-          <a:noFill/>
-          <a:extLst>
-            <a:ext uri="{909E8E84-426E-40DD-AFC4-6F175D3DCCD1}">
-              <a14:hiddenFill xmlns:a14="http://schemas.microsoft.com/office/drawing/2010/main">
-                <a:solidFill>
-                  <a:srgbClr val="FFFFFF"/>
-                </a:solidFill>
-              </a14:hiddenFill>
-            </a:ext>
-          </a:extLst>
-        </p:spPr>
-      </p:pic>
-      <p:pic>
-        <p:nvPicPr>
-          <p:cNvPr id="417" name="Imagen 416">
-            <a:extLst>
-              <a:ext uri="{FF2B5EF4-FFF2-40B4-BE49-F238E27FC236}">
-                <a16:creationId xmlns:a16="http://schemas.microsoft.com/office/drawing/2014/main" id="{6C54B729-21DA-4852-927D-4E13F29541B2}"/>
-              </a:ext>
-            </a:extLst>
-          </p:cNvPr>
-          <p:cNvPicPr>
-            <a:picLocks noChangeAspect="1"/>
-          </p:cNvPicPr>
-          <p:nvPr/>
-        </p:nvPicPr>
-        <p:blipFill rotWithShape="1">
-          <a:blip r:embed="rId4"/>
-          <a:srcRect l="53279" t="4713" r="5319"/>
-          <a:stretch/>
-        </p:blipFill>
-        <p:spPr>
-          <a:xfrm>
-            <a:off x="1082048" y="147745"/>
-            <a:ext cx="918577" cy="804385"/>
-          </a:xfrm>
-          <a:prstGeom prst="ellipse">
-            <a:avLst/>
-          </a:prstGeom>
-          <a:ln>
-            <a:noFill/>
-          </a:ln>
-          <a:effectLst>
-            <a:softEdge rad="112500"/>
-          </a:effectLst>
-        </p:spPr>
-      </p:pic>
-      <p:sp>
-        <p:nvSpPr>
-          <p:cNvPr id="4" name="Rectángulo 3">
-            <a:extLst>
-              <a:ext uri="{FF2B5EF4-FFF2-40B4-BE49-F238E27FC236}">
-                <a16:creationId xmlns:a16="http://schemas.microsoft.com/office/drawing/2014/main" id="{F04C2CAB-775C-4D47-9732-B8CCEE3CC5EB}"/>
-              </a:ext>
-            </a:extLst>
-          </p:cNvPr>
-          <p:cNvSpPr/>
-          <p:nvPr/>
-        </p:nvSpPr>
-        <p:spPr>
-          <a:xfrm>
-            <a:off x="3494643" y="665629"/>
-            <a:ext cx="5555228" cy="4128246"/>
-          </a:xfrm>
-          <a:prstGeom prst="rect">
-            <a:avLst/>
-          </a:prstGeom>
-          <a:solidFill>
-            <a:srgbClr val="FFFFFF"/>
-          </a:solidFill>
-          <a:ln>
-            <a:noFill/>
-          </a:ln>
-        </p:spPr>
-        <p:style>
-          <a:lnRef idx="2">
-            <a:schemeClr val="accent1">
-              <a:shade val="50000"/>
-            </a:schemeClr>
-          </a:lnRef>
-          <a:fillRef idx="1">
-            <a:schemeClr val="accent1"/>
-          </a:fillRef>
-          <a:effectRef idx="0">
-            <a:schemeClr val="accent1"/>
-          </a:effectRef>
-          <a:fontRef idx="minor">
-            <a:schemeClr val="lt1"/>
-          </a:fontRef>
-        </p:style>
-        <p:txBody>
-          <a:bodyPr rtlCol="0" anchor="ctr"/>
-          <a:lstStyle/>
-          <a:p>
-            <a:pPr algn="ctr"/>
-            <a:endParaRPr lang="es-CO"/>
-          </a:p>
-        </p:txBody>
-      </p:sp>
-      <p:pic>
-        <p:nvPicPr>
-          <p:cNvPr id="10" name="Imagen 9">
-            <a:extLst>
-              <a:ext uri="{FF2B5EF4-FFF2-40B4-BE49-F238E27FC236}">
-                <a16:creationId xmlns:a16="http://schemas.microsoft.com/office/drawing/2014/main" id="{07EF8207-E833-45A9-ADDF-FDFB555654F9}"/>
+                <a16:creationId xmlns:a16="http://schemas.microsoft.com/office/drawing/2014/main" id="{D198BBEB-B0F5-4149-A787-80D45D1268F8}"/>
               </a:ext>
             </a:extLst>
           </p:cNvPr>
@@ -12999,74 +14352,15 @@
           <p:nvPr/>
         </p:nvPicPr>
         <p:blipFill>
-          <a:blip r:embed="rId5"/>
+          <a:blip r:embed="rId4"/>
           <a:stretch>
             <a:fillRect/>
           </a:stretch>
         </p:blipFill>
         <p:spPr>
           <a:xfrm>
-            <a:off x="4763310" y="2359847"/>
-            <a:ext cx="4064659" cy="2287048"/>
-          </a:xfrm>
-          <a:prstGeom prst="rect">
-            <a:avLst/>
-          </a:prstGeom>
-        </p:spPr>
-      </p:pic>
-      <p:pic>
-        <p:nvPicPr>
-          <p:cNvPr id="2" name="Imagen 1">
-            <a:extLst>
-              <a:ext uri="{FF2B5EF4-FFF2-40B4-BE49-F238E27FC236}">
-                <a16:creationId xmlns:a16="http://schemas.microsoft.com/office/drawing/2014/main" id="{98553344-B994-4282-AEED-DA3F40CC974C}"/>
-              </a:ext>
-            </a:extLst>
-          </p:cNvPr>
-          <p:cNvPicPr>
-            <a:picLocks noChangeAspect="1"/>
-          </p:cNvPicPr>
-          <p:nvPr/>
-        </p:nvPicPr>
-        <p:blipFill rotWithShape="1">
-          <a:blip r:embed="rId6"/>
-          <a:srcRect l="16892" r="14542"/>
-          <a:stretch/>
-        </p:blipFill>
-        <p:spPr>
-          <a:xfrm>
-            <a:off x="3674236" y="886662"/>
-            <a:ext cx="1950207" cy="1587485"/>
-          </a:xfrm>
-          <a:prstGeom prst="rect">
-            <a:avLst/>
-          </a:prstGeom>
-        </p:spPr>
-      </p:pic>
-      <p:pic>
-        <p:nvPicPr>
-          <p:cNvPr id="11" name="Imagen 10">
-            <a:extLst>
-              <a:ext uri="{FF2B5EF4-FFF2-40B4-BE49-F238E27FC236}">
-                <a16:creationId xmlns:a16="http://schemas.microsoft.com/office/drawing/2014/main" id="{74EA1CE9-C626-437A-953F-11B6CAAF6E15}"/>
-              </a:ext>
-            </a:extLst>
-          </p:cNvPr>
-          <p:cNvPicPr>
-            <a:picLocks noChangeAspect="1"/>
-          </p:cNvPicPr>
-          <p:nvPr/>
-        </p:nvPicPr>
-        <p:blipFill>
-          <a:blip r:embed="rId7"/>
-          <a:stretch>
-            <a:fillRect/>
-          </a:stretch>
-        </p:blipFill>
-        <p:spPr>
-          <a:xfrm>
-            <a:off x="6093975" y="902072"/>
-            <a:ext cx="2095949" cy="1309968"/>
+            <a:off x="371815" y="1707484"/>
+            <a:ext cx="3631337" cy="2492909"/>
           </a:xfrm>
           <a:prstGeom prst="rect">
             <a:avLst/>
@@ -13076,7 +14370,7 @@
     </p:spTree>
     <p:extLst>
       <p:ext uri="{BB962C8B-B14F-4D97-AF65-F5344CB8AC3E}">
-        <p14:creationId xmlns:p14="http://schemas.microsoft.com/office/powerpoint/2010/main" val="485222575"/>
+        <p14:creationId xmlns:p14="http://schemas.microsoft.com/office/powerpoint/2010/main" val="1962491613"/>
       </p:ext>
     </p:extLst>
   </p:cSld>
@@ -13121,31 +14415,57 @@
         </p:nvSpPr>
         <p:spPr>
           <a:xfrm flipH="1">
-            <a:off x="4008219" y="2630916"/>
-            <a:ext cx="4840506" cy="845102"/>
+            <a:off x="4329594" y="2329674"/>
+            <a:ext cx="4624477" cy="1082474"/>
           </a:xfrm>
         </p:spPr>
         <p:txBody>
           <a:bodyPr/>
           <a:lstStyle/>
           <a:p>
-            <a:pPr marL="152400" indent="0" algn="just">
+            <a:pPr marL="152400" indent="0">
               <a:buNone/>
             </a:pPr>
             <a:r>
-              <a:rPr lang="es-CO" sz="1200" dirty="0">
+              <a:rPr lang="es-ES" dirty="0">
                 <a:latin typeface="Abadi" panose="020B0604020104020204" pitchFamily="34" charset="0"/>
               </a:rPr>
-              <a:t>El Montículo binario o cola de prioridad es una estructura de datos que nos permite sacar el máximo o el mínimo de un conjunto de datos con mayor eficiencia. </a:t>
+              <a:t>El bit menos significativo se halla haciendo un and entre el numero y su negativo</a:t>
             </a:r>
           </a:p>
+        </p:txBody>
+      </p:sp>
+      <p:sp>
+        <p:nvSpPr>
+          <p:cNvPr id="3" name="Título 2">
+            <a:extLst>
+              <a:ext uri="{FF2B5EF4-FFF2-40B4-BE49-F238E27FC236}">
+                <a16:creationId xmlns:a16="http://schemas.microsoft.com/office/drawing/2014/main" id="{958E9C0A-1B7C-480F-B568-0D2DDEF32A6F}"/>
+              </a:ext>
+            </a:extLst>
+          </p:cNvPr>
+          <p:cNvSpPr>
+            <a:spLocks noGrp="1"/>
+          </p:cNvSpPr>
+          <p:nvPr>
+            <p:ph type="ctrTitle"/>
+          </p:nvPr>
+        </p:nvSpPr>
+        <p:spPr>
+          <a:xfrm>
+            <a:off x="5653463" y="439731"/>
+            <a:ext cx="3194700" cy="481200"/>
+          </a:xfrm>
+        </p:spPr>
+        <p:txBody>
+          <a:bodyPr/>
+          <a:lstStyle/>
           <a:p>
-            <a:pPr marL="152400" indent="0" algn="just">
-              <a:buNone/>
-            </a:pPr>
-            <a:endParaRPr lang="es-CO" sz="1200" dirty="0">
-              <a:latin typeface="Abadi" panose="020B0604020104020204" pitchFamily="34" charset="0"/>
-            </a:endParaRPr>
+            <a:r>
+              <a:rPr lang="es-ES" dirty="0"/>
+              <a:t>Mascara de bits</a:t>
+            </a:r>
+            <a:endParaRPr lang="es-CO" dirty="0"/>
           </a:p>
         </p:txBody>
       </p:sp>
@@ -13178,7 +14498,7 @@
         </p:blipFill>
         <p:spPr bwMode="auto">
           <a:xfrm>
-            <a:off x="261990" y="192093"/>
+            <a:off x="215587" y="259970"/>
             <a:ext cx="660961" cy="660961"/>
           </a:xfrm>
           <a:prstGeom prst="rect">
@@ -13217,7 +14537,7 @@
         </p:blipFill>
         <p:spPr>
           <a:xfrm>
-            <a:off x="1071372" y="144121"/>
+            <a:off x="984125" y="201706"/>
             <a:ext cx="918577" cy="804385"/>
           </a:xfrm>
           <a:prstGeom prst="ellipse">
@@ -13236,7 +14556,7 @@
           <p:cNvPr id="6" name="Rectángulo 5">
             <a:extLst>
               <a:ext uri="{FF2B5EF4-FFF2-40B4-BE49-F238E27FC236}">
-                <a16:creationId xmlns:a16="http://schemas.microsoft.com/office/drawing/2014/main" id="{EC2D0E56-7D0C-40D0-8E56-B8801C98D13A}"/>
+                <a16:creationId xmlns:a16="http://schemas.microsoft.com/office/drawing/2014/main" id="{7DCDF11F-935D-413B-93EB-EC9C70694C19}"/>
               </a:ext>
             </a:extLst>
           </p:cNvPr>
@@ -13245,8 +14565,8 @@
         </p:nvSpPr>
         <p:spPr>
           <a:xfrm>
-            <a:off x="477806" y="1288421"/>
-            <a:ext cx="3521783" cy="3355041"/>
+            <a:off x="295837" y="1276419"/>
+            <a:ext cx="3887057" cy="3355041"/>
           </a:xfrm>
           <a:prstGeom prst="rect">
             <a:avLst/>
@@ -13280,50 +14600,119 @@
           <a:bodyPr rtlCol="0" anchor="ctr"/>
           <a:lstStyle/>
           <a:p>
-            <a:pPr algn="ctr"/>
-            <a:endParaRPr lang="es-CO"/>
+            <a:pPr marL="0" marR="0" lvl="0" indent="0" algn="ctr" defTabSz="914400" rtl="0" eaLnBrk="1" fontAlgn="auto" latinLnBrk="0" hangingPunct="1">
+              <a:lnSpc>
+                <a:spcPct val="100000"/>
+              </a:lnSpc>
+              <a:spcBef>
+                <a:spcPts val="0"/>
+              </a:spcBef>
+              <a:spcAft>
+                <a:spcPts val="0"/>
+              </a:spcAft>
+              <a:buClr>
+                <a:srgbClr val="000000"/>
+              </a:buClr>
+              <a:buSzTx/>
+              <a:buFont typeface="Arial"/>
+              <a:buNone/>
+              <a:tabLst/>
+              <a:defRPr/>
+            </a:pPr>
+            <a:endParaRPr kumimoji="0" lang="es-CO" sz="1400" b="0" i="0" u="none" strike="noStrike" kern="0" cap="none" spc="0" normalizeH="0" baseline="0" noProof="0">
+              <a:ln>
+                <a:noFill/>
+              </a:ln>
+              <a:solidFill>
+                <a:srgbClr val="BAF7C9"/>
+              </a:solidFill>
+              <a:effectLst/>
+              <a:uLnTx/>
+              <a:uFillTx/>
+              <a:latin typeface="Arial"/>
+              <a:ea typeface="+mn-ea"/>
+              <a:cs typeface="+mn-cs"/>
+              <a:sym typeface="Arial"/>
+            </a:endParaRPr>
           </a:p>
         </p:txBody>
       </p:sp>
       <p:sp>
         <p:nvSpPr>
-          <p:cNvPr id="10" name="Título 2">
+          <p:cNvPr id="9" name="CuadroTexto 8">
             <a:extLst>
               <a:ext uri="{FF2B5EF4-FFF2-40B4-BE49-F238E27FC236}">
-                <a16:creationId xmlns:a16="http://schemas.microsoft.com/office/drawing/2014/main" id="{4B4F06C2-20E6-40C1-BAD4-30FB77130CD3}"/>
+                <a16:creationId xmlns:a16="http://schemas.microsoft.com/office/drawing/2014/main" id="{96A49DC7-5E6F-47D9-B4D4-5E7A5DC31FAE}"/>
               </a:ext>
             </a:extLst>
           </p:cNvPr>
-          <p:cNvSpPr>
-            <a:spLocks noGrp="1"/>
-          </p:cNvSpPr>
-          <p:nvPr>
-            <p:ph type="ctrTitle"/>
-          </p:nvPr>
+          <p:cNvSpPr txBox="1"/>
+          <p:nvPr/>
         </p:nvSpPr>
         <p:spPr>
           <a:xfrm>
-            <a:off x="5653088" y="371475"/>
-            <a:ext cx="3195637" cy="481013"/>
-          </a:xfrm>
+            <a:off x="5959659" y="1052271"/>
+            <a:ext cx="2823653" cy="307777"/>
+          </a:xfrm>
+          <a:prstGeom prst="rect">
+            <a:avLst/>
+          </a:prstGeom>
+          <a:noFill/>
         </p:spPr>
         <p:txBody>
-          <a:bodyPr/>
+          <a:bodyPr wrap="square" rtlCol="0">
+            <a:spAutoFit/>
+          </a:bodyPr>
           <a:lstStyle/>
           <a:p>
+            <a:pPr marL="0" marR="0" lvl="0" indent="0" algn="r" defTabSz="914400" rtl="0" eaLnBrk="1" fontAlgn="auto" latinLnBrk="0" hangingPunct="1">
+              <a:lnSpc>
+                <a:spcPct val="100000"/>
+              </a:lnSpc>
+              <a:spcBef>
+                <a:spcPts val="0"/>
+              </a:spcBef>
+              <a:spcAft>
+                <a:spcPts val="0"/>
+              </a:spcAft>
+              <a:buClr>
+                <a:srgbClr val="000000"/>
+              </a:buClr>
+              <a:buSzTx/>
+              <a:buFont typeface="Arial"/>
+              <a:buNone/>
+              <a:tabLst/>
+              <a:defRPr/>
+            </a:pPr>
             <a:r>
-              <a:rPr lang="es-CO" dirty="0"/>
-              <a:t>montículo  Binario </a:t>
+              <a:rPr kumimoji="0" lang="es-ES" sz="1400" b="0" i="0" u="none" strike="noStrike" kern="0" cap="none" spc="0" normalizeH="0" baseline="0" noProof="0" dirty="0">
+                <a:ln>
+                  <a:noFill/>
+                </a:ln>
+                <a:solidFill>
+                  <a:srgbClr val="666666">
+                    <a:lumMod val="60000"/>
+                    <a:lumOff val="40000"/>
+                  </a:srgbClr>
+                </a:solidFill>
+                <a:effectLst/>
+                <a:uLnTx/>
+                <a:uFillTx/>
+                <a:latin typeface="Staatliches" panose="020B0604020202020204" charset="0"/>
+                <a:cs typeface="Arial"/>
+                <a:sym typeface="Arial"/>
+              </a:rPr>
+              <a:t>bit menos significativo</a:t>
             </a:r>
           </a:p>
         </p:txBody>
       </p:sp>
       <p:pic>
         <p:nvPicPr>
-          <p:cNvPr id="7" name="Imagen 6" descr="Imagen que contiene reloj&#10;&#10;Descripción generada automáticamente">
+          <p:cNvPr id="10" name="Imagen 9" descr="Forma&#10;&#10;Descripción generada automáticamente con confianza baja">
             <a:extLst>
               <a:ext uri="{FF2B5EF4-FFF2-40B4-BE49-F238E27FC236}">
-                <a16:creationId xmlns:a16="http://schemas.microsoft.com/office/drawing/2014/main" id="{F6D14717-9CAC-468E-9349-74EDB44A320E}"/>
+                <a16:creationId xmlns:a16="http://schemas.microsoft.com/office/drawing/2014/main" id="{4B6B5D50-F232-41E8-87F2-8223CAAFA2E6}"/>
               </a:ext>
             </a:extLst>
           </p:cNvPr>
@@ -13340,8 +14729,8 @@
         </p:blipFill>
         <p:spPr>
           <a:xfrm>
-            <a:off x="922951" y="1680114"/>
-            <a:ext cx="2557044" cy="2340992"/>
+            <a:off x="546067" y="1687428"/>
+            <a:ext cx="3446834" cy="2533022"/>
           </a:xfrm>
           <a:prstGeom prst="rect">
             <a:avLst/>
@@ -13351,7 +14740,7 @@
     </p:spTree>
     <p:extLst>
       <p:ext uri="{BB962C8B-B14F-4D97-AF65-F5344CB8AC3E}">
-        <p14:creationId xmlns:p14="http://schemas.microsoft.com/office/powerpoint/2010/main" val="3384925096"/>
+        <p14:creationId xmlns:p14="http://schemas.microsoft.com/office/powerpoint/2010/main" val="1207326019"/>
       </p:ext>
     </p:extLst>
   </p:cSld>
